--- a/네트워크 기초/발표자료_1/(3팀)이동통신기술 및 서비스.pptx
+++ b/네트워크 기초/발표자료_1/(3팀)이동통신기술 및 서비스.pptx
@@ -1,11 +1,11 @@
 
 <file path=ppt/presentation.xml><?xml version="1.0" encoding="utf-8"?>
-<p:presentation xmlns:a="http://schemas.openxmlformats.org/drawingml/2006/main" xmlns:r="http://schemas.openxmlformats.org/officeDocument/2006/relationships" xmlns:p="http://schemas.openxmlformats.org/presentationml/2006/main" saveSubsetFonts="1">
+<p:presentation xmlns:a="http://schemas.openxmlformats.org/drawingml/2006/main" xmlns:r="http://schemas.openxmlformats.org/officeDocument/2006/relationships" xmlns:p="http://schemas.openxmlformats.org/presentationml/2006/main" showSpecialPlsOnTitleSld="0" saveSubsetFonts="1">
   <p:sldMasterIdLst>
     <p:sldMasterId id="2147483648" r:id="rId1"/>
   </p:sldMasterIdLst>
   <p:notesMasterIdLst>
-    <p:notesMasterId r:id="rId45"/>
+    <p:notesMasterId r:id="rId52"/>
   </p:notesMasterIdLst>
   <p:sldIdLst>
     <p:sldId id="256" r:id="rId2"/>
@@ -50,7 +50,14 @@
     <p:sldId id="304" r:id="rId41"/>
     <p:sldId id="305" r:id="rId42"/>
     <p:sldId id="307" r:id="rId43"/>
-    <p:sldId id="259" r:id="rId44"/>
+    <p:sldId id="310" r:id="rId44"/>
+    <p:sldId id="311" r:id="rId45"/>
+    <p:sldId id="312" r:id="rId46"/>
+    <p:sldId id="313" r:id="rId47"/>
+    <p:sldId id="314" r:id="rId48"/>
+    <p:sldId id="315" r:id="rId49"/>
+    <p:sldId id="316" r:id="rId50"/>
+    <p:sldId id="259" r:id="rId51"/>
   </p:sldIdLst>
   <p:sldSz cx="12192000" cy="6858000"/>
   <p:notesSz cx="6858000" cy="9144000"/>
@@ -239,7 +246,7 @@
           <a:p>
             <a:fld id="{08C4DCC2-AFA3-46F9-90F6-9A5300405D91}" type="datetimeFigureOut">
               <a:rPr lang="ko-KR" altLang="en-US" smtClean="0"/>
-              <a:t>2025-04-26</a:t>
+              <a:t>2025-04-28</a:t>
             </a:fld>
             <a:endParaRPr lang="ko-KR" altLang="en-US"/>
           </a:p>
@@ -735,9 +742,9 @@
           <a:bodyPr/>
           <a:lstStyle/>
           <a:p>
-            <a:fld id="{DE2BA64F-2414-4023-9F48-55F1CB86DD45}" type="datetimeFigureOut">
+            <a:fld id="{137939F9-8A5F-4D22-A7B8-CF3D5057AA1E}" type="datetime1">
               <a:rPr lang="ko-KR" altLang="en-US" smtClean="0"/>
-              <a:t>2025-04-26</a:t>
+              <a:t>2025-04-28</a:t>
             </a:fld>
             <a:endParaRPr lang="ko-KR" altLang="en-US"/>
           </a:p>
@@ -933,9 +940,9 @@
           <a:bodyPr/>
           <a:lstStyle/>
           <a:p>
-            <a:fld id="{DE2BA64F-2414-4023-9F48-55F1CB86DD45}" type="datetimeFigureOut">
+            <a:fld id="{49EE1746-1BD6-4388-815F-B0711D1D5B8B}" type="datetime1">
               <a:rPr lang="ko-KR" altLang="en-US" smtClean="0"/>
-              <a:t>2025-04-26</a:t>
+              <a:t>2025-04-28</a:t>
             </a:fld>
             <a:endParaRPr lang="ko-KR" altLang="en-US"/>
           </a:p>
@@ -1141,9 +1148,9 @@
           <a:bodyPr/>
           <a:lstStyle/>
           <a:p>
-            <a:fld id="{DE2BA64F-2414-4023-9F48-55F1CB86DD45}" type="datetimeFigureOut">
+            <a:fld id="{13B6C7F8-F143-4F96-9F6E-800994C3F4F6}" type="datetime1">
               <a:rPr lang="ko-KR" altLang="en-US" smtClean="0"/>
-              <a:t>2025-04-26</a:t>
+              <a:t>2025-04-28</a:t>
             </a:fld>
             <a:endParaRPr lang="ko-KR" altLang="en-US"/>
           </a:p>
@@ -1339,9 +1346,9 @@
           <a:bodyPr/>
           <a:lstStyle/>
           <a:p>
-            <a:fld id="{DE2BA64F-2414-4023-9F48-55F1CB86DD45}" type="datetimeFigureOut">
+            <a:fld id="{8166C0EA-1815-45BF-91CA-949F0446342A}" type="datetime1">
               <a:rPr lang="ko-KR" altLang="en-US" smtClean="0"/>
-              <a:t>2025-04-26</a:t>
+              <a:t>2025-04-28</a:t>
             </a:fld>
             <a:endParaRPr lang="ko-KR" altLang="en-US"/>
           </a:p>
@@ -1614,9 +1621,9 @@
           <a:bodyPr/>
           <a:lstStyle/>
           <a:p>
-            <a:fld id="{DE2BA64F-2414-4023-9F48-55F1CB86DD45}" type="datetimeFigureOut">
+            <a:fld id="{A6DC6483-CD4D-4C4B-9796-55C040834BAD}" type="datetime1">
               <a:rPr lang="ko-KR" altLang="en-US" smtClean="0"/>
-              <a:t>2025-04-26</a:t>
+              <a:t>2025-04-28</a:t>
             </a:fld>
             <a:endParaRPr lang="ko-KR" altLang="en-US"/>
           </a:p>
@@ -1879,9 +1886,9 @@
           <a:bodyPr/>
           <a:lstStyle/>
           <a:p>
-            <a:fld id="{DE2BA64F-2414-4023-9F48-55F1CB86DD45}" type="datetimeFigureOut">
+            <a:fld id="{895E146D-EDEC-4954-9C39-23D2033BE37A}" type="datetime1">
               <a:rPr lang="ko-KR" altLang="en-US" smtClean="0"/>
-              <a:t>2025-04-26</a:t>
+              <a:t>2025-04-28</a:t>
             </a:fld>
             <a:endParaRPr lang="ko-KR" altLang="en-US"/>
           </a:p>
@@ -2291,9 +2298,9 @@
           <a:bodyPr/>
           <a:lstStyle/>
           <a:p>
-            <a:fld id="{DE2BA64F-2414-4023-9F48-55F1CB86DD45}" type="datetimeFigureOut">
+            <a:fld id="{2047A428-BCC0-4643-96FC-DAADC9F29AB7}" type="datetime1">
               <a:rPr lang="ko-KR" altLang="en-US" smtClean="0"/>
-              <a:t>2025-04-26</a:t>
+              <a:t>2025-04-28</a:t>
             </a:fld>
             <a:endParaRPr lang="ko-KR" altLang="en-US"/>
           </a:p>
@@ -2432,9 +2439,9 @@
           <a:bodyPr/>
           <a:lstStyle/>
           <a:p>
-            <a:fld id="{DE2BA64F-2414-4023-9F48-55F1CB86DD45}" type="datetimeFigureOut">
+            <a:fld id="{F445C015-E544-4AFC-AEA8-7C4CB15E66A1}" type="datetime1">
               <a:rPr lang="ko-KR" altLang="en-US" smtClean="0"/>
-              <a:t>2025-04-26</a:t>
+              <a:t>2025-04-28</a:t>
             </a:fld>
             <a:endParaRPr lang="ko-KR" altLang="en-US"/>
           </a:p>
@@ -2545,9 +2552,9 @@
           <a:bodyPr/>
           <a:lstStyle/>
           <a:p>
-            <a:fld id="{DE2BA64F-2414-4023-9F48-55F1CB86DD45}" type="datetimeFigureOut">
+            <a:fld id="{07BB54BF-E269-4C62-9E58-49F883373022}" type="datetime1">
               <a:rPr lang="ko-KR" altLang="en-US" smtClean="0"/>
-              <a:t>2025-04-26</a:t>
+              <a:t>2025-04-28</a:t>
             </a:fld>
             <a:endParaRPr lang="ko-KR" altLang="en-US"/>
           </a:p>
@@ -2856,9 +2863,9 @@
           <a:bodyPr/>
           <a:lstStyle/>
           <a:p>
-            <a:fld id="{DE2BA64F-2414-4023-9F48-55F1CB86DD45}" type="datetimeFigureOut">
+            <a:fld id="{59D37398-22FF-4C2F-871D-6BE55F526E5A}" type="datetime1">
               <a:rPr lang="ko-KR" altLang="en-US" smtClean="0"/>
-              <a:t>2025-04-26</a:t>
+              <a:t>2025-04-28</a:t>
             </a:fld>
             <a:endParaRPr lang="ko-KR" altLang="en-US"/>
           </a:p>
@@ -3144,9 +3151,9 @@
           <a:bodyPr/>
           <a:lstStyle/>
           <a:p>
-            <a:fld id="{DE2BA64F-2414-4023-9F48-55F1CB86DD45}" type="datetimeFigureOut">
+            <a:fld id="{699672CB-F1DC-49FD-9C5B-15067802B4AF}" type="datetime1">
               <a:rPr lang="ko-KR" altLang="en-US" smtClean="0"/>
-              <a:t>2025-04-26</a:t>
+              <a:t>2025-04-28</a:t>
             </a:fld>
             <a:endParaRPr lang="ko-KR" altLang="en-US"/>
           </a:p>
@@ -3385,9 +3392,9 @@
             </a:lvl1pPr>
           </a:lstStyle>
           <a:p>
-            <a:fld id="{DE2BA64F-2414-4023-9F48-55F1CB86DD45}" type="datetimeFigureOut">
+            <a:fld id="{6A6E10ED-8F24-4183-8192-4A049FAF7096}" type="datetime1">
               <a:rPr lang="ko-KR" altLang="en-US" smtClean="0"/>
-              <a:t>2025-04-26</a:t>
+              <a:t>2025-04-28</a:t>
             </a:fld>
             <a:endParaRPr lang="ko-KR" altLang="en-US"/>
           </a:p>
@@ -3504,6 +3511,7 @@
     <p:sldLayoutId id="2147483658" r:id="rId10"/>
     <p:sldLayoutId id="2147483659" r:id="rId11"/>
   </p:sldLayoutIdLst>
+  <p:hf hdr="0" ftr="0" dt="0"/>
   <p:txStyles>
     <p:titleStyle>
       <a:lvl1pPr algn="l" defTabSz="914400" rtl="0" eaLnBrk="1" latinLnBrk="1" hangingPunct="1">
@@ -5088,6 +5096,35 @@
           </a:p>
         </p:txBody>
       </p:sp>
+      <p:sp>
+        <p:nvSpPr>
+          <p:cNvPr id="7" name="슬라이드 번호 개체 틀 6">
+            <a:extLst>
+              <a:ext uri="{FF2B5EF4-FFF2-40B4-BE49-F238E27FC236}">
+                <a16:creationId xmlns:a16="http://schemas.microsoft.com/office/drawing/2014/main" id="{E6387F32-37C4-C76F-DD38-871836EE4324}"/>
+              </a:ext>
+            </a:extLst>
+          </p:cNvPr>
+          <p:cNvSpPr>
+            <a:spLocks noGrp="1"/>
+          </p:cNvSpPr>
+          <p:nvPr>
+            <p:ph type="sldNum" sz="quarter" idx="12"/>
+          </p:nvPr>
+        </p:nvSpPr>
+        <p:spPr/>
+        <p:txBody>
+          <a:bodyPr/>
+          <a:lstStyle/>
+          <a:p>
+            <a:fld id="{1C8277D2-7E72-4AE2-8B1A-54440BCE74AB}" type="slidenum">
+              <a:rPr lang="ko-KR" altLang="en-US" smtClean="0"/>
+              <a:t>10</a:t>
+            </a:fld>
+            <a:endParaRPr lang="ko-KR" altLang="en-US"/>
+          </a:p>
+        </p:txBody>
+      </p:sp>
     </p:spTree>
     <p:extLst>
       <p:ext uri="{BB962C8B-B14F-4D97-AF65-F5344CB8AC3E}">
@@ -5848,6 +5885,35 @@
           </a:prstGeom>
         </p:spPr>
       </p:pic>
+      <p:sp>
+        <p:nvSpPr>
+          <p:cNvPr id="4" name="슬라이드 번호 개체 틀 3">
+            <a:extLst>
+              <a:ext uri="{FF2B5EF4-FFF2-40B4-BE49-F238E27FC236}">
+                <a16:creationId xmlns:a16="http://schemas.microsoft.com/office/drawing/2014/main" id="{11B79040-36EF-E4BD-0158-8AF40401B944}"/>
+              </a:ext>
+            </a:extLst>
+          </p:cNvPr>
+          <p:cNvSpPr>
+            <a:spLocks noGrp="1"/>
+          </p:cNvSpPr>
+          <p:nvPr>
+            <p:ph type="sldNum" sz="quarter" idx="12"/>
+          </p:nvPr>
+        </p:nvSpPr>
+        <p:spPr/>
+        <p:txBody>
+          <a:bodyPr/>
+          <a:lstStyle/>
+          <a:p>
+            <a:fld id="{1C8277D2-7E72-4AE2-8B1A-54440BCE74AB}" type="slidenum">
+              <a:rPr lang="ko-KR" altLang="en-US" smtClean="0"/>
+              <a:t>11</a:t>
+            </a:fld>
+            <a:endParaRPr lang="ko-KR" altLang="en-US"/>
+          </a:p>
+        </p:txBody>
+      </p:sp>
     </p:spTree>
     <p:extLst>
       <p:ext uri="{BB962C8B-B14F-4D97-AF65-F5344CB8AC3E}">
@@ -6150,6 +6216,35 @@
               <a:t>세대 이동통신 기술</a:t>
             </a:r>
             <a:endParaRPr lang="ko-KR" altLang="en-US" u="sng" dirty="0"/>
+          </a:p>
+        </p:txBody>
+      </p:sp>
+      <p:sp>
+        <p:nvSpPr>
+          <p:cNvPr id="4" name="슬라이드 번호 개체 틀 3">
+            <a:extLst>
+              <a:ext uri="{FF2B5EF4-FFF2-40B4-BE49-F238E27FC236}">
+                <a16:creationId xmlns:a16="http://schemas.microsoft.com/office/drawing/2014/main" id="{8FDB03D6-BC0D-7E9B-7C0D-6043FE6380EF}"/>
+              </a:ext>
+            </a:extLst>
+          </p:cNvPr>
+          <p:cNvSpPr>
+            <a:spLocks noGrp="1"/>
+          </p:cNvSpPr>
+          <p:nvPr>
+            <p:ph type="sldNum" sz="quarter" idx="12"/>
+          </p:nvPr>
+        </p:nvSpPr>
+        <p:spPr/>
+        <p:txBody>
+          <a:bodyPr/>
+          <a:lstStyle/>
+          <a:p>
+            <a:fld id="{1C8277D2-7E72-4AE2-8B1A-54440BCE74AB}" type="slidenum">
+              <a:rPr lang="ko-KR" altLang="en-US" smtClean="0"/>
+              <a:t>12</a:t>
+            </a:fld>
+            <a:endParaRPr lang="ko-KR" altLang="en-US"/>
           </a:p>
         </p:txBody>
       </p:sp>
@@ -6347,6 +6442,35 @@
           </a:prstGeom>
         </p:spPr>
       </p:pic>
+      <p:sp>
+        <p:nvSpPr>
+          <p:cNvPr id="4" name="슬라이드 번호 개체 틀 3">
+            <a:extLst>
+              <a:ext uri="{FF2B5EF4-FFF2-40B4-BE49-F238E27FC236}">
+                <a16:creationId xmlns:a16="http://schemas.microsoft.com/office/drawing/2014/main" id="{F9C5DC0A-7B9C-5DB6-CDE0-A9C0E0E4738F}"/>
+              </a:ext>
+            </a:extLst>
+          </p:cNvPr>
+          <p:cNvSpPr>
+            <a:spLocks noGrp="1"/>
+          </p:cNvSpPr>
+          <p:nvPr>
+            <p:ph type="sldNum" sz="quarter" idx="12"/>
+          </p:nvPr>
+        </p:nvSpPr>
+        <p:spPr/>
+        <p:txBody>
+          <a:bodyPr/>
+          <a:lstStyle/>
+          <a:p>
+            <a:fld id="{1C8277D2-7E72-4AE2-8B1A-54440BCE74AB}" type="slidenum">
+              <a:rPr lang="ko-KR" altLang="en-US" smtClean="0"/>
+              <a:t>13</a:t>
+            </a:fld>
+            <a:endParaRPr lang="ko-KR" altLang="en-US"/>
+          </a:p>
+        </p:txBody>
+      </p:sp>
     </p:spTree>
     <p:extLst>
       <p:ext uri="{BB962C8B-B14F-4D97-AF65-F5344CB8AC3E}">
@@ -6707,6 +6831,35 @@
               <a:t>)</a:t>
             </a:r>
             <a:endParaRPr lang="ko-KR" altLang="en-US" sz="2400" b="1" dirty="0"/>
+          </a:p>
+        </p:txBody>
+      </p:sp>
+      <p:sp>
+        <p:nvSpPr>
+          <p:cNvPr id="4" name="슬라이드 번호 개체 틀 3">
+            <a:extLst>
+              <a:ext uri="{FF2B5EF4-FFF2-40B4-BE49-F238E27FC236}">
+                <a16:creationId xmlns:a16="http://schemas.microsoft.com/office/drawing/2014/main" id="{B634BBAB-F842-946F-E151-FCBAF99CB1F7}"/>
+              </a:ext>
+            </a:extLst>
+          </p:cNvPr>
+          <p:cNvSpPr>
+            <a:spLocks noGrp="1"/>
+          </p:cNvSpPr>
+          <p:nvPr>
+            <p:ph type="sldNum" sz="quarter" idx="12"/>
+          </p:nvPr>
+        </p:nvSpPr>
+        <p:spPr/>
+        <p:txBody>
+          <a:bodyPr/>
+          <a:lstStyle/>
+          <a:p>
+            <a:fld id="{1C8277D2-7E72-4AE2-8B1A-54440BCE74AB}" type="slidenum">
+              <a:rPr lang="ko-KR" altLang="en-US" smtClean="0"/>
+              <a:t>14</a:t>
+            </a:fld>
+            <a:endParaRPr lang="ko-KR" altLang="en-US"/>
           </a:p>
         </p:txBody>
       </p:sp>
@@ -7057,6 +7210,35 @@
           </a:p>
         </p:txBody>
       </p:sp>
+      <p:sp>
+        <p:nvSpPr>
+          <p:cNvPr id="4" name="슬라이드 번호 개체 틀 3">
+            <a:extLst>
+              <a:ext uri="{FF2B5EF4-FFF2-40B4-BE49-F238E27FC236}">
+                <a16:creationId xmlns:a16="http://schemas.microsoft.com/office/drawing/2014/main" id="{B5BCEC85-6942-5EF1-0E07-8B98D021E26A}"/>
+              </a:ext>
+            </a:extLst>
+          </p:cNvPr>
+          <p:cNvSpPr>
+            <a:spLocks noGrp="1"/>
+          </p:cNvSpPr>
+          <p:nvPr>
+            <p:ph type="sldNum" sz="quarter" idx="12"/>
+          </p:nvPr>
+        </p:nvSpPr>
+        <p:spPr/>
+        <p:txBody>
+          <a:bodyPr/>
+          <a:lstStyle/>
+          <a:p>
+            <a:fld id="{1C8277D2-7E72-4AE2-8B1A-54440BCE74AB}" type="slidenum">
+              <a:rPr lang="ko-KR" altLang="en-US" smtClean="0"/>
+              <a:t>15</a:t>
+            </a:fld>
+            <a:endParaRPr lang="ko-KR" altLang="en-US"/>
+          </a:p>
+        </p:txBody>
+      </p:sp>
     </p:spTree>
     <p:extLst>
       <p:ext uri="{BB962C8B-B14F-4D97-AF65-F5344CB8AC3E}">
@@ -7397,6 +7579,35 @@
           </a:p>
           <a:p>
             <a:endParaRPr lang="ko-KR" altLang="en-US" dirty="0"/>
+          </a:p>
+        </p:txBody>
+      </p:sp>
+      <p:sp>
+        <p:nvSpPr>
+          <p:cNvPr id="4" name="슬라이드 번호 개체 틀 3">
+            <a:extLst>
+              <a:ext uri="{FF2B5EF4-FFF2-40B4-BE49-F238E27FC236}">
+                <a16:creationId xmlns:a16="http://schemas.microsoft.com/office/drawing/2014/main" id="{D3DBA7A1-1142-A957-FD3F-43F7169DADE5}"/>
+              </a:ext>
+            </a:extLst>
+          </p:cNvPr>
+          <p:cNvSpPr>
+            <a:spLocks noGrp="1"/>
+          </p:cNvSpPr>
+          <p:nvPr>
+            <p:ph type="sldNum" sz="quarter" idx="12"/>
+          </p:nvPr>
+        </p:nvSpPr>
+        <p:spPr/>
+        <p:txBody>
+          <a:bodyPr/>
+          <a:lstStyle/>
+          <a:p>
+            <a:fld id="{1C8277D2-7E72-4AE2-8B1A-54440BCE74AB}" type="slidenum">
+              <a:rPr lang="ko-KR" altLang="en-US" smtClean="0"/>
+              <a:t>16</a:t>
+            </a:fld>
+            <a:endParaRPr lang="ko-KR" altLang="en-US"/>
           </a:p>
         </p:txBody>
       </p:sp>
@@ -7754,6 +7965,35 @@
           </a:p>
         </p:txBody>
       </p:sp>
+      <p:sp>
+        <p:nvSpPr>
+          <p:cNvPr id="4" name="슬라이드 번호 개체 틀 3">
+            <a:extLst>
+              <a:ext uri="{FF2B5EF4-FFF2-40B4-BE49-F238E27FC236}">
+                <a16:creationId xmlns:a16="http://schemas.microsoft.com/office/drawing/2014/main" id="{48022AF7-9058-2E53-8BA3-EDFB58522E43}"/>
+              </a:ext>
+            </a:extLst>
+          </p:cNvPr>
+          <p:cNvSpPr>
+            <a:spLocks noGrp="1"/>
+          </p:cNvSpPr>
+          <p:nvPr>
+            <p:ph type="sldNum" sz="quarter" idx="12"/>
+          </p:nvPr>
+        </p:nvSpPr>
+        <p:spPr/>
+        <p:txBody>
+          <a:bodyPr/>
+          <a:lstStyle/>
+          <a:p>
+            <a:fld id="{1C8277D2-7E72-4AE2-8B1A-54440BCE74AB}" type="slidenum">
+              <a:rPr lang="ko-KR" altLang="en-US" smtClean="0"/>
+              <a:t>17</a:t>
+            </a:fld>
+            <a:endParaRPr lang="ko-KR" altLang="en-US"/>
+          </a:p>
+        </p:txBody>
+      </p:sp>
     </p:spTree>
     <p:extLst>
       <p:ext uri="{BB962C8B-B14F-4D97-AF65-F5344CB8AC3E}">
@@ -8118,6 +8358,35 @@
           </a:prstGeom>
         </p:spPr>
       </p:pic>
+      <p:sp>
+        <p:nvSpPr>
+          <p:cNvPr id="4" name="슬라이드 번호 개체 틀 3">
+            <a:extLst>
+              <a:ext uri="{FF2B5EF4-FFF2-40B4-BE49-F238E27FC236}">
+                <a16:creationId xmlns:a16="http://schemas.microsoft.com/office/drawing/2014/main" id="{0B7256D9-EE6C-7AC8-6E5F-ECD67015F11F}"/>
+              </a:ext>
+            </a:extLst>
+          </p:cNvPr>
+          <p:cNvSpPr>
+            <a:spLocks noGrp="1"/>
+          </p:cNvSpPr>
+          <p:nvPr>
+            <p:ph type="sldNum" sz="quarter" idx="12"/>
+          </p:nvPr>
+        </p:nvSpPr>
+        <p:spPr/>
+        <p:txBody>
+          <a:bodyPr/>
+          <a:lstStyle/>
+          <a:p>
+            <a:fld id="{1C8277D2-7E72-4AE2-8B1A-54440BCE74AB}" type="slidenum">
+              <a:rPr lang="ko-KR" altLang="en-US" smtClean="0"/>
+              <a:t>18</a:t>
+            </a:fld>
+            <a:endParaRPr lang="ko-KR" altLang="en-US"/>
+          </a:p>
+        </p:txBody>
+      </p:sp>
     </p:spTree>
     <p:extLst>
       <p:ext uri="{BB962C8B-B14F-4D97-AF65-F5344CB8AC3E}">
@@ -8485,6 +8754,35 @@
           </a:p>
         </p:txBody>
       </p:sp>
+      <p:sp>
+        <p:nvSpPr>
+          <p:cNvPr id="4" name="슬라이드 번호 개체 틀 3">
+            <a:extLst>
+              <a:ext uri="{FF2B5EF4-FFF2-40B4-BE49-F238E27FC236}">
+                <a16:creationId xmlns:a16="http://schemas.microsoft.com/office/drawing/2014/main" id="{0A8C2FB6-9622-ED97-B701-BE08FD9029BC}"/>
+              </a:ext>
+            </a:extLst>
+          </p:cNvPr>
+          <p:cNvSpPr>
+            <a:spLocks noGrp="1"/>
+          </p:cNvSpPr>
+          <p:nvPr>
+            <p:ph type="sldNum" sz="quarter" idx="12"/>
+          </p:nvPr>
+        </p:nvSpPr>
+        <p:spPr/>
+        <p:txBody>
+          <a:bodyPr/>
+          <a:lstStyle/>
+          <a:p>
+            <a:fld id="{1C8277D2-7E72-4AE2-8B1A-54440BCE74AB}" type="slidenum">
+              <a:rPr lang="ko-KR" altLang="en-US" smtClean="0"/>
+              <a:t>19</a:t>
+            </a:fld>
+            <a:endParaRPr lang="ko-KR" altLang="en-US"/>
+          </a:p>
+        </p:txBody>
+      </p:sp>
     </p:spTree>
     <p:extLst>
       <p:ext uri="{BB962C8B-B14F-4D97-AF65-F5344CB8AC3E}">
@@ -8564,96 +8862,155 @@
         </p:nvSpPr>
         <p:spPr>
           <a:xfrm>
-            <a:off x="2959100" y="1481138"/>
-            <a:ext cx="5016500" cy="4805363"/>
+            <a:off x="2959100" y="800100"/>
+            <a:ext cx="5016500" cy="5715002"/>
           </a:xfrm>
         </p:spPr>
         <p:txBody>
           <a:bodyPr>
-            <a:normAutofit/>
+            <a:normAutofit fontScale="92500" lnSpcReduction="10000"/>
           </a:bodyPr>
           <a:lstStyle/>
           <a:p>
             <a:r>
-              <a:rPr lang="ko-KR" altLang="en-US" sz="2400" b="1"/>
+              <a:rPr lang="ko-KR" altLang="en-US" sz="2400" b="1" dirty="0"/>
               <a:t>이동통신기술</a:t>
             </a:r>
-            <a:endParaRPr lang="en-US" altLang="ko-KR" sz="2400" b="1"/>
+            <a:endParaRPr lang="en-US" altLang="ko-KR" sz="2400" b="1" dirty="0"/>
           </a:p>
           <a:p>
             <a:pPr lvl="1"/>
             <a:r>
-              <a:rPr lang="ko-KR" altLang="en-US" sz="2000"/>
+              <a:rPr lang="ko-KR" altLang="en-US" sz="2000" dirty="0"/>
               <a:t>세대 구분</a:t>
             </a:r>
-            <a:endParaRPr lang="en-US" altLang="ko-KR" sz="2000"/>
+            <a:endParaRPr lang="en-US" altLang="ko-KR" sz="2000" dirty="0"/>
           </a:p>
           <a:p>
             <a:pPr lvl="1"/>
-            <a:endParaRPr lang="en-US" altLang="ko-KR"/>
-          </a:p>
-          <a:p>
-            <a:r>
-              <a:rPr lang="en-US" altLang="ko-KR" sz="2400" b="1"/>
+            <a:endParaRPr lang="en-US" altLang="ko-KR" dirty="0"/>
+          </a:p>
+          <a:p>
+            <a:r>
+              <a:rPr lang="en-US" altLang="ko-KR" sz="2400" b="1" dirty="0"/>
               <a:t>WiBro</a:t>
             </a:r>
           </a:p>
           <a:p>
             <a:pPr lvl="1"/>
             <a:r>
-              <a:rPr lang="ko-KR" altLang="en-US" sz="2000"/>
+              <a:rPr lang="ko-KR" altLang="en-US" sz="2000" dirty="0"/>
               <a:t>휴대용 단말기</a:t>
             </a:r>
-            <a:endParaRPr lang="en-US" altLang="ko-KR" sz="2000"/>
+            <a:endParaRPr lang="en-US" altLang="ko-KR" sz="2000" dirty="0"/>
           </a:p>
           <a:p>
             <a:pPr lvl="1"/>
             <a:r>
-              <a:rPr lang="ko-KR" altLang="en-US" sz="2000"/>
+              <a:rPr lang="ko-KR" altLang="en-US" sz="2000" dirty="0"/>
               <a:t>실패 요인</a:t>
             </a:r>
-            <a:endParaRPr lang="en-US" altLang="ko-KR" sz="2000"/>
+            <a:endParaRPr lang="en-US" altLang="ko-KR" sz="2000" dirty="0"/>
           </a:p>
           <a:p>
             <a:pPr lvl="1"/>
-            <a:endParaRPr lang="en-US" altLang="ko-KR"/>
-          </a:p>
-          <a:p>
-            <a:r>
-              <a:rPr lang="en-US" altLang="ko-KR" sz="2400" b="1"/>
+            <a:endParaRPr lang="en-US" altLang="ko-KR" dirty="0"/>
+          </a:p>
+          <a:p>
+            <a:r>
+              <a:rPr lang="en-US" altLang="ko-KR" sz="2400" b="1" dirty="0"/>
               <a:t>4G(LTE)</a:t>
             </a:r>
           </a:p>
           <a:p>
             <a:pPr lvl="1"/>
             <a:r>
-              <a:rPr lang="en-US" altLang="ko-KR" sz="2000"/>
+              <a:rPr lang="en-US" altLang="ko-KR" sz="2000" dirty="0"/>
               <a:t>ALL-IP</a:t>
             </a:r>
           </a:p>
           <a:p>
             <a:pPr lvl="1"/>
             <a:r>
-              <a:rPr lang="ko-KR" altLang="en-US" sz="2000"/>
+              <a:rPr lang="ko-KR" altLang="en-US" sz="2000" dirty="0"/>
               <a:t>주요 서비스</a:t>
             </a:r>
-            <a:endParaRPr lang="en-US" altLang="ko-KR" sz="2000"/>
+            <a:endParaRPr lang="en-US" altLang="ko-KR" sz="2000" dirty="0"/>
           </a:p>
           <a:p>
             <a:pPr lvl="1"/>
             <a:r>
-              <a:rPr lang="ko-KR" altLang="en-US" sz="2000"/>
+              <a:rPr lang="ko-KR" altLang="en-US" sz="2000" dirty="0"/>
               <a:t>성공 요인</a:t>
             </a:r>
-            <a:endParaRPr lang="en-US" altLang="ko-KR" sz="2000"/>
+            <a:endParaRPr lang="en-US" altLang="ko-KR" sz="2000" dirty="0"/>
+          </a:p>
+          <a:p>
+            <a:r>
+              <a:rPr lang="en-US" altLang="ko-KR" sz="2400" b="1" dirty="0"/>
+              <a:t>5G</a:t>
+            </a:r>
           </a:p>
           <a:p>
             <a:pPr lvl="1"/>
-            <a:endParaRPr lang="en-US" altLang="ko-KR"/>
+            <a:r>
+              <a:rPr lang="ko-KR" altLang="en-US" sz="2000" dirty="0"/>
+              <a:t>배경</a:t>
+            </a:r>
+            <a:endParaRPr lang="en-US" altLang="ko-KR" sz="2000" dirty="0"/>
           </a:p>
           <a:p>
             <a:pPr lvl="1"/>
-            <a:endParaRPr lang="en-US" altLang="ko-KR"/>
+            <a:r>
+              <a:rPr lang="en-US" altLang="ko-KR" sz="2000" dirty="0"/>
+              <a:t>MEC</a:t>
+            </a:r>
+          </a:p>
+          <a:p>
+            <a:pPr lvl="1"/>
+            <a:r>
+              <a:rPr lang="en-US" altLang="ko-KR" sz="2000" dirty="0"/>
+              <a:t>4G vs 5G</a:t>
+            </a:r>
+          </a:p>
+          <a:p>
+            <a:pPr lvl="1"/>
+            <a:r>
+              <a:rPr lang="ko-KR" altLang="en-US" sz="2000" dirty="0"/>
+              <a:t>단점</a:t>
+            </a:r>
+            <a:endParaRPr lang="en-US" altLang="ko-KR" sz="2000" dirty="0"/>
+          </a:p>
+          <a:p>
+            <a:pPr lvl="1"/>
+            <a:r>
+              <a:rPr lang="ko-KR" altLang="en-US" sz="2000" dirty="0"/>
+              <a:t>성공</a:t>
+            </a:r>
+            <a:r>
+              <a:rPr lang="en-US" altLang="ko-KR" sz="2000" dirty="0"/>
+              <a:t>? </a:t>
+            </a:r>
+            <a:r>
+              <a:rPr lang="ko-KR" altLang="en-US" sz="2000" dirty="0"/>
+              <a:t>실패</a:t>
+            </a:r>
+            <a:r>
+              <a:rPr lang="en-US" altLang="ko-KR" sz="2000" dirty="0"/>
+              <a:t>?</a:t>
+            </a:r>
+          </a:p>
+          <a:p>
+            <a:pPr lvl="1"/>
+            <a:endParaRPr lang="en-US" altLang="ko-KR" sz="2000" dirty="0"/>
+          </a:p>
+          <a:p>
+            <a:pPr lvl="1"/>
+            <a:endParaRPr lang="en-US" altLang="ko-KR" dirty="0"/>
+          </a:p>
+          <a:p>
+            <a:pPr lvl="1"/>
+            <a:endParaRPr lang="en-US" altLang="ko-KR" dirty="0"/>
           </a:p>
           <a:p>
             <a:pPr lvl="1"/>
@@ -8677,7 +9034,7 @@
         </p:nvSpPr>
         <p:spPr>
           <a:xfrm>
-            <a:off x="6959600" y="571499"/>
+            <a:off x="6959600" y="711199"/>
             <a:ext cx="5016500" cy="5921376"/>
           </a:xfrm>
           <a:prstGeom prst="rect">
@@ -8854,130 +9211,121 @@
           </a:lstStyle>
           <a:p>
             <a:r>
-              <a:rPr lang="en-US" altLang="ko-KR" sz="2400" b="1"/>
-              <a:t>5G</a:t>
+              <a:rPr lang="en-US" altLang="ko-KR" sz="2400" b="1" dirty="0"/>
+              <a:t>6G</a:t>
             </a:r>
           </a:p>
           <a:p>
             <a:pPr lvl="1"/>
             <a:r>
-              <a:rPr lang="ko-KR" altLang="en-US" sz="2000"/>
-              <a:t>배경</a:t>
-            </a:r>
-            <a:endParaRPr lang="en-US" altLang="ko-KR" sz="2000"/>
+              <a:rPr lang="ko-KR" altLang="en-US" sz="2000" dirty="0"/>
+              <a:t>목표</a:t>
+            </a:r>
+            <a:endParaRPr lang="en-US" altLang="ko-KR" sz="2000" dirty="0"/>
           </a:p>
           <a:p>
             <a:pPr lvl="1"/>
             <a:r>
-              <a:rPr lang="en-US" altLang="ko-KR" sz="2000"/>
-              <a:t>MEC</a:t>
-            </a:r>
+              <a:rPr lang="ko-KR" altLang="en-US" sz="2000" dirty="0"/>
+              <a:t>실현 기술</a:t>
+            </a:r>
+            <a:endParaRPr lang="en-US" altLang="ko-KR" sz="2000" dirty="0"/>
           </a:p>
           <a:p>
             <a:pPr lvl="1"/>
             <a:r>
-              <a:rPr lang="en-US" altLang="ko-KR" sz="2000"/>
-              <a:t>4G vs 5G</a:t>
-            </a:r>
+              <a:rPr lang="ko-KR" altLang="en-US" sz="2000" dirty="0"/>
+              <a:t>기대 서비스</a:t>
+            </a:r>
+            <a:endParaRPr lang="en-US" altLang="ko-KR" sz="2000" dirty="0"/>
           </a:p>
           <a:p>
             <a:pPr lvl="1"/>
             <a:r>
-              <a:rPr lang="ko-KR" altLang="en-US" sz="2000"/>
+              <a:rPr lang="ko-KR" altLang="en-US" sz="2000" dirty="0"/>
+              <a:t>전망</a:t>
+            </a:r>
+            <a:endParaRPr lang="en-US" altLang="ko-KR" sz="2000" dirty="0"/>
+          </a:p>
+          <a:p>
+            <a:pPr lvl="1"/>
+            <a:endParaRPr lang="en-US" altLang="ko-KR" sz="2000" dirty="0"/>
+          </a:p>
+          <a:p>
+            <a:r>
+              <a:rPr lang="en-US" altLang="ko-KR" sz="2400" b="1" dirty="0"/>
+              <a:t>MVNO</a:t>
+            </a:r>
+          </a:p>
+          <a:p>
+            <a:pPr lvl="1"/>
+            <a:r>
+              <a:rPr lang="ko-KR" altLang="en-US" sz="2000" dirty="0"/>
+              <a:t>장점</a:t>
+            </a:r>
+            <a:endParaRPr lang="en-US" altLang="ko-KR" sz="2000" dirty="0"/>
+          </a:p>
+          <a:p>
+            <a:pPr lvl="1"/>
+            <a:r>
+              <a:rPr lang="ko-KR" altLang="en-US" sz="2000" dirty="0"/>
               <a:t>단점</a:t>
             </a:r>
-            <a:endParaRPr lang="en-US" altLang="ko-KR" sz="2000"/>
+            <a:endParaRPr lang="en-US" altLang="ko-KR" sz="400" b="1" dirty="0"/>
           </a:p>
           <a:p>
             <a:pPr lvl="1"/>
-            <a:r>
-              <a:rPr lang="ko-KR" altLang="en-US" sz="2000"/>
-              <a:t>성공</a:t>
-            </a:r>
-            <a:r>
-              <a:rPr lang="en-US" altLang="ko-KR" sz="2000"/>
-              <a:t>? </a:t>
-            </a:r>
-            <a:r>
-              <a:rPr lang="ko-KR" altLang="en-US" sz="2000"/>
-              <a:t>실패</a:t>
-            </a:r>
-            <a:r>
-              <a:rPr lang="en-US" altLang="ko-KR" sz="2000"/>
-              <a:t>?</a:t>
-            </a:r>
+            <a:endParaRPr lang="en-US" altLang="ko-KR" dirty="0"/>
+          </a:p>
+          <a:p>
+            <a:r>
+              <a:rPr lang="ko-KR" altLang="en-US" sz="2400" b="1" dirty="0"/>
+              <a:t>이리듐</a:t>
+            </a:r>
+            <a:endParaRPr lang="en-US" altLang="ko-KR" sz="2400" b="1" dirty="0"/>
           </a:p>
           <a:p>
             <a:pPr lvl="1"/>
-            <a:endParaRPr lang="en-US" altLang="ko-KR" sz="2000"/>
-          </a:p>
-          <a:p>
-            <a:r>
-              <a:rPr lang="en-US" altLang="ko-KR" sz="2400" b="1"/>
-              <a:t>6G</a:t>
-            </a:r>
+            <a:r>
+              <a:rPr lang="ko-KR" altLang="en-US" sz="2000" dirty="0"/>
+              <a:t>장점</a:t>
+            </a:r>
+            <a:endParaRPr lang="en-US" altLang="ko-KR" sz="2000" dirty="0"/>
           </a:p>
           <a:p>
             <a:pPr lvl="1"/>
             <a:r>
-              <a:rPr lang="ko-KR" altLang="en-US" sz="2000"/>
-              <a:t>목표</a:t>
-            </a:r>
-            <a:endParaRPr lang="en-US" altLang="ko-KR" sz="2000"/>
+              <a:rPr lang="ko-KR" altLang="en-US" sz="2000" dirty="0"/>
+              <a:t>문제점 </a:t>
+            </a:r>
+            <a:r>
+              <a:rPr lang="en-US" altLang="ko-KR" sz="2000" dirty="0"/>
+              <a:t>&amp; </a:t>
+            </a:r>
+            <a:r>
+              <a:rPr lang="ko-KR" altLang="en-US" sz="2000" dirty="0"/>
+              <a:t>한계</a:t>
+            </a:r>
+            <a:endParaRPr lang="en-US" altLang="ko-KR" sz="2000" dirty="0"/>
           </a:p>
           <a:p>
             <a:pPr lvl="1"/>
             <a:r>
-              <a:rPr lang="ko-KR" altLang="en-US" sz="2000"/>
-              <a:t>실현 기술</a:t>
-            </a:r>
-            <a:endParaRPr lang="en-US" altLang="ko-KR" sz="2000"/>
+              <a:rPr lang="ko-KR" altLang="en-US" sz="2000" dirty="0"/>
+              <a:t>현 상황</a:t>
+            </a:r>
+            <a:endParaRPr lang="en-US" altLang="ko-KR" sz="2000" dirty="0"/>
           </a:p>
           <a:p>
             <a:pPr lvl="1"/>
             <a:r>
-              <a:rPr lang="ko-KR" altLang="en-US" sz="2000"/>
-              <a:t>기대 서비스</a:t>
-            </a:r>
-            <a:endParaRPr lang="en-US" altLang="ko-KR" sz="2000"/>
-          </a:p>
-          <a:p>
-            <a:pPr lvl="1"/>
-            <a:r>
-              <a:rPr lang="ko-KR" altLang="en-US" sz="2000"/>
-              <a:t>전망</a:t>
-            </a:r>
-            <a:endParaRPr lang="en-US" altLang="ko-KR" sz="2000"/>
-          </a:p>
-          <a:p>
-            <a:pPr lvl="1"/>
-            <a:endParaRPr lang="en-US" altLang="ko-KR" sz="2000"/>
-          </a:p>
-          <a:p>
-            <a:r>
-              <a:rPr lang="en-US" altLang="ko-KR" sz="2400" b="1"/>
-              <a:t>MVNO</a:t>
-            </a:r>
-          </a:p>
-          <a:p>
-            <a:pPr lvl="1"/>
-            <a:r>
-              <a:rPr lang="ko-KR" altLang="en-US" sz="2000"/>
-              <a:t>장점</a:t>
-            </a:r>
-            <a:endParaRPr lang="en-US" altLang="ko-KR" sz="2000"/>
-          </a:p>
-          <a:p>
-            <a:pPr lvl="1"/>
-            <a:r>
-              <a:rPr lang="ko-KR" altLang="en-US" sz="2000"/>
-              <a:t>단점</a:t>
-            </a:r>
-            <a:endParaRPr lang="en-US" altLang="ko-KR" sz="2000"/>
-          </a:p>
-          <a:p>
-            <a:pPr lvl="1"/>
-            <a:endParaRPr lang="en-US" altLang="ko-KR"/>
+              <a:rPr lang="ko-KR" altLang="en-US" sz="2000" dirty="0"/>
+              <a:t>이리듐 </a:t>
+            </a:r>
+            <a:r>
+              <a:rPr lang="en-US" altLang="ko-KR" sz="2000" dirty="0"/>
+              <a:t>vs 6G</a:t>
+            </a:r>
           </a:p>
           <a:p>
             <a:pPr lvl="1"/>
@@ -9026,6 +9374,35 @@
           </a:fontRef>
         </p:style>
       </p:cxnSp>
+      <p:sp>
+        <p:nvSpPr>
+          <p:cNvPr id="4" name="슬라이드 번호 개체 틀 3">
+            <a:extLst>
+              <a:ext uri="{FF2B5EF4-FFF2-40B4-BE49-F238E27FC236}">
+                <a16:creationId xmlns:a16="http://schemas.microsoft.com/office/drawing/2014/main" id="{31919F6C-6C6F-4D7E-D2CC-B6D4C331FE63}"/>
+              </a:ext>
+            </a:extLst>
+          </p:cNvPr>
+          <p:cNvSpPr>
+            <a:spLocks noGrp="1"/>
+          </p:cNvSpPr>
+          <p:nvPr>
+            <p:ph type="sldNum" sz="quarter" idx="12"/>
+          </p:nvPr>
+        </p:nvSpPr>
+        <p:spPr/>
+        <p:txBody>
+          <a:bodyPr/>
+          <a:lstStyle/>
+          <a:p>
+            <a:fld id="{1C8277D2-7E72-4AE2-8B1A-54440BCE74AB}" type="slidenum">
+              <a:rPr lang="ko-KR" altLang="en-US" smtClean="0"/>
+              <a:t>2</a:t>
+            </a:fld>
+            <a:endParaRPr lang="ko-KR" altLang="en-US"/>
+          </a:p>
+        </p:txBody>
+      </p:sp>
     </p:spTree>
     <p:extLst>
       <p:ext uri="{BB962C8B-B14F-4D97-AF65-F5344CB8AC3E}">
@@ -9527,6 +9904,35 @@
               <a:effectLst/>
               <a:latin typeface="+mn-ea"/>
             </a:endParaRPr>
+          </a:p>
+        </p:txBody>
+      </p:sp>
+      <p:sp>
+        <p:nvSpPr>
+          <p:cNvPr id="4" name="슬라이드 번호 개체 틀 3">
+            <a:extLst>
+              <a:ext uri="{FF2B5EF4-FFF2-40B4-BE49-F238E27FC236}">
+                <a16:creationId xmlns:a16="http://schemas.microsoft.com/office/drawing/2014/main" id="{A14F55F6-9063-6833-AE01-7BDEB0BD23E3}"/>
+              </a:ext>
+            </a:extLst>
+          </p:cNvPr>
+          <p:cNvSpPr>
+            <a:spLocks noGrp="1"/>
+          </p:cNvSpPr>
+          <p:nvPr>
+            <p:ph type="sldNum" sz="quarter" idx="12"/>
+          </p:nvPr>
+        </p:nvSpPr>
+        <p:spPr/>
+        <p:txBody>
+          <a:bodyPr/>
+          <a:lstStyle/>
+          <a:p>
+            <a:fld id="{1C8277D2-7E72-4AE2-8B1A-54440BCE74AB}" type="slidenum">
+              <a:rPr lang="ko-KR" altLang="en-US" smtClean="0"/>
+              <a:t>20</a:t>
+            </a:fld>
+            <a:endParaRPr lang="ko-KR" altLang="en-US"/>
           </a:p>
         </p:txBody>
       </p:sp>
@@ -9750,6 +10156,35 @@
           </a:p>
         </p:txBody>
       </p:sp>
+      <p:sp>
+        <p:nvSpPr>
+          <p:cNvPr id="4" name="슬라이드 번호 개체 틀 3">
+            <a:extLst>
+              <a:ext uri="{FF2B5EF4-FFF2-40B4-BE49-F238E27FC236}">
+                <a16:creationId xmlns:a16="http://schemas.microsoft.com/office/drawing/2014/main" id="{6D89C5FA-B523-5526-4309-B5F6A0EBEB92}"/>
+              </a:ext>
+            </a:extLst>
+          </p:cNvPr>
+          <p:cNvSpPr>
+            <a:spLocks noGrp="1"/>
+          </p:cNvSpPr>
+          <p:nvPr>
+            <p:ph type="sldNum" sz="quarter" idx="12"/>
+          </p:nvPr>
+        </p:nvSpPr>
+        <p:spPr/>
+        <p:txBody>
+          <a:bodyPr/>
+          <a:lstStyle/>
+          <a:p>
+            <a:fld id="{1C8277D2-7E72-4AE2-8B1A-54440BCE74AB}" type="slidenum">
+              <a:rPr lang="ko-KR" altLang="en-US" smtClean="0"/>
+              <a:t>21</a:t>
+            </a:fld>
+            <a:endParaRPr lang="ko-KR" altLang="en-US"/>
+          </a:p>
+        </p:txBody>
+      </p:sp>
     </p:spTree>
     <p:extLst>
       <p:ext uri="{BB962C8B-B14F-4D97-AF65-F5344CB8AC3E}">
@@ -9945,6 +10380,35 @@
               <a:buNone/>
             </a:pPr>
             <a:endParaRPr lang="en-US" altLang="ko-KR" sz="2400" dirty="0"/>
+          </a:p>
+        </p:txBody>
+      </p:sp>
+      <p:sp>
+        <p:nvSpPr>
+          <p:cNvPr id="4" name="슬라이드 번호 개체 틀 3">
+            <a:extLst>
+              <a:ext uri="{FF2B5EF4-FFF2-40B4-BE49-F238E27FC236}">
+                <a16:creationId xmlns:a16="http://schemas.microsoft.com/office/drawing/2014/main" id="{512C7650-BCB7-7765-66D6-78DFC7316AAE}"/>
+              </a:ext>
+            </a:extLst>
+          </p:cNvPr>
+          <p:cNvSpPr>
+            <a:spLocks noGrp="1"/>
+          </p:cNvSpPr>
+          <p:nvPr>
+            <p:ph type="sldNum" sz="quarter" idx="12"/>
+          </p:nvPr>
+        </p:nvSpPr>
+        <p:spPr/>
+        <p:txBody>
+          <a:bodyPr/>
+          <a:lstStyle/>
+          <a:p>
+            <a:fld id="{1C8277D2-7E72-4AE2-8B1A-54440BCE74AB}" type="slidenum">
+              <a:rPr lang="ko-KR" altLang="en-US" smtClean="0"/>
+              <a:t>22</a:t>
+            </a:fld>
+            <a:endParaRPr lang="ko-KR" altLang="en-US"/>
           </a:p>
         </p:txBody>
       </p:sp>
@@ -10160,6 +10624,35 @@
           </a:p>
         </p:txBody>
       </p:sp>
+      <p:sp>
+        <p:nvSpPr>
+          <p:cNvPr id="4" name="슬라이드 번호 개체 틀 3">
+            <a:extLst>
+              <a:ext uri="{FF2B5EF4-FFF2-40B4-BE49-F238E27FC236}">
+                <a16:creationId xmlns:a16="http://schemas.microsoft.com/office/drawing/2014/main" id="{280C41E3-0C7B-E9D7-2C89-095BB9EBB93A}"/>
+              </a:ext>
+            </a:extLst>
+          </p:cNvPr>
+          <p:cNvSpPr>
+            <a:spLocks noGrp="1"/>
+          </p:cNvSpPr>
+          <p:nvPr>
+            <p:ph type="sldNum" sz="quarter" idx="12"/>
+          </p:nvPr>
+        </p:nvSpPr>
+        <p:spPr/>
+        <p:txBody>
+          <a:bodyPr/>
+          <a:lstStyle/>
+          <a:p>
+            <a:fld id="{1C8277D2-7E72-4AE2-8B1A-54440BCE74AB}" type="slidenum">
+              <a:rPr lang="ko-KR" altLang="en-US" smtClean="0"/>
+              <a:t>23</a:t>
+            </a:fld>
+            <a:endParaRPr lang="ko-KR" altLang="en-US"/>
+          </a:p>
+        </p:txBody>
+      </p:sp>
     </p:spTree>
     <p:extLst>
       <p:ext uri="{BB962C8B-B14F-4D97-AF65-F5344CB8AC3E}">
@@ -10430,6 +10923,35 @@
             <a:endParaRPr lang="en-US" altLang="ko-KR" sz="2400" u="sng" dirty="0">
               <a:latin typeface="+mn-ea"/>
             </a:endParaRPr>
+          </a:p>
+        </p:txBody>
+      </p:sp>
+      <p:sp>
+        <p:nvSpPr>
+          <p:cNvPr id="4" name="슬라이드 번호 개체 틀 3">
+            <a:extLst>
+              <a:ext uri="{FF2B5EF4-FFF2-40B4-BE49-F238E27FC236}">
+                <a16:creationId xmlns:a16="http://schemas.microsoft.com/office/drawing/2014/main" id="{FC596753-DC81-179C-5C49-641A2C4CAFCE}"/>
+              </a:ext>
+            </a:extLst>
+          </p:cNvPr>
+          <p:cNvSpPr>
+            <a:spLocks noGrp="1"/>
+          </p:cNvSpPr>
+          <p:nvPr>
+            <p:ph type="sldNum" sz="quarter" idx="12"/>
+          </p:nvPr>
+        </p:nvSpPr>
+        <p:spPr/>
+        <p:txBody>
+          <a:bodyPr/>
+          <a:lstStyle/>
+          <a:p>
+            <a:fld id="{1C8277D2-7E72-4AE2-8B1A-54440BCE74AB}" type="slidenum">
+              <a:rPr lang="ko-KR" altLang="en-US" smtClean="0"/>
+              <a:t>24</a:t>
+            </a:fld>
+            <a:endParaRPr lang="ko-KR" altLang="en-US"/>
           </a:p>
         </p:txBody>
       </p:sp>
@@ -10621,6 +11143,35 @@
           </a:extLst>
         </p:spPr>
       </p:pic>
+      <p:sp>
+        <p:nvSpPr>
+          <p:cNvPr id="3" name="슬라이드 번호 개체 틀 2">
+            <a:extLst>
+              <a:ext uri="{FF2B5EF4-FFF2-40B4-BE49-F238E27FC236}">
+                <a16:creationId xmlns:a16="http://schemas.microsoft.com/office/drawing/2014/main" id="{5A142C70-DB66-0E93-DDA2-38231D210DDF}"/>
+              </a:ext>
+            </a:extLst>
+          </p:cNvPr>
+          <p:cNvSpPr>
+            <a:spLocks noGrp="1"/>
+          </p:cNvSpPr>
+          <p:nvPr>
+            <p:ph type="sldNum" sz="quarter" idx="12"/>
+          </p:nvPr>
+        </p:nvSpPr>
+        <p:spPr/>
+        <p:txBody>
+          <a:bodyPr/>
+          <a:lstStyle/>
+          <a:p>
+            <a:fld id="{1C8277D2-7E72-4AE2-8B1A-54440BCE74AB}" type="slidenum">
+              <a:rPr lang="ko-KR" altLang="en-US" smtClean="0"/>
+              <a:t>25</a:t>
+            </a:fld>
+            <a:endParaRPr lang="ko-KR" altLang="en-US"/>
+          </a:p>
+        </p:txBody>
+      </p:sp>
     </p:spTree>
     <p:extLst>
       <p:ext uri="{BB962C8B-B14F-4D97-AF65-F5344CB8AC3E}">
@@ -10931,6 +11482,35 @@
               <a:rPr lang="en-US" altLang="ko-KR" sz="1800" dirty="0"/>
               <a:t> </a:t>
             </a:r>
+          </a:p>
+        </p:txBody>
+      </p:sp>
+      <p:sp>
+        <p:nvSpPr>
+          <p:cNvPr id="3" name="슬라이드 번호 개체 틀 2">
+            <a:extLst>
+              <a:ext uri="{FF2B5EF4-FFF2-40B4-BE49-F238E27FC236}">
+                <a16:creationId xmlns:a16="http://schemas.microsoft.com/office/drawing/2014/main" id="{84F2D1EF-6DF9-369D-F06D-51FF88C0F6B9}"/>
+              </a:ext>
+            </a:extLst>
+          </p:cNvPr>
+          <p:cNvSpPr>
+            <a:spLocks noGrp="1"/>
+          </p:cNvSpPr>
+          <p:nvPr>
+            <p:ph type="sldNum" sz="quarter" idx="12"/>
+          </p:nvPr>
+        </p:nvSpPr>
+        <p:spPr/>
+        <p:txBody>
+          <a:bodyPr/>
+          <a:lstStyle/>
+          <a:p>
+            <a:fld id="{1C8277D2-7E72-4AE2-8B1A-54440BCE74AB}" type="slidenum">
+              <a:rPr lang="ko-KR" altLang="en-US" smtClean="0"/>
+              <a:t>26</a:t>
+            </a:fld>
+            <a:endParaRPr lang="ko-KR" altLang="en-US"/>
           </a:p>
         </p:txBody>
       </p:sp>
@@ -13386,6 +13966,35 @@
           </a:p>
         </p:txBody>
       </p:sp>
+      <p:sp>
+        <p:nvSpPr>
+          <p:cNvPr id="3" name="슬라이드 번호 개체 틀 2">
+            <a:extLst>
+              <a:ext uri="{FF2B5EF4-FFF2-40B4-BE49-F238E27FC236}">
+                <a16:creationId xmlns:a16="http://schemas.microsoft.com/office/drawing/2014/main" id="{6749ECD3-6BD3-26F9-023C-E233C78CB4C0}"/>
+              </a:ext>
+            </a:extLst>
+          </p:cNvPr>
+          <p:cNvSpPr>
+            <a:spLocks noGrp="1"/>
+          </p:cNvSpPr>
+          <p:nvPr>
+            <p:ph type="sldNum" sz="quarter" idx="12"/>
+          </p:nvPr>
+        </p:nvSpPr>
+        <p:spPr/>
+        <p:txBody>
+          <a:bodyPr/>
+          <a:lstStyle/>
+          <a:p>
+            <a:fld id="{1C8277D2-7E72-4AE2-8B1A-54440BCE74AB}" type="slidenum">
+              <a:rPr lang="ko-KR" altLang="en-US" smtClean="0"/>
+              <a:t>27</a:t>
+            </a:fld>
+            <a:endParaRPr lang="ko-KR" altLang="en-US"/>
+          </a:p>
+        </p:txBody>
+      </p:sp>
     </p:spTree>
     <p:extLst>
       <p:ext uri="{BB962C8B-B14F-4D97-AF65-F5344CB8AC3E}">
@@ -13785,6 +14394,35 @@
           <a:p>
             <a:pPr algn="ctr"/>
             <a:endParaRPr lang="ko-KR" altLang="en-US" dirty="0"/>
+          </a:p>
+        </p:txBody>
+      </p:sp>
+      <p:sp>
+        <p:nvSpPr>
+          <p:cNvPr id="4" name="슬라이드 번호 개체 틀 3">
+            <a:extLst>
+              <a:ext uri="{FF2B5EF4-FFF2-40B4-BE49-F238E27FC236}">
+                <a16:creationId xmlns:a16="http://schemas.microsoft.com/office/drawing/2014/main" id="{F716749B-12D7-5A69-BA52-BD8F567D963E}"/>
+              </a:ext>
+            </a:extLst>
+          </p:cNvPr>
+          <p:cNvSpPr>
+            <a:spLocks noGrp="1"/>
+          </p:cNvSpPr>
+          <p:nvPr>
+            <p:ph type="sldNum" sz="quarter" idx="12"/>
+          </p:nvPr>
+        </p:nvSpPr>
+        <p:spPr/>
+        <p:txBody>
+          <a:bodyPr/>
+          <a:lstStyle/>
+          <a:p>
+            <a:fld id="{1C8277D2-7E72-4AE2-8B1A-54440BCE74AB}" type="slidenum">
+              <a:rPr lang="ko-KR" altLang="en-US" smtClean="0"/>
+              <a:t>28</a:t>
+            </a:fld>
+            <a:endParaRPr lang="ko-KR" altLang="en-US"/>
           </a:p>
         </p:txBody>
       </p:sp>
@@ -13976,6 +14614,35 @@
           <a:p>
             <a:pPr algn="ctr"/>
             <a:endParaRPr lang="ko-KR" altLang="en-US" dirty="0"/>
+          </a:p>
+        </p:txBody>
+      </p:sp>
+      <p:sp>
+        <p:nvSpPr>
+          <p:cNvPr id="4" name="슬라이드 번호 개체 틀 3">
+            <a:extLst>
+              <a:ext uri="{FF2B5EF4-FFF2-40B4-BE49-F238E27FC236}">
+                <a16:creationId xmlns:a16="http://schemas.microsoft.com/office/drawing/2014/main" id="{80578755-CA5E-FFE9-5528-8772EF896428}"/>
+              </a:ext>
+            </a:extLst>
+          </p:cNvPr>
+          <p:cNvSpPr>
+            <a:spLocks noGrp="1"/>
+          </p:cNvSpPr>
+          <p:nvPr>
+            <p:ph type="sldNum" sz="quarter" idx="12"/>
+          </p:nvPr>
+        </p:nvSpPr>
+        <p:spPr/>
+        <p:txBody>
+          <a:bodyPr/>
+          <a:lstStyle/>
+          <a:p>
+            <a:fld id="{1C8277D2-7E72-4AE2-8B1A-54440BCE74AB}" type="slidenum">
+              <a:rPr lang="ko-KR" altLang="en-US" smtClean="0"/>
+              <a:t>29</a:t>
+            </a:fld>
+            <a:endParaRPr lang="ko-KR" altLang="en-US"/>
           </a:p>
         </p:txBody>
       </p:sp>
@@ -14132,6 +14799,35 @@
           </a:p>
         </p:txBody>
       </p:sp>
+      <p:sp>
+        <p:nvSpPr>
+          <p:cNvPr id="3" name="슬라이드 번호 개체 틀 2">
+            <a:extLst>
+              <a:ext uri="{FF2B5EF4-FFF2-40B4-BE49-F238E27FC236}">
+                <a16:creationId xmlns:a16="http://schemas.microsoft.com/office/drawing/2014/main" id="{A2618D2F-3FB9-F096-B5BA-9F1DFC9722C5}"/>
+              </a:ext>
+            </a:extLst>
+          </p:cNvPr>
+          <p:cNvSpPr>
+            <a:spLocks noGrp="1"/>
+          </p:cNvSpPr>
+          <p:nvPr>
+            <p:ph type="sldNum" sz="quarter" idx="12"/>
+          </p:nvPr>
+        </p:nvSpPr>
+        <p:spPr/>
+        <p:txBody>
+          <a:bodyPr/>
+          <a:lstStyle/>
+          <a:p>
+            <a:fld id="{1C8277D2-7E72-4AE2-8B1A-54440BCE74AB}" type="slidenum">
+              <a:rPr lang="ko-KR" altLang="en-US" smtClean="0"/>
+              <a:t>3</a:t>
+            </a:fld>
+            <a:endParaRPr lang="ko-KR" altLang="en-US"/>
+          </a:p>
+        </p:txBody>
+      </p:sp>
     </p:spTree>
     <p:extLst>
       <p:ext uri="{BB962C8B-B14F-4D97-AF65-F5344CB8AC3E}">
@@ -14365,6 +15061,35 @@
               <a:t>O</a:t>
             </a:r>
             <a:endParaRPr lang="ko-KR" altLang="en-US" sz="2400" u="sng" dirty="0"/>
+          </a:p>
+        </p:txBody>
+      </p:sp>
+      <p:sp>
+        <p:nvSpPr>
+          <p:cNvPr id="4" name="슬라이드 번호 개체 틀 3">
+            <a:extLst>
+              <a:ext uri="{FF2B5EF4-FFF2-40B4-BE49-F238E27FC236}">
+                <a16:creationId xmlns:a16="http://schemas.microsoft.com/office/drawing/2014/main" id="{66840B22-A6A9-BDDC-7AF5-699FF73F8012}"/>
+              </a:ext>
+            </a:extLst>
+          </p:cNvPr>
+          <p:cNvSpPr>
+            <a:spLocks noGrp="1"/>
+          </p:cNvSpPr>
+          <p:nvPr>
+            <p:ph type="sldNum" sz="quarter" idx="12"/>
+          </p:nvPr>
+        </p:nvSpPr>
+        <p:spPr/>
+        <p:txBody>
+          <a:bodyPr/>
+          <a:lstStyle/>
+          <a:p>
+            <a:fld id="{1C8277D2-7E72-4AE2-8B1A-54440BCE74AB}" type="slidenum">
+              <a:rPr lang="ko-KR" altLang="en-US" smtClean="0"/>
+              <a:t>30</a:t>
+            </a:fld>
+            <a:endParaRPr lang="ko-KR" altLang="en-US"/>
           </a:p>
         </p:txBody>
       </p:sp>
@@ -14834,6 +15559,35 @@
           </a:p>
         </p:txBody>
       </p:sp>
+      <p:sp>
+        <p:nvSpPr>
+          <p:cNvPr id="6" name="슬라이드 번호 개체 틀 5">
+            <a:extLst>
+              <a:ext uri="{FF2B5EF4-FFF2-40B4-BE49-F238E27FC236}">
+                <a16:creationId xmlns:a16="http://schemas.microsoft.com/office/drawing/2014/main" id="{DF84EF13-94C0-DAAF-D584-724D8EEE452C}"/>
+              </a:ext>
+            </a:extLst>
+          </p:cNvPr>
+          <p:cNvSpPr>
+            <a:spLocks noGrp="1"/>
+          </p:cNvSpPr>
+          <p:nvPr>
+            <p:ph type="sldNum" sz="quarter" idx="12"/>
+          </p:nvPr>
+        </p:nvSpPr>
+        <p:spPr/>
+        <p:txBody>
+          <a:bodyPr/>
+          <a:lstStyle/>
+          <a:p>
+            <a:fld id="{1C8277D2-7E72-4AE2-8B1A-54440BCE74AB}" type="slidenum">
+              <a:rPr lang="ko-KR" altLang="en-US" smtClean="0"/>
+              <a:t>31</a:t>
+            </a:fld>
+            <a:endParaRPr lang="ko-KR" altLang="en-US"/>
+          </a:p>
+        </p:txBody>
+      </p:sp>
     </p:spTree>
     <p:extLst>
       <p:ext uri="{BB962C8B-B14F-4D97-AF65-F5344CB8AC3E}">
@@ -15229,6 +15983,35 @@
           </a:ln>
         </p:spPr>
       </p:pic>
+      <p:sp>
+        <p:nvSpPr>
+          <p:cNvPr id="4" name="슬라이드 번호 개체 틀 3">
+            <a:extLst>
+              <a:ext uri="{FF2B5EF4-FFF2-40B4-BE49-F238E27FC236}">
+                <a16:creationId xmlns:a16="http://schemas.microsoft.com/office/drawing/2014/main" id="{142CBCA0-A492-3A6D-CEE1-D60C3D689050}"/>
+              </a:ext>
+            </a:extLst>
+          </p:cNvPr>
+          <p:cNvSpPr>
+            <a:spLocks noGrp="1"/>
+          </p:cNvSpPr>
+          <p:nvPr>
+            <p:ph type="sldNum" sz="quarter" idx="12"/>
+          </p:nvPr>
+        </p:nvSpPr>
+        <p:spPr/>
+        <p:txBody>
+          <a:bodyPr/>
+          <a:lstStyle/>
+          <a:p>
+            <a:fld id="{1C8277D2-7E72-4AE2-8B1A-54440BCE74AB}" type="slidenum">
+              <a:rPr lang="ko-KR" altLang="en-US" smtClean="0"/>
+              <a:t>32</a:t>
+            </a:fld>
+            <a:endParaRPr lang="ko-KR" altLang="en-US"/>
+          </a:p>
+        </p:txBody>
+      </p:sp>
     </p:spTree>
     <p:extLst>
       <p:ext uri="{BB962C8B-B14F-4D97-AF65-F5344CB8AC3E}">
@@ -15469,6 +16252,35 @@
             <a:endParaRPr lang="ko-KR" altLang="en-US" sz="2400" dirty="0">
               <a:latin typeface="+mn-ea"/>
             </a:endParaRPr>
+          </a:p>
+        </p:txBody>
+      </p:sp>
+      <p:sp>
+        <p:nvSpPr>
+          <p:cNvPr id="4" name="슬라이드 번호 개체 틀 3">
+            <a:extLst>
+              <a:ext uri="{FF2B5EF4-FFF2-40B4-BE49-F238E27FC236}">
+                <a16:creationId xmlns:a16="http://schemas.microsoft.com/office/drawing/2014/main" id="{3A000613-9581-C30F-1385-1FCB71F6EDFB}"/>
+              </a:ext>
+            </a:extLst>
+          </p:cNvPr>
+          <p:cNvSpPr>
+            <a:spLocks noGrp="1"/>
+          </p:cNvSpPr>
+          <p:nvPr>
+            <p:ph type="sldNum" sz="quarter" idx="12"/>
+          </p:nvPr>
+        </p:nvSpPr>
+        <p:spPr/>
+        <p:txBody>
+          <a:bodyPr/>
+          <a:lstStyle/>
+          <a:p>
+            <a:fld id="{1C8277D2-7E72-4AE2-8B1A-54440BCE74AB}" type="slidenum">
+              <a:rPr lang="ko-KR" altLang="en-US" smtClean="0"/>
+              <a:t>33</a:t>
+            </a:fld>
+            <a:endParaRPr lang="ko-KR" altLang="en-US"/>
           </a:p>
         </p:txBody>
       </p:sp>
@@ -15570,6 +16382,35 @@
           </a:xfrm>
         </p:spPr>
       </p:pic>
+      <p:sp>
+        <p:nvSpPr>
+          <p:cNvPr id="3" name="슬라이드 번호 개체 틀 2">
+            <a:extLst>
+              <a:ext uri="{FF2B5EF4-FFF2-40B4-BE49-F238E27FC236}">
+                <a16:creationId xmlns:a16="http://schemas.microsoft.com/office/drawing/2014/main" id="{3334D694-84F9-235D-9BA7-4F618E7B174B}"/>
+              </a:ext>
+            </a:extLst>
+          </p:cNvPr>
+          <p:cNvSpPr>
+            <a:spLocks noGrp="1"/>
+          </p:cNvSpPr>
+          <p:nvPr>
+            <p:ph type="sldNum" sz="quarter" idx="12"/>
+          </p:nvPr>
+        </p:nvSpPr>
+        <p:spPr/>
+        <p:txBody>
+          <a:bodyPr/>
+          <a:lstStyle/>
+          <a:p>
+            <a:fld id="{1C8277D2-7E72-4AE2-8B1A-54440BCE74AB}" type="slidenum">
+              <a:rPr lang="ko-KR" altLang="en-US" smtClean="0"/>
+              <a:t>34</a:t>
+            </a:fld>
+            <a:endParaRPr lang="ko-KR" altLang="en-US"/>
+          </a:p>
+        </p:txBody>
+      </p:sp>
     </p:spTree>
     <p:extLst>
       <p:ext uri="{BB962C8B-B14F-4D97-AF65-F5344CB8AC3E}">
@@ -15906,6 +16747,35 @@
             <a:endParaRPr lang="en-US" altLang="ko-KR" sz="2400" dirty="0">
               <a:latin typeface="+mn-ea"/>
             </a:endParaRPr>
+          </a:p>
+        </p:txBody>
+      </p:sp>
+      <p:sp>
+        <p:nvSpPr>
+          <p:cNvPr id="4" name="슬라이드 번호 개체 틀 3">
+            <a:extLst>
+              <a:ext uri="{FF2B5EF4-FFF2-40B4-BE49-F238E27FC236}">
+                <a16:creationId xmlns:a16="http://schemas.microsoft.com/office/drawing/2014/main" id="{FCE07A8E-C689-6107-CF3F-B8A04512EFFB}"/>
+              </a:ext>
+            </a:extLst>
+          </p:cNvPr>
+          <p:cNvSpPr>
+            <a:spLocks noGrp="1"/>
+          </p:cNvSpPr>
+          <p:nvPr>
+            <p:ph type="sldNum" sz="quarter" idx="12"/>
+          </p:nvPr>
+        </p:nvSpPr>
+        <p:spPr/>
+        <p:txBody>
+          <a:bodyPr/>
+          <a:lstStyle/>
+          <a:p>
+            <a:fld id="{1C8277D2-7E72-4AE2-8B1A-54440BCE74AB}" type="slidenum">
+              <a:rPr lang="ko-KR" altLang="en-US" smtClean="0"/>
+              <a:t>35</a:t>
+            </a:fld>
+            <a:endParaRPr lang="ko-KR" altLang="en-US"/>
           </a:p>
         </p:txBody>
       </p:sp>
@@ -16105,6 +16975,35 @@
           </a:extLst>
         </p:spPr>
       </p:pic>
+      <p:sp>
+        <p:nvSpPr>
+          <p:cNvPr id="3" name="슬라이드 번호 개체 틀 2">
+            <a:extLst>
+              <a:ext uri="{FF2B5EF4-FFF2-40B4-BE49-F238E27FC236}">
+                <a16:creationId xmlns:a16="http://schemas.microsoft.com/office/drawing/2014/main" id="{F4ED2910-B50A-807F-6522-3B274C02098C}"/>
+              </a:ext>
+            </a:extLst>
+          </p:cNvPr>
+          <p:cNvSpPr>
+            <a:spLocks noGrp="1"/>
+          </p:cNvSpPr>
+          <p:nvPr>
+            <p:ph type="sldNum" sz="quarter" idx="12"/>
+          </p:nvPr>
+        </p:nvSpPr>
+        <p:spPr/>
+        <p:txBody>
+          <a:bodyPr/>
+          <a:lstStyle/>
+          <a:p>
+            <a:fld id="{1C8277D2-7E72-4AE2-8B1A-54440BCE74AB}" type="slidenum">
+              <a:rPr lang="ko-KR" altLang="en-US" smtClean="0"/>
+              <a:t>36</a:t>
+            </a:fld>
+            <a:endParaRPr lang="ko-KR" altLang="en-US"/>
+          </a:p>
+        </p:txBody>
+      </p:sp>
     </p:spTree>
     <p:extLst>
       <p:ext uri="{BB962C8B-B14F-4D97-AF65-F5344CB8AC3E}">
@@ -16337,6 +17236,35 @@
             <a:endParaRPr lang="ko-KR" altLang="en-US" sz="2400" dirty="0">
               <a:latin typeface="+mn-ea"/>
             </a:endParaRPr>
+          </a:p>
+        </p:txBody>
+      </p:sp>
+      <p:sp>
+        <p:nvSpPr>
+          <p:cNvPr id="4" name="슬라이드 번호 개체 틀 3">
+            <a:extLst>
+              <a:ext uri="{FF2B5EF4-FFF2-40B4-BE49-F238E27FC236}">
+                <a16:creationId xmlns:a16="http://schemas.microsoft.com/office/drawing/2014/main" id="{8A445F12-A402-A707-1779-692CD27F66AD}"/>
+              </a:ext>
+            </a:extLst>
+          </p:cNvPr>
+          <p:cNvSpPr>
+            <a:spLocks noGrp="1"/>
+          </p:cNvSpPr>
+          <p:nvPr>
+            <p:ph type="sldNum" sz="quarter" idx="12"/>
+          </p:nvPr>
+        </p:nvSpPr>
+        <p:spPr/>
+        <p:txBody>
+          <a:bodyPr/>
+          <a:lstStyle/>
+          <a:p>
+            <a:fld id="{1C8277D2-7E72-4AE2-8B1A-54440BCE74AB}" type="slidenum">
+              <a:rPr lang="ko-KR" altLang="en-US" smtClean="0"/>
+              <a:t>37</a:t>
+            </a:fld>
+            <a:endParaRPr lang="ko-KR" altLang="en-US"/>
           </a:p>
         </p:txBody>
       </p:sp>
@@ -16718,6 +17646,35 @@
           </a:p>
         </p:txBody>
       </p:sp>
+      <p:sp>
+        <p:nvSpPr>
+          <p:cNvPr id="4" name="슬라이드 번호 개체 틀 3">
+            <a:extLst>
+              <a:ext uri="{FF2B5EF4-FFF2-40B4-BE49-F238E27FC236}">
+                <a16:creationId xmlns:a16="http://schemas.microsoft.com/office/drawing/2014/main" id="{E54EC602-2F9E-19BA-9BD2-FF9773A48788}"/>
+              </a:ext>
+            </a:extLst>
+          </p:cNvPr>
+          <p:cNvSpPr>
+            <a:spLocks noGrp="1"/>
+          </p:cNvSpPr>
+          <p:nvPr>
+            <p:ph type="sldNum" sz="quarter" idx="12"/>
+          </p:nvPr>
+        </p:nvSpPr>
+        <p:spPr/>
+        <p:txBody>
+          <a:bodyPr/>
+          <a:lstStyle/>
+          <a:p>
+            <a:fld id="{1C8277D2-7E72-4AE2-8B1A-54440BCE74AB}" type="slidenum">
+              <a:rPr lang="ko-KR" altLang="en-US" smtClean="0"/>
+              <a:t>38</a:t>
+            </a:fld>
+            <a:endParaRPr lang="ko-KR" altLang="en-US"/>
+          </a:p>
+        </p:txBody>
+      </p:sp>
     </p:spTree>
     <p:extLst>
       <p:ext uri="{BB962C8B-B14F-4D97-AF65-F5344CB8AC3E}">
@@ -16987,6 +17944,35 @@
               <a:effectLst/>
               <a:latin typeface="+mn-ea"/>
             </a:endParaRPr>
+          </a:p>
+        </p:txBody>
+      </p:sp>
+      <p:sp>
+        <p:nvSpPr>
+          <p:cNvPr id="4" name="슬라이드 번호 개체 틀 3">
+            <a:extLst>
+              <a:ext uri="{FF2B5EF4-FFF2-40B4-BE49-F238E27FC236}">
+                <a16:creationId xmlns:a16="http://schemas.microsoft.com/office/drawing/2014/main" id="{80719C27-4494-4462-8053-119EBFBACC1D}"/>
+              </a:ext>
+            </a:extLst>
+          </p:cNvPr>
+          <p:cNvSpPr>
+            <a:spLocks noGrp="1"/>
+          </p:cNvSpPr>
+          <p:nvPr>
+            <p:ph type="sldNum" sz="quarter" idx="12"/>
+          </p:nvPr>
+        </p:nvSpPr>
+        <p:spPr/>
+        <p:txBody>
+          <a:bodyPr/>
+          <a:lstStyle/>
+          <a:p>
+            <a:fld id="{1C8277D2-7E72-4AE2-8B1A-54440BCE74AB}" type="slidenum">
+              <a:rPr lang="ko-KR" altLang="en-US" smtClean="0"/>
+              <a:t>39</a:t>
+            </a:fld>
+            <a:endParaRPr lang="ko-KR" altLang="en-US"/>
           </a:p>
         </p:txBody>
       </p:sp>
@@ -18403,6 +19389,35 @@
           </a:graphicData>
         </a:graphic>
       </p:graphicFrame>
+      <p:sp>
+        <p:nvSpPr>
+          <p:cNvPr id="4" name="슬라이드 번호 개체 틀 3">
+            <a:extLst>
+              <a:ext uri="{FF2B5EF4-FFF2-40B4-BE49-F238E27FC236}">
+                <a16:creationId xmlns:a16="http://schemas.microsoft.com/office/drawing/2014/main" id="{3B0C04CB-1F48-6496-E066-BFA6047A82A2}"/>
+              </a:ext>
+            </a:extLst>
+          </p:cNvPr>
+          <p:cNvSpPr>
+            <a:spLocks noGrp="1"/>
+          </p:cNvSpPr>
+          <p:nvPr>
+            <p:ph type="sldNum" sz="quarter" idx="12"/>
+          </p:nvPr>
+        </p:nvSpPr>
+        <p:spPr/>
+        <p:txBody>
+          <a:bodyPr/>
+          <a:lstStyle/>
+          <a:p>
+            <a:fld id="{1C8277D2-7E72-4AE2-8B1A-54440BCE74AB}" type="slidenum">
+              <a:rPr lang="ko-KR" altLang="en-US" smtClean="0"/>
+              <a:t>4</a:t>
+            </a:fld>
+            <a:endParaRPr lang="ko-KR" altLang="en-US"/>
+          </a:p>
+        </p:txBody>
+      </p:sp>
     </p:spTree>
     <p:extLst>
       <p:ext uri="{BB962C8B-B14F-4D97-AF65-F5344CB8AC3E}">
@@ -18778,6 +19793,35 @@
               <a:effectLst/>
               <a:latin typeface="함초롬바탕" panose="02030604000101010101" pitchFamily="18" charset="-127"/>
             </a:endParaRPr>
+          </a:p>
+        </p:txBody>
+      </p:sp>
+      <p:sp>
+        <p:nvSpPr>
+          <p:cNvPr id="4" name="슬라이드 번호 개체 틀 3">
+            <a:extLst>
+              <a:ext uri="{FF2B5EF4-FFF2-40B4-BE49-F238E27FC236}">
+                <a16:creationId xmlns:a16="http://schemas.microsoft.com/office/drawing/2014/main" id="{57EF2071-AB1E-01C1-F715-44A0A1327B76}"/>
+              </a:ext>
+            </a:extLst>
+          </p:cNvPr>
+          <p:cNvSpPr>
+            <a:spLocks noGrp="1"/>
+          </p:cNvSpPr>
+          <p:nvPr>
+            <p:ph type="sldNum" sz="quarter" idx="12"/>
+          </p:nvPr>
+        </p:nvSpPr>
+        <p:spPr/>
+        <p:txBody>
+          <a:bodyPr/>
+          <a:lstStyle/>
+          <a:p>
+            <a:fld id="{1C8277D2-7E72-4AE2-8B1A-54440BCE74AB}" type="slidenum">
+              <a:rPr lang="ko-KR" altLang="en-US" smtClean="0"/>
+              <a:t>40</a:t>
+            </a:fld>
+            <a:endParaRPr lang="ko-KR" altLang="en-US"/>
           </a:p>
         </p:txBody>
       </p:sp>
@@ -19048,6 +20092,35 @@
           </a:p>
         </p:txBody>
       </p:sp>
+      <p:sp>
+        <p:nvSpPr>
+          <p:cNvPr id="4" name="슬라이드 번호 개체 틀 3">
+            <a:extLst>
+              <a:ext uri="{FF2B5EF4-FFF2-40B4-BE49-F238E27FC236}">
+                <a16:creationId xmlns:a16="http://schemas.microsoft.com/office/drawing/2014/main" id="{5A241BB7-B38A-A217-4CF9-64A30424B496}"/>
+              </a:ext>
+            </a:extLst>
+          </p:cNvPr>
+          <p:cNvSpPr>
+            <a:spLocks noGrp="1"/>
+          </p:cNvSpPr>
+          <p:nvPr>
+            <p:ph type="sldNum" sz="quarter" idx="12"/>
+          </p:nvPr>
+        </p:nvSpPr>
+        <p:spPr/>
+        <p:txBody>
+          <a:bodyPr/>
+          <a:lstStyle/>
+          <a:p>
+            <a:fld id="{1C8277D2-7E72-4AE2-8B1A-54440BCE74AB}" type="slidenum">
+              <a:rPr lang="ko-KR" altLang="en-US" smtClean="0"/>
+              <a:t>41</a:t>
+            </a:fld>
+            <a:endParaRPr lang="ko-KR" altLang="en-US"/>
+          </a:p>
+        </p:txBody>
+      </p:sp>
     </p:spTree>
     <p:extLst>
       <p:ext uri="{BB962C8B-B14F-4D97-AF65-F5344CB8AC3E}">
@@ -19276,6 +20349,35 @@
           </a:p>
         </p:txBody>
       </p:sp>
+      <p:sp>
+        <p:nvSpPr>
+          <p:cNvPr id="4" name="슬라이드 번호 개체 틀 3">
+            <a:extLst>
+              <a:ext uri="{FF2B5EF4-FFF2-40B4-BE49-F238E27FC236}">
+                <a16:creationId xmlns:a16="http://schemas.microsoft.com/office/drawing/2014/main" id="{F018DD8C-BEAD-E9E2-4600-777EA71DFE95}"/>
+              </a:ext>
+            </a:extLst>
+          </p:cNvPr>
+          <p:cNvSpPr>
+            <a:spLocks noGrp="1"/>
+          </p:cNvSpPr>
+          <p:nvPr>
+            <p:ph type="sldNum" sz="quarter" idx="12"/>
+          </p:nvPr>
+        </p:nvSpPr>
+        <p:spPr/>
+        <p:txBody>
+          <a:bodyPr/>
+          <a:lstStyle/>
+          <a:p>
+            <a:fld id="{1C8277D2-7E72-4AE2-8B1A-54440BCE74AB}" type="slidenum">
+              <a:rPr lang="ko-KR" altLang="en-US" smtClean="0"/>
+              <a:t>42</a:t>
+            </a:fld>
+            <a:endParaRPr lang="ko-KR" altLang="en-US"/>
+          </a:p>
+        </p:txBody>
+      </p:sp>
     </p:spTree>
     <p:extLst>
       <p:ext uri="{BB962C8B-B14F-4D97-AF65-F5344CB8AC3E}">
@@ -19294,7 +20396,13 @@
   <p:cSld>
     <p:spTree>
       <p:nvGrpSpPr>
-        <p:cNvPr id="1" name=""/>
+        <p:cNvPr id="1" name="">
+          <a:extLst>
+            <a:ext uri="{FF2B5EF4-FFF2-40B4-BE49-F238E27FC236}">
+              <a16:creationId xmlns:a16="http://schemas.microsoft.com/office/drawing/2014/main" id="{F8CB1C5A-D333-A3C5-E835-61C5DB2AA31A}"/>
+            </a:ext>
+          </a:extLst>
+        </p:cNvPr>
         <p:cNvGrpSpPr/>
         <p:nvPr/>
       </p:nvGrpSpPr>
@@ -19311,7 +20419,7 @@
           <p:cNvPr id="2" name="제목 1">
             <a:extLst>
               <a:ext uri="{FF2B5EF4-FFF2-40B4-BE49-F238E27FC236}">
-                <a16:creationId xmlns:a16="http://schemas.microsoft.com/office/drawing/2014/main" id="{D509F0A3-730D-5BB6-417B-C7A80063BD43}"/>
+                <a16:creationId xmlns:a16="http://schemas.microsoft.com/office/drawing/2014/main" id="{0AD093C5-66D1-2405-7D27-7ED6A3E2139A}"/>
               </a:ext>
             </a:extLst>
           </p:cNvPr>
@@ -19322,28 +20430,4108 @@
             <p:ph type="title"/>
           </p:nvPr>
         </p:nvSpPr>
+        <p:spPr/>
+        <p:txBody>
+          <a:bodyPr>
+            <a:normAutofit/>
+          </a:bodyPr>
+          <a:lstStyle/>
+          <a:p>
+            <a:r>
+              <a:rPr lang="ko-KR" altLang="en-US" sz="2400" b="1" dirty="0"/>
+              <a:t>이동통신 기술</a:t>
+            </a:r>
+            <a:r>
+              <a:rPr lang="en-US" altLang="ko-KR" sz="2400" b="1" dirty="0"/>
+              <a:t>&amp;</a:t>
+            </a:r>
+            <a:r>
+              <a:rPr lang="ko-KR" altLang="en-US" sz="2400" b="1" dirty="0"/>
+              <a:t>서비스</a:t>
+            </a:r>
+            <a:br>
+              <a:rPr lang="en-US" altLang="ko-KR" b="1" dirty="0"/>
+            </a:br>
+            <a:r>
+              <a:rPr lang="ko-KR" altLang="en-US" b="1" dirty="0"/>
+              <a:t>이리듐</a:t>
+            </a:r>
+            <a:r>
+              <a:rPr lang="en-US" altLang="ko-KR" b="1" kern="0" spc="0" dirty="0">
+                <a:solidFill>
+                  <a:srgbClr val="000000"/>
+                </a:solidFill>
+                <a:effectLst/>
+                <a:latin typeface="+mn-ea"/>
+                <a:ea typeface="+mn-ea"/>
+              </a:rPr>
+              <a:t>(Iridium)</a:t>
+            </a:r>
+            <a:endParaRPr lang="ko-KR" altLang="en-US" b="1" dirty="0">
+              <a:latin typeface="+mn-ea"/>
+              <a:ea typeface="+mn-ea"/>
+            </a:endParaRPr>
+          </a:p>
+        </p:txBody>
+      </p:sp>
+      <p:sp>
+        <p:nvSpPr>
+          <p:cNvPr id="3" name="내용 개체 틀 2">
+            <a:extLst>
+              <a:ext uri="{FF2B5EF4-FFF2-40B4-BE49-F238E27FC236}">
+                <a16:creationId xmlns:a16="http://schemas.microsoft.com/office/drawing/2014/main" id="{25D1842B-532C-0DE0-3403-69B7B91447B0}"/>
+              </a:ext>
+            </a:extLst>
+          </p:cNvPr>
+          <p:cNvSpPr>
+            <a:spLocks noGrp="1"/>
+          </p:cNvSpPr>
+          <p:nvPr>
+            <p:ph idx="1"/>
+          </p:nvPr>
+        </p:nvSpPr>
         <p:spPr>
           <a:xfrm>
-            <a:off x="838200" y="2766218"/>
-            <a:ext cx="10515600" cy="1325563"/>
+            <a:off x="838200" y="1825625"/>
+            <a:ext cx="10515600" cy="4667250"/>
           </a:xfrm>
         </p:spPr>
         <p:txBody>
+          <a:bodyPr>
+            <a:normAutofit/>
+          </a:bodyPr>
+          <a:lstStyle/>
+          <a:p>
+            <a:pPr marL="0" indent="0" algn="ctr" fontAlgn="base">
+              <a:lnSpc>
+                <a:spcPct val="160000"/>
+              </a:lnSpc>
+            </a:pPr>
+            <a:r>
+              <a:rPr lang="ko-KR" altLang="en-US" sz="2400" b="1" kern="0" spc="0" dirty="0">
+                <a:solidFill>
+                  <a:srgbClr val="000000"/>
+                </a:solidFill>
+                <a:effectLst/>
+                <a:latin typeface="+mn-ea"/>
+              </a:rPr>
+              <a:t>전 세계 어디서나 통신이 가능하도록 </a:t>
+            </a:r>
+            <a:r>
+              <a:rPr lang="ko-KR" altLang="en-US" sz="2400" kern="0" spc="0" dirty="0">
+                <a:solidFill>
+                  <a:srgbClr val="000000"/>
+                </a:solidFill>
+                <a:effectLst/>
+                <a:latin typeface="+mn-ea"/>
+              </a:rPr>
+              <a:t>하려는 목표로 개발된 </a:t>
+            </a:r>
+            <a:endParaRPr lang="en-US" altLang="ko-KR" sz="2400" kern="0" dirty="0">
+              <a:solidFill>
+                <a:srgbClr val="000000"/>
+              </a:solidFill>
+              <a:latin typeface="+mn-ea"/>
+            </a:endParaRPr>
+          </a:p>
+          <a:p>
+            <a:pPr marL="0" indent="0" algn="ctr" fontAlgn="base">
+              <a:lnSpc>
+                <a:spcPct val="160000"/>
+              </a:lnSpc>
+              <a:buNone/>
+            </a:pPr>
+            <a:r>
+              <a:rPr lang="ko-KR" altLang="en-US" sz="2400" b="1" u="sng" kern="0" spc="0" dirty="0">
+                <a:solidFill>
+                  <a:srgbClr val="000000"/>
+                </a:solidFill>
+                <a:effectLst/>
+                <a:latin typeface="+mn-ea"/>
+              </a:rPr>
+              <a:t>위성</a:t>
+            </a:r>
+            <a:r>
+              <a:rPr lang="ko-KR" altLang="en-US" sz="2400" b="1" kern="0" spc="0" dirty="0">
+                <a:solidFill>
+                  <a:srgbClr val="000000"/>
+                </a:solidFill>
+                <a:effectLst/>
+                <a:latin typeface="+mn-ea"/>
+              </a:rPr>
+              <a:t> 이동통신 기술</a:t>
+            </a:r>
+            <a:endParaRPr lang="en-US" altLang="ko-KR" sz="2400" b="1" kern="0" dirty="0">
+              <a:solidFill>
+                <a:srgbClr val="000000"/>
+              </a:solidFill>
+              <a:latin typeface="+mn-ea"/>
+            </a:endParaRPr>
+          </a:p>
+          <a:p>
+            <a:pPr marL="0" indent="0" algn="ctr" fontAlgn="base">
+              <a:lnSpc>
+                <a:spcPct val="160000"/>
+              </a:lnSpc>
+            </a:pPr>
+            <a:r>
+              <a:rPr lang="en-US" altLang="ko-KR" sz="2400" kern="0" spc="0" dirty="0">
+                <a:solidFill>
+                  <a:srgbClr val="000000"/>
+                </a:solidFill>
+                <a:effectLst/>
+                <a:latin typeface="+mn-ea"/>
+              </a:rPr>
+              <a:t>1990</a:t>
+            </a:r>
+            <a:r>
+              <a:rPr lang="ko-KR" altLang="en-US" sz="2400" kern="0" spc="0" dirty="0">
+                <a:solidFill>
+                  <a:srgbClr val="000000"/>
+                </a:solidFill>
+                <a:effectLst/>
+                <a:latin typeface="+mn-ea"/>
+              </a:rPr>
+              <a:t>년대 중반</a:t>
+            </a:r>
+            <a:r>
+              <a:rPr lang="en-US" altLang="ko-KR" sz="2400" kern="0" spc="0" dirty="0">
+                <a:solidFill>
+                  <a:srgbClr val="000000"/>
+                </a:solidFill>
+                <a:effectLst/>
+                <a:latin typeface="+mn-ea"/>
+              </a:rPr>
+              <a:t>, **Motorola(</a:t>
+            </a:r>
+            <a:r>
+              <a:rPr lang="ko-KR" altLang="en-US" sz="2400" kern="0" spc="0" dirty="0">
+                <a:solidFill>
+                  <a:srgbClr val="000000"/>
+                </a:solidFill>
+                <a:effectLst/>
+                <a:latin typeface="+mn-ea"/>
+              </a:rPr>
+              <a:t>모토로라</a:t>
+            </a:r>
+            <a:r>
+              <a:rPr lang="en-US" altLang="ko-KR" sz="2400" kern="0" spc="0" dirty="0">
+                <a:solidFill>
+                  <a:srgbClr val="000000"/>
+                </a:solidFill>
+                <a:effectLst/>
+                <a:latin typeface="+mn-ea"/>
+              </a:rPr>
+              <a:t>)**</a:t>
+            </a:r>
+            <a:r>
+              <a:rPr lang="ko-KR" altLang="en-US" sz="2400" kern="0" spc="0" dirty="0">
+                <a:solidFill>
+                  <a:srgbClr val="000000"/>
+                </a:solidFill>
+                <a:effectLst/>
+                <a:latin typeface="+mn-ea"/>
+              </a:rPr>
+              <a:t>가 주도하여 개발</a:t>
+            </a:r>
+          </a:p>
+          <a:p>
+            <a:pPr marL="0" indent="0" algn="ctr" fontAlgn="base">
+              <a:lnSpc>
+                <a:spcPct val="160000"/>
+              </a:lnSpc>
+            </a:pPr>
+            <a:r>
+              <a:rPr lang="ko-KR" altLang="en-US" sz="2400" kern="0" spc="0" dirty="0">
+                <a:solidFill>
+                  <a:srgbClr val="000000"/>
+                </a:solidFill>
+                <a:effectLst/>
+                <a:latin typeface="+mn-ea"/>
+              </a:rPr>
+              <a:t>기존의 지상 기지국</a:t>
+            </a:r>
+            <a:r>
+              <a:rPr lang="en-US" altLang="ko-KR" sz="2400" kern="0" spc="0" dirty="0">
+                <a:solidFill>
+                  <a:srgbClr val="000000"/>
+                </a:solidFill>
+                <a:effectLst/>
+                <a:latin typeface="+mn-ea"/>
+              </a:rPr>
+              <a:t>(</a:t>
+            </a:r>
+            <a:r>
+              <a:rPr lang="ko-KR" altLang="en-US" sz="2400" kern="0" spc="0" dirty="0">
+                <a:solidFill>
+                  <a:srgbClr val="000000"/>
+                </a:solidFill>
+                <a:effectLst/>
+                <a:latin typeface="+mn-ea"/>
+              </a:rPr>
+              <a:t>셀룰러 기지국</a:t>
+            </a:r>
+            <a:r>
+              <a:rPr lang="en-US" altLang="ko-KR" sz="2400" kern="0" spc="0" dirty="0">
+                <a:solidFill>
+                  <a:srgbClr val="000000"/>
+                </a:solidFill>
+                <a:effectLst/>
+                <a:latin typeface="+mn-ea"/>
+              </a:rPr>
+              <a:t>) X</a:t>
+            </a:r>
+          </a:p>
+          <a:p>
+            <a:pPr marL="0" indent="0" algn="ctr" fontAlgn="base">
+              <a:lnSpc>
+                <a:spcPct val="160000"/>
+              </a:lnSpc>
+              <a:buNone/>
+            </a:pPr>
+            <a:r>
+              <a:rPr lang="en-US" altLang="ko-KR" sz="2400" b="1" kern="0" spc="0" dirty="0">
+                <a:solidFill>
+                  <a:srgbClr val="000000"/>
+                </a:solidFill>
+                <a:effectLst/>
+                <a:latin typeface="+mn-ea"/>
+                <a:sym typeface="Wingdings" panose="05000000000000000000" pitchFamily="2" charset="2"/>
+              </a:rPr>
+              <a:t> </a:t>
+            </a:r>
+            <a:r>
+              <a:rPr lang="ko-KR" altLang="en-US" sz="2400" b="1" kern="0" spc="0" dirty="0">
+                <a:solidFill>
+                  <a:srgbClr val="000000"/>
+                </a:solidFill>
+                <a:effectLst/>
+                <a:latin typeface="+mn-ea"/>
+              </a:rPr>
+              <a:t>궤도에 다수의 저궤도</a:t>
+            </a:r>
+            <a:r>
+              <a:rPr lang="en-US" altLang="ko-KR" sz="2400" b="1" kern="0" spc="0" dirty="0">
+                <a:solidFill>
+                  <a:srgbClr val="000000"/>
+                </a:solidFill>
+                <a:effectLst/>
+                <a:latin typeface="+mn-ea"/>
+              </a:rPr>
+              <a:t>(LEO, Low Earth Orbit) </a:t>
+            </a:r>
+            <a:r>
+              <a:rPr lang="ko-KR" altLang="en-US" sz="2400" b="1" kern="0" spc="0" dirty="0">
+                <a:solidFill>
+                  <a:srgbClr val="000000"/>
+                </a:solidFill>
+                <a:effectLst/>
+                <a:latin typeface="+mn-ea"/>
+              </a:rPr>
+              <a:t>통신 위성</a:t>
+            </a:r>
+            <a:r>
+              <a:rPr lang="ko-KR" altLang="en-US" sz="2400" kern="0" spc="0" dirty="0">
+                <a:solidFill>
+                  <a:srgbClr val="000000"/>
+                </a:solidFill>
+                <a:effectLst/>
+                <a:latin typeface="+mn-ea"/>
+              </a:rPr>
+              <a:t>을 띄워서 </a:t>
+            </a:r>
+            <a:endParaRPr lang="en-US" altLang="ko-KR" sz="2400" kern="0" spc="0" dirty="0">
+              <a:solidFill>
+                <a:srgbClr val="000000"/>
+              </a:solidFill>
+              <a:effectLst/>
+              <a:latin typeface="+mn-ea"/>
+            </a:endParaRPr>
+          </a:p>
+          <a:p>
+            <a:pPr marL="0" indent="0" algn="ctr" fontAlgn="base">
+              <a:lnSpc>
+                <a:spcPct val="160000"/>
+              </a:lnSpc>
+              <a:buNone/>
+            </a:pPr>
+            <a:r>
+              <a:rPr lang="ko-KR" altLang="en-US" sz="2400" u="sng" kern="0" spc="0" dirty="0">
+                <a:solidFill>
+                  <a:srgbClr val="000000"/>
+                </a:solidFill>
+                <a:effectLst/>
+                <a:latin typeface="+mn-ea"/>
+              </a:rPr>
+              <a:t>지구를 완전히 커버하는 통신 네트워크</a:t>
+            </a:r>
+            <a:r>
+              <a:rPr lang="ko-KR" altLang="en-US" sz="2400" kern="0" spc="0" dirty="0">
+                <a:solidFill>
+                  <a:srgbClr val="000000"/>
+                </a:solidFill>
+                <a:effectLst/>
+                <a:latin typeface="+mn-ea"/>
+              </a:rPr>
+              <a:t>를 </a:t>
+            </a:r>
+            <a:r>
+              <a:rPr lang="ko-KR" altLang="en-US" sz="2400" kern="0" dirty="0">
+                <a:solidFill>
+                  <a:srgbClr val="000000"/>
+                </a:solidFill>
+                <a:latin typeface="+mn-ea"/>
+              </a:rPr>
+              <a:t>만들려 함</a:t>
+            </a:r>
+            <a:endParaRPr lang="ko-KR" altLang="en-US" sz="2400" kern="0" spc="0" dirty="0">
+              <a:solidFill>
+                <a:srgbClr val="000000"/>
+              </a:solidFill>
+              <a:effectLst/>
+              <a:latin typeface="+mn-ea"/>
+            </a:endParaRPr>
+          </a:p>
+          <a:p>
+            <a:pPr marL="0" indent="0" algn="ctr" fontAlgn="base">
+              <a:lnSpc>
+                <a:spcPct val="160000"/>
+              </a:lnSpc>
+            </a:pPr>
+            <a:endParaRPr lang="ko-KR" altLang="en-US" sz="2400" kern="0" spc="0" dirty="0">
+              <a:solidFill>
+                <a:srgbClr val="000000"/>
+              </a:solidFill>
+              <a:effectLst/>
+              <a:latin typeface="+mn-ea"/>
+            </a:endParaRPr>
+          </a:p>
+          <a:p>
+            <a:pPr marL="0" marR="0" indent="0" algn="just" fontAlgn="base" latinLnBrk="1">
+              <a:lnSpc>
+                <a:spcPct val="160000"/>
+              </a:lnSpc>
+            </a:pPr>
+            <a:endParaRPr lang="ko-KR" altLang="en-US" sz="2400" kern="0" spc="0" dirty="0">
+              <a:solidFill>
+                <a:srgbClr val="000000"/>
+              </a:solidFill>
+              <a:effectLst/>
+              <a:latin typeface="+mn-ea"/>
+            </a:endParaRPr>
+          </a:p>
+        </p:txBody>
+      </p:sp>
+      <p:sp>
+        <p:nvSpPr>
+          <p:cNvPr id="4" name="슬라이드 번호 개체 틀 3">
+            <a:extLst>
+              <a:ext uri="{FF2B5EF4-FFF2-40B4-BE49-F238E27FC236}">
+                <a16:creationId xmlns:a16="http://schemas.microsoft.com/office/drawing/2014/main" id="{790B1BE0-39C3-392B-691E-B27BBF63564E}"/>
+              </a:ext>
+            </a:extLst>
+          </p:cNvPr>
+          <p:cNvSpPr>
+            <a:spLocks noGrp="1"/>
+          </p:cNvSpPr>
+          <p:nvPr>
+            <p:ph type="sldNum" sz="quarter" idx="12"/>
+          </p:nvPr>
+        </p:nvSpPr>
+        <p:spPr/>
+        <p:txBody>
           <a:bodyPr/>
           <a:lstStyle/>
           <a:p>
-            <a:pPr algn="ctr"/>
-            <a:r>
-              <a:rPr lang="ko-KR" altLang="en-US" b="1" dirty="0"/>
-              <a:t>감사합니다</a:t>
-            </a:r>
+            <a:fld id="{1C8277D2-7E72-4AE2-8B1A-54440BCE74AB}" type="slidenum">
+              <a:rPr lang="ko-KR" altLang="en-US" smtClean="0"/>
+              <a:t>43</a:t>
+            </a:fld>
+            <a:endParaRPr lang="ko-KR" altLang="en-US"/>
           </a:p>
         </p:txBody>
       </p:sp>
     </p:spTree>
     <p:extLst>
       <p:ext uri="{BB962C8B-B14F-4D97-AF65-F5344CB8AC3E}">
-        <p14:creationId xmlns:p14="http://schemas.microsoft.com/office/powerpoint/2010/main" val="1096484278"/>
+        <p14:creationId xmlns:p14="http://schemas.microsoft.com/office/powerpoint/2010/main" val="2790487865"/>
+      </p:ext>
+    </p:extLst>
+  </p:cSld>
+  <p:clrMapOvr>
+    <a:masterClrMapping/>
+  </p:clrMapOvr>
+</p:sld>
+</file>
+
+<file path=ppt/slides/slide44.xml><?xml version="1.0" encoding="utf-8"?>
+<p:sld xmlns:a="http://schemas.openxmlformats.org/drawingml/2006/main" xmlns:r="http://schemas.openxmlformats.org/officeDocument/2006/relationships" xmlns:p="http://schemas.openxmlformats.org/presentationml/2006/main">
+  <p:cSld>
+    <p:spTree>
+      <p:nvGrpSpPr>
+        <p:cNvPr id="1" name="">
+          <a:extLst>
+            <a:ext uri="{FF2B5EF4-FFF2-40B4-BE49-F238E27FC236}">
+              <a16:creationId xmlns:a16="http://schemas.microsoft.com/office/drawing/2014/main" id="{1F70ACDD-ED75-3F7F-20DC-969D448C8F6F}"/>
+            </a:ext>
+          </a:extLst>
+        </p:cNvPr>
+        <p:cNvGrpSpPr/>
+        <p:nvPr/>
+      </p:nvGrpSpPr>
+      <p:grpSpPr>
+        <a:xfrm>
+          <a:off x="0" y="0"/>
+          <a:ext cx="0" cy="0"/>
+          <a:chOff x="0" y="0"/>
+          <a:chExt cx="0" cy="0"/>
+        </a:xfrm>
+      </p:grpSpPr>
+      <p:sp>
+        <p:nvSpPr>
+          <p:cNvPr id="2" name="제목 1">
+            <a:extLst>
+              <a:ext uri="{FF2B5EF4-FFF2-40B4-BE49-F238E27FC236}">
+                <a16:creationId xmlns:a16="http://schemas.microsoft.com/office/drawing/2014/main" id="{BA231F46-755C-0460-89CC-913BA7C9FB6E}"/>
+              </a:ext>
+            </a:extLst>
+          </p:cNvPr>
+          <p:cNvSpPr>
+            <a:spLocks noGrp="1"/>
+          </p:cNvSpPr>
+          <p:nvPr>
+            <p:ph type="title"/>
+          </p:nvPr>
+        </p:nvSpPr>
+        <p:spPr/>
+        <p:txBody>
+          <a:bodyPr>
+            <a:normAutofit/>
+          </a:bodyPr>
+          <a:lstStyle/>
+          <a:p>
+            <a:r>
+              <a:rPr lang="ko-KR" altLang="en-US" b="1" dirty="0"/>
+              <a:t>이리듐</a:t>
+            </a:r>
+            <a:r>
+              <a:rPr lang="en-US" altLang="ko-KR" b="1" kern="0" spc="0" dirty="0">
+                <a:solidFill>
+                  <a:srgbClr val="000000"/>
+                </a:solidFill>
+                <a:effectLst/>
+                <a:latin typeface="+mn-ea"/>
+                <a:ea typeface="+mn-ea"/>
+              </a:rPr>
+              <a:t>(Iridium)</a:t>
+            </a:r>
+            <a:endParaRPr lang="ko-KR" altLang="en-US" b="1" dirty="0">
+              <a:latin typeface="+mn-ea"/>
+              <a:ea typeface="+mn-ea"/>
+            </a:endParaRPr>
+          </a:p>
+        </p:txBody>
+      </p:sp>
+      <p:sp>
+        <p:nvSpPr>
+          <p:cNvPr id="3" name="내용 개체 틀 2">
+            <a:extLst>
+              <a:ext uri="{FF2B5EF4-FFF2-40B4-BE49-F238E27FC236}">
+                <a16:creationId xmlns:a16="http://schemas.microsoft.com/office/drawing/2014/main" id="{A8787EC6-727D-CF1D-AD39-C9C1EA80BE18}"/>
+              </a:ext>
+            </a:extLst>
+          </p:cNvPr>
+          <p:cNvSpPr>
+            <a:spLocks noGrp="1"/>
+          </p:cNvSpPr>
+          <p:nvPr>
+            <p:ph idx="1"/>
+          </p:nvPr>
+        </p:nvSpPr>
+        <p:spPr>
+          <a:xfrm>
+            <a:off x="838200" y="1825625"/>
+            <a:ext cx="10515600" cy="4667250"/>
+          </a:xfrm>
+        </p:spPr>
+        <p:txBody>
+          <a:bodyPr>
+            <a:normAutofit fontScale="92500" lnSpcReduction="10000"/>
+          </a:bodyPr>
+          <a:lstStyle/>
+          <a:p>
+            <a:pPr marL="0" indent="0" algn="ctr" fontAlgn="base">
+              <a:lnSpc>
+                <a:spcPct val="160000"/>
+              </a:lnSpc>
+            </a:pPr>
+            <a:r>
+              <a:rPr lang="en-US" altLang="ko-KR" sz="2600" b="1" kern="0" spc="0" dirty="0">
+                <a:solidFill>
+                  <a:srgbClr val="000000"/>
+                </a:solidFill>
+                <a:effectLst/>
+                <a:latin typeface="+mn-ea"/>
+              </a:rPr>
+              <a:t>66</a:t>
+            </a:r>
+            <a:r>
+              <a:rPr lang="ko-KR" altLang="en-US" sz="2600" b="1" kern="0" spc="0" dirty="0">
+                <a:solidFill>
+                  <a:srgbClr val="000000"/>
+                </a:solidFill>
+                <a:effectLst/>
+                <a:latin typeface="+mn-ea"/>
+              </a:rPr>
+              <a:t>개의 저궤도 위성</a:t>
+            </a:r>
+            <a:r>
+              <a:rPr lang="ko-KR" altLang="en-US" sz="2600" kern="0" spc="0" dirty="0">
+                <a:solidFill>
+                  <a:srgbClr val="000000"/>
+                </a:solidFill>
+                <a:effectLst/>
+                <a:latin typeface="+mn-ea"/>
+              </a:rPr>
+              <a:t>을 사용해서 지구 전체를 커버 </a:t>
+            </a:r>
+            <a:endParaRPr lang="en-US" altLang="ko-KR" sz="2600" kern="0" spc="0" dirty="0">
+              <a:solidFill>
+                <a:srgbClr val="000000"/>
+              </a:solidFill>
+              <a:effectLst/>
+              <a:latin typeface="+mn-ea"/>
+            </a:endParaRPr>
+          </a:p>
+          <a:p>
+            <a:pPr marL="0" indent="0" algn="ctr" fontAlgn="base">
+              <a:lnSpc>
+                <a:spcPct val="160000"/>
+              </a:lnSpc>
+              <a:buNone/>
+            </a:pPr>
+            <a:r>
+              <a:rPr lang="en-US" altLang="ko-KR" sz="2200" kern="0" spc="0" dirty="0">
+                <a:solidFill>
+                  <a:srgbClr val="000000"/>
+                </a:solidFill>
+                <a:effectLst/>
+                <a:latin typeface="+mn-ea"/>
+              </a:rPr>
+              <a:t>(</a:t>
+            </a:r>
+            <a:r>
+              <a:rPr lang="ko-KR" altLang="en-US" sz="2200" kern="0" spc="0" dirty="0">
+                <a:solidFill>
+                  <a:srgbClr val="000000"/>
+                </a:solidFill>
+                <a:effectLst/>
+                <a:latin typeface="+mn-ea"/>
+              </a:rPr>
+              <a:t>처음</a:t>
+            </a:r>
+            <a:r>
+              <a:rPr lang="en-US" altLang="ko-KR" sz="2200" kern="0" spc="0" dirty="0">
+                <a:solidFill>
+                  <a:srgbClr val="000000"/>
+                </a:solidFill>
+                <a:effectLst/>
+                <a:latin typeface="+mn-ea"/>
+              </a:rPr>
+              <a:t>- 77</a:t>
+            </a:r>
+            <a:r>
+              <a:rPr lang="ko-KR" altLang="en-US" sz="2200" kern="0" spc="0" dirty="0">
+                <a:solidFill>
+                  <a:srgbClr val="000000"/>
+                </a:solidFill>
+                <a:effectLst/>
+                <a:latin typeface="+mn-ea"/>
+              </a:rPr>
+              <a:t>개 계획 </a:t>
+            </a:r>
+            <a:r>
+              <a:rPr lang="en-US" altLang="ko-KR" sz="2200" kern="0" spc="0" dirty="0">
+                <a:solidFill>
+                  <a:srgbClr val="000000"/>
+                </a:solidFill>
+                <a:effectLst/>
+                <a:latin typeface="+mn-ea"/>
+                <a:sym typeface="Wingdings" panose="05000000000000000000" pitchFamily="2" charset="2"/>
+              </a:rPr>
+              <a:t> </a:t>
+            </a:r>
+            <a:r>
+              <a:rPr lang="ko-KR" altLang="en-US" sz="2200" kern="0" spc="0" dirty="0">
+                <a:solidFill>
+                  <a:srgbClr val="000000"/>
+                </a:solidFill>
+                <a:effectLst/>
+                <a:latin typeface="+mn-ea"/>
+              </a:rPr>
+              <a:t> </a:t>
+            </a:r>
+            <a:r>
+              <a:rPr lang="en-US" altLang="ko-KR" sz="2200" kern="0" spc="0" dirty="0">
+                <a:solidFill>
+                  <a:srgbClr val="000000"/>
+                </a:solidFill>
+                <a:effectLst/>
+                <a:latin typeface="+mn-ea"/>
+              </a:rPr>
+              <a:t>66</a:t>
+            </a:r>
+            <a:r>
+              <a:rPr lang="ko-KR" altLang="en-US" sz="2200" kern="0" spc="0" dirty="0">
+                <a:solidFill>
+                  <a:srgbClr val="000000"/>
+                </a:solidFill>
+                <a:effectLst/>
+                <a:latin typeface="+mn-ea"/>
+              </a:rPr>
+              <a:t>개로 조정</a:t>
+            </a:r>
+            <a:r>
+              <a:rPr lang="en-US" altLang="ko-KR" sz="2200" kern="0" spc="0" dirty="0">
+                <a:solidFill>
+                  <a:srgbClr val="000000"/>
+                </a:solidFill>
+                <a:effectLst/>
+                <a:latin typeface="+mn-ea"/>
+              </a:rPr>
+              <a:t>)</a:t>
+            </a:r>
+            <a:endParaRPr lang="ko-KR" altLang="en-US" sz="2200" kern="0" spc="0" dirty="0">
+              <a:solidFill>
+                <a:srgbClr val="000000"/>
+              </a:solidFill>
+              <a:effectLst/>
+              <a:latin typeface="+mn-ea"/>
+            </a:endParaRPr>
+          </a:p>
+          <a:p>
+            <a:pPr marL="0" indent="0" algn="ctr" fontAlgn="base">
+              <a:lnSpc>
+                <a:spcPct val="160000"/>
+              </a:lnSpc>
+            </a:pPr>
+            <a:r>
+              <a:rPr lang="ko-KR" altLang="en-US" sz="2600" u="sng" kern="0" spc="0" dirty="0">
+                <a:solidFill>
+                  <a:srgbClr val="000000"/>
+                </a:solidFill>
+                <a:effectLst/>
+                <a:latin typeface="+mn-ea"/>
+              </a:rPr>
+              <a:t>위성 간</a:t>
+            </a:r>
+            <a:r>
+              <a:rPr lang="ko-KR" altLang="en-US" sz="2600" kern="0" spc="0" dirty="0">
+                <a:solidFill>
+                  <a:srgbClr val="000000"/>
+                </a:solidFill>
+                <a:effectLst/>
+                <a:latin typeface="+mn-ea"/>
+              </a:rPr>
+              <a:t>에도 </a:t>
+            </a:r>
+            <a:r>
+              <a:rPr lang="ko-KR" altLang="en-US" sz="2600" b="1" kern="0" spc="0" dirty="0">
+                <a:solidFill>
+                  <a:srgbClr val="000000"/>
+                </a:solidFill>
+                <a:effectLst/>
+                <a:latin typeface="+mn-ea"/>
+              </a:rPr>
+              <a:t>레이저 링크</a:t>
+            </a:r>
+            <a:r>
+              <a:rPr lang="ko-KR" altLang="en-US" sz="2600" kern="0" spc="0" dirty="0">
+                <a:solidFill>
+                  <a:srgbClr val="000000"/>
+                </a:solidFill>
+                <a:effectLst/>
+                <a:latin typeface="+mn-ea"/>
+              </a:rPr>
+              <a:t>를 통해 서로 통신</a:t>
+            </a:r>
+            <a:endParaRPr lang="en-US" altLang="ko-KR" sz="2600" kern="0" spc="0" dirty="0">
+              <a:solidFill>
+                <a:srgbClr val="000000"/>
+              </a:solidFill>
+              <a:effectLst/>
+              <a:latin typeface="+mn-ea"/>
+            </a:endParaRPr>
+          </a:p>
+          <a:p>
+            <a:pPr marL="0" indent="0" algn="ctr" fontAlgn="base">
+              <a:lnSpc>
+                <a:spcPct val="160000"/>
+              </a:lnSpc>
+              <a:buNone/>
+            </a:pPr>
+            <a:r>
+              <a:rPr lang="en-US" altLang="ko-KR" sz="2600" kern="0" spc="0" dirty="0">
+                <a:solidFill>
+                  <a:srgbClr val="000000"/>
+                </a:solidFill>
+                <a:effectLst/>
+                <a:latin typeface="+mn-ea"/>
+                <a:sym typeface="Wingdings" panose="05000000000000000000" pitchFamily="2" charset="2"/>
+              </a:rPr>
+              <a:t> </a:t>
+            </a:r>
+            <a:r>
+              <a:rPr lang="ko-KR" altLang="en-US" sz="2600" kern="0" spc="0" dirty="0">
+                <a:solidFill>
+                  <a:srgbClr val="000000"/>
+                </a:solidFill>
+                <a:effectLst/>
+                <a:latin typeface="+mn-ea"/>
+              </a:rPr>
+              <a:t>지상 기지국이 필요 없는 구조</a:t>
+            </a:r>
+            <a:r>
+              <a:rPr lang="en-US" altLang="ko-KR" sz="2600" kern="0" spc="0" dirty="0">
+                <a:solidFill>
+                  <a:srgbClr val="000000"/>
+                </a:solidFill>
+                <a:effectLst/>
+                <a:latin typeface="+mn-ea"/>
+              </a:rPr>
+              <a:t>.</a:t>
+            </a:r>
+            <a:endParaRPr lang="ko-KR" altLang="en-US" sz="2600" kern="0" spc="0" dirty="0">
+              <a:solidFill>
+                <a:srgbClr val="000000"/>
+              </a:solidFill>
+              <a:effectLst/>
+              <a:latin typeface="+mn-ea"/>
+            </a:endParaRPr>
+          </a:p>
+          <a:p>
+            <a:pPr marL="0" indent="0" algn="ctr" fontAlgn="base">
+              <a:lnSpc>
+                <a:spcPct val="160000"/>
+              </a:lnSpc>
+            </a:pPr>
+            <a:r>
+              <a:rPr lang="ko-KR" altLang="en-US" sz="2600" kern="0" spc="0" dirty="0">
+                <a:solidFill>
+                  <a:srgbClr val="000000"/>
+                </a:solidFill>
+                <a:effectLst/>
+                <a:latin typeface="+mn-ea"/>
+              </a:rPr>
+              <a:t>북극이나 사막처럼 지상 셀룰러 </a:t>
+            </a:r>
+            <a:r>
+              <a:rPr lang="ko-KR" altLang="en-US" sz="2600" u="sng" kern="0" spc="0" dirty="0">
+                <a:solidFill>
+                  <a:srgbClr val="000000"/>
+                </a:solidFill>
+                <a:effectLst/>
+                <a:latin typeface="+mn-ea"/>
+              </a:rPr>
+              <a:t>네트워크가 없는 곳에서도 전화 통화 가능</a:t>
+            </a:r>
+            <a:r>
+              <a:rPr lang="en-US" altLang="ko-KR" sz="2600" kern="0" spc="0" dirty="0">
+                <a:solidFill>
+                  <a:srgbClr val="000000"/>
+                </a:solidFill>
+                <a:effectLst/>
+                <a:latin typeface="+mn-ea"/>
+              </a:rPr>
+              <a:t>.</a:t>
+            </a:r>
+            <a:endParaRPr lang="ko-KR" altLang="en-US" sz="2600" kern="0" spc="0" dirty="0">
+              <a:solidFill>
+                <a:srgbClr val="000000"/>
+              </a:solidFill>
+              <a:effectLst/>
+              <a:latin typeface="+mn-ea"/>
+            </a:endParaRPr>
+          </a:p>
+          <a:p>
+            <a:pPr marL="0" indent="0" algn="ctr" fontAlgn="base">
+              <a:lnSpc>
+                <a:spcPct val="160000"/>
+              </a:lnSpc>
+            </a:pPr>
+            <a:r>
+              <a:rPr lang="ko-KR" altLang="en-US" sz="2600" kern="0" spc="0" dirty="0">
+                <a:solidFill>
+                  <a:srgbClr val="000000"/>
+                </a:solidFill>
+                <a:effectLst/>
+                <a:latin typeface="+mn-ea"/>
+              </a:rPr>
+              <a:t>사용자 단말</a:t>
+            </a:r>
+            <a:r>
+              <a:rPr lang="en-US" altLang="ko-KR" sz="2600" kern="0" spc="0" dirty="0">
+                <a:solidFill>
+                  <a:srgbClr val="000000"/>
+                </a:solidFill>
+                <a:effectLst/>
+                <a:latin typeface="+mn-ea"/>
+              </a:rPr>
+              <a:t>(</a:t>
+            </a:r>
+            <a:r>
+              <a:rPr lang="ko-KR" altLang="en-US" sz="2600" kern="0" spc="0" dirty="0">
+                <a:solidFill>
+                  <a:srgbClr val="000000"/>
+                </a:solidFill>
+                <a:effectLst/>
+                <a:latin typeface="+mn-ea"/>
+              </a:rPr>
+              <a:t>휴대폰</a:t>
+            </a:r>
+            <a:r>
+              <a:rPr lang="en-US" altLang="ko-KR" sz="2600" kern="0" spc="0" dirty="0">
+                <a:solidFill>
+                  <a:srgbClr val="000000"/>
+                </a:solidFill>
+                <a:effectLst/>
+                <a:latin typeface="+mn-ea"/>
+              </a:rPr>
+              <a:t>)</a:t>
+            </a:r>
+            <a:r>
+              <a:rPr lang="ko-KR" altLang="en-US" sz="2600" kern="0" spc="0" dirty="0">
+                <a:solidFill>
+                  <a:srgbClr val="000000"/>
+                </a:solidFill>
+                <a:effectLst/>
+                <a:latin typeface="+mn-ea"/>
+              </a:rPr>
+              <a:t>은 위성과 직접 통신</a:t>
+            </a:r>
+          </a:p>
+          <a:p>
+            <a:pPr marL="0" indent="0" algn="ctr" fontAlgn="base">
+              <a:lnSpc>
+                <a:spcPct val="160000"/>
+              </a:lnSpc>
+            </a:pPr>
+            <a:r>
+              <a:rPr lang="ko-KR" altLang="en-US" sz="2600" kern="0" spc="0" dirty="0">
+                <a:solidFill>
+                  <a:srgbClr val="000000"/>
+                </a:solidFill>
+                <a:effectLst/>
+                <a:latin typeface="+mn-ea"/>
+              </a:rPr>
+              <a:t>위성은 지상에서 약 </a:t>
+            </a:r>
+            <a:r>
+              <a:rPr lang="en-US" altLang="ko-KR" sz="2600" b="1" kern="0" spc="0" dirty="0">
+                <a:solidFill>
+                  <a:srgbClr val="000000"/>
+                </a:solidFill>
+                <a:effectLst/>
+                <a:latin typeface="+mn-ea"/>
+              </a:rPr>
+              <a:t>780km</a:t>
+            </a:r>
+            <a:r>
+              <a:rPr lang="ko-KR" altLang="en-US" sz="2600" kern="0" spc="0" dirty="0">
+                <a:solidFill>
+                  <a:srgbClr val="000000"/>
+                </a:solidFill>
+                <a:effectLst/>
+                <a:latin typeface="+mn-ea"/>
+              </a:rPr>
+              <a:t>상공을 빠르게 회전하면서 지구를 커버</a:t>
+            </a:r>
+          </a:p>
+          <a:p>
+            <a:pPr marL="0" indent="0" algn="just" fontAlgn="base">
+              <a:lnSpc>
+                <a:spcPct val="160000"/>
+              </a:lnSpc>
+            </a:pPr>
+            <a:endParaRPr lang="ko-KR" altLang="en-US" sz="1800" kern="0" spc="0" dirty="0">
+              <a:solidFill>
+                <a:srgbClr val="000000"/>
+              </a:solidFill>
+              <a:effectLst/>
+              <a:latin typeface="함초롬바탕" panose="02030604000101010101" pitchFamily="18" charset="-127"/>
+            </a:endParaRPr>
+          </a:p>
+          <a:p>
+            <a:pPr marL="0" marR="0" indent="0" algn="just" fontAlgn="base" latinLnBrk="1">
+              <a:lnSpc>
+                <a:spcPct val="160000"/>
+              </a:lnSpc>
+            </a:pPr>
+            <a:endParaRPr lang="ko-KR" altLang="en-US" sz="2400" kern="0" spc="0" dirty="0">
+              <a:solidFill>
+                <a:srgbClr val="000000"/>
+              </a:solidFill>
+              <a:effectLst/>
+              <a:latin typeface="+mn-ea"/>
+            </a:endParaRPr>
+          </a:p>
+        </p:txBody>
+      </p:sp>
+      <p:sp>
+        <p:nvSpPr>
+          <p:cNvPr id="4" name="슬라이드 번호 개체 틀 3">
+            <a:extLst>
+              <a:ext uri="{FF2B5EF4-FFF2-40B4-BE49-F238E27FC236}">
+                <a16:creationId xmlns:a16="http://schemas.microsoft.com/office/drawing/2014/main" id="{3EB5FEC4-1E39-FF81-1228-CED4CEC00ECC}"/>
+              </a:ext>
+            </a:extLst>
+          </p:cNvPr>
+          <p:cNvSpPr>
+            <a:spLocks noGrp="1"/>
+          </p:cNvSpPr>
+          <p:nvPr>
+            <p:ph type="sldNum" sz="quarter" idx="12"/>
+          </p:nvPr>
+        </p:nvSpPr>
+        <p:spPr/>
+        <p:txBody>
+          <a:bodyPr/>
+          <a:lstStyle/>
+          <a:p>
+            <a:fld id="{1C8277D2-7E72-4AE2-8B1A-54440BCE74AB}" type="slidenum">
+              <a:rPr lang="ko-KR" altLang="en-US" smtClean="0"/>
+              <a:t>44</a:t>
+            </a:fld>
+            <a:endParaRPr lang="ko-KR" altLang="en-US"/>
+          </a:p>
+        </p:txBody>
+      </p:sp>
+    </p:spTree>
+    <p:extLst>
+      <p:ext uri="{BB962C8B-B14F-4D97-AF65-F5344CB8AC3E}">
+        <p14:creationId xmlns:p14="http://schemas.microsoft.com/office/powerpoint/2010/main" val="3547491659"/>
+      </p:ext>
+    </p:extLst>
+  </p:cSld>
+  <p:clrMapOvr>
+    <a:masterClrMapping/>
+  </p:clrMapOvr>
+</p:sld>
+</file>
+
+<file path=ppt/slides/slide45.xml><?xml version="1.0" encoding="utf-8"?>
+<p:sld xmlns:a="http://schemas.openxmlformats.org/drawingml/2006/main" xmlns:r="http://schemas.openxmlformats.org/officeDocument/2006/relationships" xmlns:p="http://schemas.openxmlformats.org/presentationml/2006/main">
+  <p:cSld>
+    <p:spTree>
+      <p:nvGrpSpPr>
+        <p:cNvPr id="1" name="">
+          <a:extLst>
+            <a:ext uri="{FF2B5EF4-FFF2-40B4-BE49-F238E27FC236}">
+              <a16:creationId xmlns:a16="http://schemas.microsoft.com/office/drawing/2014/main" id="{BC3120AB-DB14-D1E7-D460-1CC4CB14285A}"/>
+            </a:ext>
+          </a:extLst>
+        </p:cNvPr>
+        <p:cNvGrpSpPr/>
+        <p:nvPr/>
+      </p:nvGrpSpPr>
+      <p:grpSpPr>
+        <a:xfrm>
+          <a:off x="0" y="0"/>
+          <a:ext cx="0" cy="0"/>
+          <a:chOff x="0" y="0"/>
+          <a:chExt cx="0" cy="0"/>
+        </a:xfrm>
+      </p:grpSpPr>
+      <p:sp>
+        <p:nvSpPr>
+          <p:cNvPr id="2" name="제목 1">
+            <a:extLst>
+              <a:ext uri="{FF2B5EF4-FFF2-40B4-BE49-F238E27FC236}">
+                <a16:creationId xmlns:a16="http://schemas.microsoft.com/office/drawing/2014/main" id="{3D8F02EB-48A5-BB10-F132-F3B313688732}"/>
+              </a:ext>
+            </a:extLst>
+          </p:cNvPr>
+          <p:cNvSpPr>
+            <a:spLocks noGrp="1"/>
+          </p:cNvSpPr>
+          <p:nvPr>
+            <p:ph type="title"/>
+          </p:nvPr>
+        </p:nvSpPr>
+        <p:spPr/>
+        <p:txBody>
+          <a:bodyPr>
+            <a:normAutofit/>
+          </a:bodyPr>
+          <a:lstStyle/>
+          <a:p>
+            <a:r>
+              <a:rPr lang="ko-KR" altLang="en-US" b="1" dirty="0"/>
+              <a:t>이리듐</a:t>
+            </a:r>
+            <a:r>
+              <a:rPr lang="en-US" altLang="ko-KR" b="1" dirty="0"/>
+              <a:t> </a:t>
+            </a:r>
+            <a:r>
+              <a:rPr lang="ko-KR" altLang="en-US" b="1" dirty="0"/>
+              <a:t>장점</a:t>
+            </a:r>
+            <a:endParaRPr lang="ko-KR" altLang="en-US" sz="2400" b="1" dirty="0">
+              <a:latin typeface="+mn-ea"/>
+              <a:ea typeface="+mn-ea"/>
+            </a:endParaRPr>
+          </a:p>
+        </p:txBody>
+      </p:sp>
+      <p:sp>
+        <p:nvSpPr>
+          <p:cNvPr id="3" name="내용 개체 틀 2">
+            <a:extLst>
+              <a:ext uri="{FF2B5EF4-FFF2-40B4-BE49-F238E27FC236}">
+                <a16:creationId xmlns:a16="http://schemas.microsoft.com/office/drawing/2014/main" id="{A3620B31-742D-B527-FDE8-1DEFBD988BE8}"/>
+              </a:ext>
+            </a:extLst>
+          </p:cNvPr>
+          <p:cNvSpPr>
+            <a:spLocks noGrp="1"/>
+          </p:cNvSpPr>
+          <p:nvPr>
+            <p:ph idx="1"/>
+          </p:nvPr>
+        </p:nvSpPr>
+        <p:spPr>
+          <a:xfrm>
+            <a:off x="838200" y="2105025"/>
+            <a:ext cx="10515600" cy="4351338"/>
+          </a:xfrm>
+        </p:spPr>
+        <p:txBody>
+          <a:bodyPr>
+            <a:normAutofit/>
+          </a:bodyPr>
+          <a:lstStyle/>
+          <a:p>
+            <a:pPr marL="0" marR="0" lvl="0" indent="0" algn="ctr" fontAlgn="base" latinLnBrk="1">
+              <a:lnSpc>
+                <a:spcPct val="120000"/>
+              </a:lnSpc>
+              <a:buNone/>
+            </a:pPr>
+            <a:r>
+              <a:rPr lang="ko-KR" altLang="en-US" sz="2400" b="1" kern="0" spc="0" dirty="0">
+                <a:solidFill>
+                  <a:srgbClr val="000000"/>
+                </a:solidFill>
+                <a:effectLst/>
+                <a:latin typeface="+mn-ea"/>
+              </a:rPr>
+              <a:t>언제 어디서나 통신 가능</a:t>
+            </a:r>
+            <a:endParaRPr lang="en-US" altLang="ko-KR" sz="2400" b="1" kern="0" dirty="0">
+              <a:solidFill>
+                <a:srgbClr val="000000"/>
+              </a:solidFill>
+              <a:latin typeface="+mn-ea"/>
+            </a:endParaRPr>
+          </a:p>
+          <a:p>
+            <a:pPr marR="0" lvl="0" algn="ctr" fontAlgn="base" latinLnBrk="1">
+              <a:lnSpc>
+                <a:spcPct val="120000"/>
+              </a:lnSpc>
+              <a:buFont typeface="Wingdings" panose="05000000000000000000" pitchFamily="2" charset="2"/>
+              <a:buChar char="à"/>
+            </a:pPr>
+            <a:r>
+              <a:rPr lang="ko-KR" altLang="en-US" sz="2400" kern="0" spc="0" dirty="0">
+                <a:solidFill>
+                  <a:srgbClr val="000000"/>
+                </a:solidFill>
+                <a:effectLst/>
+                <a:latin typeface="+mn-ea"/>
+              </a:rPr>
+              <a:t>지상망이 없는 곳</a:t>
+            </a:r>
+            <a:r>
+              <a:rPr lang="en-US" altLang="ko-KR" sz="2400" kern="0" spc="0" dirty="0">
+                <a:solidFill>
+                  <a:srgbClr val="000000"/>
+                </a:solidFill>
+                <a:effectLst/>
+                <a:latin typeface="+mn-ea"/>
+              </a:rPr>
+              <a:t>(</a:t>
+            </a:r>
+            <a:r>
+              <a:rPr lang="ko-KR" altLang="en-US" sz="2400" kern="0" spc="0" dirty="0">
+                <a:solidFill>
+                  <a:srgbClr val="000000"/>
+                </a:solidFill>
+                <a:effectLst/>
+                <a:latin typeface="+mn-ea"/>
+              </a:rPr>
+              <a:t>산악</a:t>
+            </a:r>
+            <a:r>
+              <a:rPr lang="en-US" altLang="ko-KR" sz="2400" kern="0" spc="0" dirty="0">
+                <a:solidFill>
+                  <a:srgbClr val="000000"/>
+                </a:solidFill>
+                <a:effectLst/>
+                <a:latin typeface="+mn-ea"/>
+              </a:rPr>
+              <a:t>, </a:t>
+            </a:r>
+            <a:r>
+              <a:rPr lang="ko-KR" altLang="en-US" sz="2400" kern="0" spc="0" dirty="0">
+                <a:solidFill>
+                  <a:srgbClr val="000000"/>
+                </a:solidFill>
+                <a:effectLst/>
+                <a:latin typeface="+mn-ea"/>
+              </a:rPr>
+              <a:t>오지</a:t>
+            </a:r>
+            <a:r>
+              <a:rPr lang="en-US" altLang="ko-KR" sz="2400" kern="0" spc="0" dirty="0">
+                <a:solidFill>
+                  <a:srgbClr val="000000"/>
+                </a:solidFill>
+                <a:effectLst/>
+                <a:latin typeface="+mn-ea"/>
+              </a:rPr>
+              <a:t>, </a:t>
+            </a:r>
+            <a:r>
+              <a:rPr lang="ko-KR" altLang="en-US" sz="2400" kern="0" spc="0" dirty="0">
+                <a:solidFill>
+                  <a:srgbClr val="000000"/>
+                </a:solidFill>
+                <a:effectLst/>
+                <a:latin typeface="+mn-ea"/>
+              </a:rPr>
+              <a:t>바다 한가운데</a:t>
+            </a:r>
+            <a:r>
+              <a:rPr lang="en-US" altLang="ko-KR" sz="2400" kern="0" spc="0" dirty="0">
+                <a:solidFill>
+                  <a:srgbClr val="000000"/>
+                </a:solidFill>
+                <a:effectLst/>
+                <a:latin typeface="+mn-ea"/>
+              </a:rPr>
+              <a:t>, </a:t>
+            </a:r>
+            <a:r>
+              <a:rPr lang="ko-KR" altLang="en-US" sz="2400" kern="0" spc="0" dirty="0">
+                <a:solidFill>
+                  <a:srgbClr val="000000"/>
+                </a:solidFill>
+                <a:effectLst/>
+                <a:latin typeface="+mn-ea"/>
+              </a:rPr>
+              <a:t>북극 등</a:t>
+            </a:r>
+            <a:r>
+              <a:rPr lang="en-US" altLang="ko-KR" sz="2400" kern="0" spc="0" dirty="0">
+                <a:solidFill>
+                  <a:srgbClr val="000000"/>
+                </a:solidFill>
+                <a:effectLst/>
+                <a:latin typeface="+mn-ea"/>
+              </a:rPr>
+              <a:t>)</a:t>
+            </a:r>
+            <a:r>
+              <a:rPr lang="ko-KR" altLang="en-US" sz="2400" kern="0" spc="0" dirty="0">
+                <a:solidFill>
+                  <a:srgbClr val="000000"/>
+                </a:solidFill>
+                <a:effectLst/>
+                <a:latin typeface="+mn-ea"/>
+              </a:rPr>
+              <a:t>에서도 사용 가능</a:t>
+            </a:r>
+            <a:r>
+              <a:rPr lang="en-US" altLang="ko-KR" sz="2400" kern="0" spc="0" dirty="0">
+                <a:solidFill>
+                  <a:srgbClr val="000000"/>
+                </a:solidFill>
+                <a:effectLst/>
+                <a:latin typeface="+mn-ea"/>
+              </a:rPr>
+              <a:t>.</a:t>
+            </a:r>
+          </a:p>
+          <a:p>
+            <a:pPr marL="0" marR="0" lvl="0" indent="0" algn="ctr" fontAlgn="base" latinLnBrk="1">
+              <a:lnSpc>
+                <a:spcPct val="120000"/>
+              </a:lnSpc>
+              <a:buNone/>
+            </a:pPr>
+            <a:endParaRPr lang="en-US" altLang="ko-KR" sz="2400" kern="0" dirty="0">
+              <a:solidFill>
+                <a:srgbClr val="000000"/>
+              </a:solidFill>
+              <a:latin typeface="+mn-ea"/>
+            </a:endParaRPr>
+          </a:p>
+          <a:p>
+            <a:pPr marL="0" marR="0" lvl="0" indent="0" algn="ctr" fontAlgn="base" latinLnBrk="1">
+              <a:lnSpc>
+                <a:spcPct val="120000"/>
+              </a:lnSpc>
+              <a:buNone/>
+            </a:pPr>
+            <a:r>
+              <a:rPr lang="ko-KR" altLang="en-US" sz="2400" b="1" kern="0" spc="0" dirty="0">
+                <a:solidFill>
+                  <a:srgbClr val="000000"/>
+                </a:solidFill>
+                <a:effectLst/>
+                <a:latin typeface="+mn-ea"/>
+              </a:rPr>
+              <a:t>긴급 상황 대응</a:t>
+            </a:r>
+            <a:endParaRPr lang="en-US" altLang="ko-KR" sz="2400" b="1" kern="0" spc="0" dirty="0">
+              <a:solidFill>
+                <a:srgbClr val="000000"/>
+              </a:solidFill>
+              <a:effectLst/>
+              <a:latin typeface="+mn-ea"/>
+            </a:endParaRPr>
+          </a:p>
+          <a:p>
+            <a:pPr marL="0" marR="0" lvl="0" indent="0" algn="ctr" fontAlgn="base" latinLnBrk="1">
+              <a:lnSpc>
+                <a:spcPct val="120000"/>
+              </a:lnSpc>
+              <a:buNone/>
+            </a:pPr>
+            <a:r>
+              <a:rPr lang="ko-KR" altLang="en-US" sz="2400" kern="0" spc="0" dirty="0">
+                <a:solidFill>
+                  <a:srgbClr val="000000"/>
+                </a:solidFill>
+                <a:effectLst/>
+                <a:latin typeface="+mn-ea"/>
+              </a:rPr>
+              <a:t>재난이나 전쟁 등으로 지상 통신망이 끊겼을 때 유용</a:t>
+            </a:r>
+            <a:r>
+              <a:rPr lang="en-US" altLang="ko-KR" sz="2400" kern="0" spc="0" dirty="0">
+                <a:solidFill>
+                  <a:srgbClr val="000000"/>
+                </a:solidFill>
+                <a:effectLst/>
+                <a:latin typeface="+mn-ea"/>
+              </a:rPr>
+              <a:t>.</a:t>
+            </a:r>
+            <a:endParaRPr lang="ko-KR" altLang="en-US" sz="2400" kern="0" spc="0" dirty="0">
+              <a:solidFill>
+                <a:srgbClr val="000000"/>
+              </a:solidFill>
+              <a:effectLst/>
+              <a:latin typeface="+mn-ea"/>
+            </a:endParaRPr>
+          </a:p>
+          <a:p>
+            <a:pPr marL="0" marR="0" indent="0" algn="ctr" fontAlgn="base" latinLnBrk="1">
+              <a:lnSpc>
+                <a:spcPct val="160000"/>
+              </a:lnSpc>
+              <a:buNone/>
+            </a:pPr>
+            <a:endParaRPr lang="en-US" altLang="ko-KR" sz="2400" kern="0" spc="0" dirty="0">
+              <a:solidFill>
+                <a:srgbClr val="000000"/>
+              </a:solidFill>
+              <a:effectLst/>
+              <a:latin typeface="+mn-ea"/>
+            </a:endParaRPr>
+          </a:p>
+        </p:txBody>
+      </p:sp>
+      <p:sp>
+        <p:nvSpPr>
+          <p:cNvPr id="4" name="슬라이드 번호 개체 틀 3">
+            <a:extLst>
+              <a:ext uri="{FF2B5EF4-FFF2-40B4-BE49-F238E27FC236}">
+                <a16:creationId xmlns:a16="http://schemas.microsoft.com/office/drawing/2014/main" id="{054DE631-B60A-FEA3-3D35-17323F16CEA3}"/>
+              </a:ext>
+            </a:extLst>
+          </p:cNvPr>
+          <p:cNvSpPr>
+            <a:spLocks noGrp="1"/>
+          </p:cNvSpPr>
+          <p:nvPr>
+            <p:ph type="sldNum" sz="quarter" idx="12"/>
+          </p:nvPr>
+        </p:nvSpPr>
+        <p:spPr/>
+        <p:txBody>
+          <a:bodyPr/>
+          <a:lstStyle/>
+          <a:p>
+            <a:fld id="{1C8277D2-7E72-4AE2-8B1A-54440BCE74AB}" type="slidenum">
+              <a:rPr lang="ko-KR" altLang="en-US" smtClean="0"/>
+              <a:t>45</a:t>
+            </a:fld>
+            <a:endParaRPr lang="ko-KR" altLang="en-US"/>
+          </a:p>
+        </p:txBody>
+      </p:sp>
+    </p:spTree>
+    <p:extLst>
+      <p:ext uri="{BB962C8B-B14F-4D97-AF65-F5344CB8AC3E}">
+        <p14:creationId xmlns:p14="http://schemas.microsoft.com/office/powerpoint/2010/main" val="479342800"/>
+      </p:ext>
+    </p:extLst>
+  </p:cSld>
+  <p:clrMapOvr>
+    <a:masterClrMapping/>
+  </p:clrMapOvr>
+</p:sld>
+</file>
+
+<file path=ppt/slides/slide46.xml><?xml version="1.0" encoding="utf-8"?>
+<p:sld xmlns:a="http://schemas.openxmlformats.org/drawingml/2006/main" xmlns:r="http://schemas.openxmlformats.org/officeDocument/2006/relationships" xmlns:p="http://schemas.openxmlformats.org/presentationml/2006/main">
+  <p:cSld>
+    <p:spTree>
+      <p:nvGrpSpPr>
+        <p:cNvPr id="1" name="">
+          <a:extLst>
+            <a:ext uri="{FF2B5EF4-FFF2-40B4-BE49-F238E27FC236}">
+              <a16:creationId xmlns:a16="http://schemas.microsoft.com/office/drawing/2014/main" id="{9ECA8D3A-5734-A76D-41BB-E84A6B4AE272}"/>
+            </a:ext>
+          </a:extLst>
+        </p:cNvPr>
+        <p:cNvGrpSpPr/>
+        <p:nvPr/>
+      </p:nvGrpSpPr>
+      <p:grpSpPr>
+        <a:xfrm>
+          <a:off x="0" y="0"/>
+          <a:ext cx="0" cy="0"/>
+          <a:chOff x="0" y="0"/>
+          <a:chExt cx="0" cy="0"/>
+        </a:xfrm>
+      </p:grpSpPr>
+      <p:sp>
+        <p:nvSpPr>
+          <p:cNvPr id="2" name="제목 1">
+            <a:extLst>
+              <a:ext uri="{FF2B5EF4-FFF2-40B4-BE49-F238E27FC236}">
+                <a16:creationId xmlns:a16="http://schemas.microsoft.com/office/drawing/2014/main" id="{50F7644B-5306-0D5F-C0BA-D626D6A3CF12}"/>
+              </a:ext>
+            </a:extLst>
+          </p:cNvPr>
+          <p:cNvSpPr>
+            <a:spLocks noGrp="1"/>
+          </p:cNvSpPr>
+          <p:nvPr>
+            <p:ph type="title"/>
+          </p:nvPr>
+        </p:nvSpPr>
+        <p:spPr/>
+        <p:txBody>
+          <a:bodyPr>
+            <a:normAutofit/>
+          </a:bodyPr>
+          <a:lstStyle/>
+          <a:p>
+            <a:r>
+              <a:rPr lang="ko-KR" altLang="en-US" b="1" dirty="0"/>
+              <a:t>이리듐</a:t>
+            </a:r>
+            <a:r>
+              <a:rPr lang="en-US" altLang="ko-KR" b="1" dirty="0"/>
+              <a:t> </a:t>
+            </a:r>
+            <a:r>
+              <a:rPr lang="ko-KR" altLang="en-US" b="1" dirty="0"/>
+              <a:t>문제점</a:t>
+            </a:r>
+            <a:r>
+              <a:rPr lang="en-US" altLang="ko-KR" b="1" dirty="0"/>
+              <a:t>&amp;</a:t>
+            </a:r>
+            <a:r>
+              <a:rPr lang="ko-KR" altLang="en-US" b="1" dirty="0"/>
+              <a:t>한계</a:t>
+            </a:r>
+            <a:endParaRPr lang="ko-KR" altLang="en-US" sz="2400" b="1" dirty="0">
+              <a:latin typeface="+mn-ea"/>
+              <a:ea typeface="+mn-ea"/>
+            </a:endParaRPr>
+          </a:p>
+        </p:txBody>
+      </p:sp>
+      <p:sp>
+        <p:nvSpPr>
+          <p:cNvPr id="3" name="내용 개체 틀 2">
+            <a:extLst>
+              <a:ext uri="{FF2B5EF4-FFF2-40B4-BE49-F238E27FC236}">
+                <a16:creationId xmlns:a16="http://schemas.microsoft.com/office/drawing/2014/main" id="{22323D10-FFF9-BC94-14C8-23FBD1131AD2}"/>
+              </a:ext>
+            </a:extLst>
+          </p:cNvPr>
+          <p:cNvSpPr>
+            <a:spLocks noGrp="1"/>
+          </p:cNvSpPr>
+          <p:nvPr>
+            <p:ph idx="1"/>
+          </p:nvPr>
+        </p:nvSpPr>
+        <p:spPr>
+          <a:xfrm>
+            <a:off x="838200" y="1825625"/>
+            <a:ext cx="10515600" cy="4667250"/>
+          </a:xfrm>
+        </p:spPr>
+        <p:txBody>
+          <a:bodyPr>
+            <a:normAutofit/>
+          </a:bodyPr>
+          <a:lstStyle/>
+          <a:p>
+            <a:pPr marL="0" marR="0" lvl="0" indent="0" algn="ctr" fontAlgn="base" latinLnBrk="1">
+              <a:lnSpc>
+                <a:spcPct val="120000"/>
+              </a:lnSpc>
+              <a:buNone/>
+            </a:pPr>
+            <a:endParaRPr lang="en-US" altLang="ko-KR" sz="800" b="1" kern="0" spc="0" dirty="0">
+              <a:solidFill>
+                <a:srgbClr val="000000"/>
+              </a:solidFill>
+              <a:effectLst/>
+              <a:latin typeface="+mn-ea"/>
+            </a:endParaRPr>
+          </a:p>
+          <a:p>
+            <a:pPr marL="0" marR="0" lvl="0" indent="0" algn="ctr" fontAlgn="base" latinLnBrk="1">
+              <a:lnSpc>
+                <a:spcPct val="120000"/>
+              </a:lnSpc>
+              <a:buNone/>
+            </a:pPr>
+            <a:r>
+              <a:rPr lang="ko-KR" altLang="en-US" sz="2400" b="1" kern="0" spc="0" dirty="0">
+                <a:solidFill>
+                  <a:srgbClr val="000000"/>
+                </a:solidFill>
+                <a:effectLst/>
+                <a:latin typeface="+mn-ea"/>
+              </a:rPr>
+              <a:t>단말기 크기</a:t>
+            </a:r>
+            <a:r>
+              <a:rPr lang="en-US" altLang="ko-KR" sz="2400" kern="0" spc="0" dirty="0">
+                <a:solidFill>
+                  <a:srgbClr val="000000"/>
+                </a:solidFill>
+                <a:effectLst/>
+                <a:latin typeface="+mn-ea"/>
+              </a:rPr>
+              <a:t>: </a:t>
+            </a:r>
+            <a:r>
+              <a:rPr lang="ko-KR" altLang="en-US" sz="2400" kern="0" spc="0" dirty="0">
+                <a:solidFill>
+                  <a:srgbClr val="000000"/>
+                </a:solidFill>
+                <a:effectLst/>
+                <a:latin typeface="+mn-ea"/>
+              </a:rPr>
+              <a:t>초기 이리듐 폰은 크고 무거움</a:t>
+            </a:r>
+            <a:endParaRPr lang="en-US" altLang="ko-KR" sz="2400" kern="0" spc="0" dirty="0">
+              <a:solidFill>
+                <a:srgbClr val="000000"/>
+              </a:solidFill>
+              <a:effectLst/>
+              <a:latin typeface="+mn-ea"/>
+            </a:endParaRPr>
+          </a:p>
+          <a:p>
+            <a:pPr marL="0" marR="0" lvl="0" indent="0" algn="ctr" fontAlgn="base" latinLnBrk="1">
+              <a:lnSpc>
+                <a:spcPct val="120000"/>
+              </a:lnSpc>
+              <a:buNone/>
+            </a:pPr>
+            <a:endParaRPr lang="ko-KR" altLang="en-US" sz="800" kern="0" spc="0" dirty="0">
+              <a:solidFill>
+                <a:srgbClr val="000000"/>
+              </a:solidFill>
+              <a:effectLst/>
+              <a:latin typeface="+mn-ea"/>
+            </a:endParaRPr>
+          </a:p>
+          <a:p>
+            <a:pPr marL="0" marR="0" lvl="0" indent="0" algn="ctr" fontAlgn="base" latinLnBrk="1">
+              <a:lnSpc>
+                <a:spcPct val="120000"/>
+              </a:lnSpc>
+              <a:buNone/>
+            </a:pPr>
+            <a:r>
+              <a:rPr lang="ko-KR" altLang="en-US" sz="2400" b="1" kern="0" spc="0" dirty="0">
+                <a:solidFill>
+                  <a:srgbClr val="000000"/>
+                </a:solidFill>
+                <a:effectLst/>
+                <a:latin typeface="+mn-ea"/>
+              </a:rPr>
+              <a:t>비싼 통신요금</a:t>
+            </a:r>
+            <a:r>
+              <a:rPr lang="en-US" altLang="ko-KR" sz="2400" kern="0" spc="0" dirty="0">
+                <a:solidFill>
+                  <a:srgbClr val="000000"/>
+                </a:solidFill>
+                <a:effectLst/>
+                <a:latin typeface="+mn-ea"/>
+              </a:rPr>
+              <a:t>: </a:t>
+            </a:r>
+            <a:r>
+              <a:rPr lang="ko-KR" altLang="en-US" sz="2400" kern="0" spc="0" dirty="0">
+                <a:solidFill>
+                  <a:srgbClr val="000000"/>
+                </a:solidFill>
+                <a:effectLst/>
+                <a:latin typeface="+mn-ea"/>
+              </a:rPr>
+              <a:t>일반 셀룰러 통신보다 훨씬 비쌈</a:t>
+            </a:r>
+            <a:endParaRPr lang="en-US" altLang="ko-KR" sz="2400" kern="0" spc="0" dirty="0">
+              <a:solidFill>
+                <a:srgbClr val="000000"/>
+              </a:solidFill>
+              <a:effectLst/>
+              <a:latin typeface="+mn-ea"/>
+            </a:endParaRPr>
+          </a:p>
+          <a:p>
+            <a:pPr marL="0" marR="0" lvl="0" indent="0" algn="ctr" fontAlgn="base" latinLnBrk="1">
+              <a:lnSpc>
+                <a:spcPct val="120000"/>
+              </a:lnSpc>
+              <a:buNone/>
+            </a:pPr>
+            <a:endParaRPr lang="ko-KR" altLang="en-US" sz="800" kern="0" spc="0" dirty="0">
+              <a:solidFill>
+                <a:srgbClr val="000000"/>
+              </a:solidFill>
+              <a:effectLst/>
+              <a:latin typeface="+mn-ea"/>
+            </a:endParaRPr>
+          </a:p>
+          <a:p>
+            <a:pPr marL="0" marR="0" lvl="0" indent="0" algn="ctr" fontAlgn="base" latinLnBrk="1">
+              <a:lnSpc>
+                <a:spcPct val="120000"/>
+              </a:lnSpc>
+              <a:buNone/>
+            </a:pPr>
+            <a:r>
+              <a:rPr lang="ko-KR" altLang="en-US" sz="2400" b="1" kern="0" spc="0" dirty="0">
+                <a:solidFill>
+                  <a:srgbClr val="000000"/>
+                </a:solidFill>
+                <a:effectLst/>
+                <a:latin typeface="+mn-ea"/>
+              </a:rPr>
+              <a:t>낮은 대역폭</a:t>
+            </a:r>
+            <a:r>
+              <a:rPr lang="en-US" altLang="ko-KR" sz="2400" kern="0" spc="0" dirty="0">
+                <a:solidFill>
+                  <a:srgbClr val="000000"/>
+                </a:solidFill>
+                <a:effectLst/>
+                <a:latin typeface="+mn-ea"/>
+              </a:rPr>
+              <a:t>: </a:t>
+            </a:r>
+            <a:r>
+              <a:rPr lang="ko-KR" altLang="en-US" sz="2400" kern="0" spc="0" dirty="0">
+                <a:solidFill>
+                  <a:srgbClr val="000000"/>
+                </a:solidFill>
+                <a:effectLst/>
+                <a:latin typeface="+mn-ea"/>
+              </a:rPr>
+              <a:t>음성 통화 정도는 가능했지만</a:t>
+            </a:r>
+            <a:r>
+              <a:rPr lang="en-US" altLang="ko-KR" sz="2400" kern="0" spc="0" dirty="0">
+                <a:solidFill>
+                  <a:srgbClr val="000000"/>
+                </a:solidFill>
+                <a:effectLst/>
+                <a:latin typeface="+mn-ea"/>
+              </a:rPr>
+              <a:t>,</a:t>
+            </a:r>
+          </a:p>
+          <a:p>
+            <a:pPr marL="0" marR="0" lvl="0" indent="0" algn="ctr" fontAlgn="base" latinLnBrk="1">
+              <a:lnSpc>
+                <a:spcPct val="120000"/>
+              </a:lnSpc>
+              <a:buNone/>
+            </a:pPr>
+            <a:r>
+              <a:rPr lang="ko-KR" altLang="en-US" sz="2400" kern="0" spc="0" dirty="0">
+                <a:solidFill>
+                  <a:srgbClr val="000000"/>
+                </a:solidFill>
+                <a:effectLst/>
+                <a:latin typeface="+mn-ea"/>
+              </a:rPr>
+              <a:t>데이터 통신은 느리고 </a:t>
+            </a:r>
+            <a:r>
+              <a:rPr lang="ko-KR" altLang="en-US" sz="2400" kern="0" dirty="0">
+                <a:solidFill>
+                  <a:srgbClr val="000000"/>
+                </a:solidFill>
+                <a:latin typeface="+mn-ea"/>
+              </a:rPr>
+              <a:t>제한적</a:t>
+            </a:r>
+            <a:endParaRPr lang="en-US" altLang="ko-KR" sz="2400" kern="0" dirty="0">
+              <a:solidFill>
+                <a:srgbClr val="000000"/>
+              </a:solidFill>
+              <a:latin typeface="+mn-ea"/>
+            </a:endParaRPr>
+          </a:p>
+          <a:p>
+            <a:pPr marL="0" marR="0" lvl="0" indent="0" algn="ctr" fontAlgn="base" latinLnBrk="1">
+              <a:lnSpc>
+                <a:spcPct val="120000"/>
+              </a:lnSpc>
+              <a:buNone/>
+            </a:pPr>
+            <a:endParaRPr lang="en-US" altLang="ko-KR" sz="800" kern="0" spc="0" dirty="0">
+              <a:solidFill>
+                <a:srgbClr val="000000"/>
+              </a:solidFill>
+              <a:effectLst/>
+              <a:latin typeface="+mn-ea"/>
+            </a:endParaRPr>
+          </a:p>
+          <a:p>
+            <a:pPr marL="0" marR="0" lvl="0" indent="0" algn="ctr" fontAlgn="base" latinLnBrk="1">
+              <a:lnSpc>
+                <a:spcPct val="120000"/>
+              </a:lnSpc>
+              <a:buNone/>
+            </a:pPr>
+            <a:r>
+              <a:rPr lang="ko-KR" altLang="en-US" sz="2400" b="1" kern="0" spc="0" dirty="0">
+                <a:solidFill>
+                  <a:srgbClr val="000000"/>
+                </a:solidFill>
+                <a:effectLst/>
+                <a:latin typeface="+mn-ea"/>
+              </a:rPr>
+              <a:t>지연시간</a:t>
+            </a:r>
+            <a:r>
+              <a:rPr lang="en-US" altLang="ko-KR" sz="2400" b="1" kern="0" spc="0" dirty="0">
+                <a:solidFill>
+                  <a:srgbClr val="000000"/>
+                </a:solidFill>
+                <a:effectLst/>
+                <a:latin typeface="+mn-ea"/>
+              </a:rPr>
+              <a:t>(latency)</a:t>
+            </a:r>
+            <a:r>
+              <a:rPr lang="en-US" altLang="ko-KR" sz="2400" kern="0" spc="0" dirty="0">
+                <a:solidFill>
+                  <a:srgbClr val="000000"/>
+                </a:solidFill>
+                <a:effectLst/>
+                <a:latin typeface="+mn-ea"/>
+              </a:rPr>
+              <a:t>: LEO</a:t>
+            </a:r>
+            <a:r>
+              <a:rPr lang="ko-KR" altLang="en-US" sz="2400" kern="0" spc="0" dirty="0">
+                <a:solidFill>
+                  <a:srgbClr val="000000"/>
+                </a:solidFill>
+                <a:effectLst/>
+                <a:latin typeface="+mn-ea"/>
+              </a:rPr>
+              <a:t>라서 </a:t>
+            </a:r>
+            <a:r>
+              <a:rPr lang="en-US" altLang="ko-KR" sz="2400" kern="0" spc="0" dirty="0">
+                <a:solidFill>
+                  <a:srgbClr val="000000"/>
+                </a:solidFill>
+                <a:effectLst/>
+                <a:latin typeface="+mn-ea"/>
+              </a:rPr>
+              <a:t>GEO </a:t>
+            </a:r>
+            <a:r>
+              <a:rPr lang="ko-KR" altLang="en-US" sz="2400" kern="0" spc="0" dirty="0">
+                <a:solidFill>
+                  <a:srgbClr val="000000"/>
+                </a:solidFill>
+                <a:effectLst/>
+                <a:latin typeface="+mn-ea"/>
+              </a:rPr>
+              <a:t>위성</a:t>
+            </a:r>
+            <a:r>
+              <a:rPr lang="en-US" altLang="ko-KR" sz="2400" kern="0" spc="0" dirty="0">
+                <a:solidFill>
+                  <a:srgbClr val="000000"/>
+                </a:solidFill>
+                <a:effectLst/>
+                <a:latin typeface="+mn-ea"/>
+              </a:rPr>
+              <a:t>(36,000km)</a:t>
+            </a:r>
+            <a:r>
+              <a:rPr lang="ko-KR" altLang="en-US" sz="2400" kern="0" spc="0" dirty="0">
+                <a:solidFill>
+                  <a:srgbClr val="000000"/>
+                </a:solidFill>
+                <a:effectLst/>
+                <a:latin typeface="+mn-ea"/>
+              </a:rPr>
+              <a:t>보다는 짧지만</a:t>
+            </a:r>
+            <a:r>
+              <a:rPr lang="en-US" altLang="ko-KR" sz="2400" kern="0" spc="0" dirty="0">
+                <a:solidFill>
+                  <a:srgbClr val="000000"/>
+                </a:solidFill>
+                <a:effectLst/>
+                <a:latin typeface="+mn-ea"/>
+              </a:rPr>
+              <a:t>,</a:t>
+            </a:r>
+          </a:p>
+          <a:p>
+            <a:pPr marL="0" marR="0" lvl="0" indent="0" algn="ctr" fontAlgn="base" latinLnBrk="1">
+              <a:lnSpc>
+                <a:spcPct val="120000"/>
+              </a:lnSpc>
+              <a:buNone/>
+            </a:pPr>
+            <a:r>
+              <a:rPr lang="ko-KR" altLang="en-US" sz="2400" kern="0" spc="0" dirty="0">
+                <a:solidFill>
+                  <a:srgbClr val="000000"/>
+                </a:solidFill>
+                <a:effectLst/>
+                <a:latin typeface="+mn-ea"/>
+              </a:rPr>
+              <a:t>그래도 지상망에 비하면 </a:t>
+            </a:r>
+            <a:r>
+              <a:rPr lang="ko-KR" altLang="en-US" sz="2400" kern="0" spc="0" dirty="0" err="1">
+                <a:solidFill>
+                  <a:srgbClr val="000000"/>
+                </a:solidFill>
+                <a:effectLst/>
+                <a:latin typeface="+mn-ea"/>
+              </a:rPr>
+              <a:t>지연있음</a:t>
+            </a:r>
+            <a:endParaRPr lang="en-US" altLang="ko-KR" sz="2400" kern="0" spc="0" dirty="0">
+              <a:solidFill>
+                <a:srgbClr val="000000"/>
+              </a:solidFill>
+              <a:effectLst/>
+              <a:latin typeface="+mn-ea"/>
+            </a:endParaRPr>
+          </a:p>
+        </p:txBody>
+      </p:sp>
+      <p:sp>
+        <p:nvSpPr>
+          <p:cNvPr id="4" name="슬라이드 번호 개체 틀 3">
+            <a:extLst>
+              <a:ext uri="{FF2B5EF4-FFF2-40B4-BE49-F238E27FC236}">
+                <a16:creationId xmlns:a16="http://schemas.microsoft.com/office/drawing/2014/main" id="{099CE670-BCC6-C49F-25CB-E304547AB01B}"/>
+              </a:ext>
+            </a:extLst>
+          </p:cNvPr>
+          <p:cNvSpPr>
+            <a:spLocks noGrp="1"/>
+          </p:cNvSpPr>
+          <p:nvPr>
+            <p:ph type="sldNum" sz="quarter" idx="12"/>
+          </p:nvPr>
+        </p:nvSpPr>
+        <p:spPr/>
+        <p:txBody>
+          <a:bodyPr/>
+          <a:lstStyle/>
+          <a:p>
+            <a:fld id="{1C8277D2-7E72-4AE2-8B1A-54440BCE74AB}" type="slidenum">
+              <a:rPr lang="ko-KR" altLang="en-US" smtClean="0"/>
+              <a:t>46</a:t>
+            </a:fld>
+            <a:endParaRPr lang="ko-KR" altLang="en-US"/>
+          </a:p>
+        </p:txBody>
+      </p:sp>
+    </p:spTree>
+    <p:extLst>
+      <p:ext uri="{BB962C8B-B14F-4D97-AF65-F5344CB8AC3E}">
+        <p14:creationId xmlns:p14="http://schemas.microsoft.com/office/powerpoint/2010/main" val="1587763472"/>
+      </p:ext>
+    </p:extLst>
+  </p:cSld>
+  <p:clrMapOvr>
+    <a:masterClrMapping/>
+  </p:clrMapOvr>
+</p:sld>
+</file>
+
+<file path=ppt/slides/slide47.xml><?xml version="1.0" encoding="utf-8"?>
+<p:sld xmlns:a="http://schemas.openxmlformats.org/drawingml/2006/main" xmlns:r="http://schemas.openxmlformats.org/officeDocument/2006/relationships" xmlns:p="http://schemas.openxmlformats.org/presentationml/2006/main">
+  <p:cSld>
+    <p:spTree>
+      <p:nvGrpSpPr>
+        <p:cNvPr id="1" name="">
+          <a:extLst>
+            <a:ext uri="{FF2B5EF4-FFF2-40B4-BE49-F238E27FC236}">
+              <a16:creationId xmlns:a16="http://schemas.microsoft.com/office/drawing/2014/main" id="{6DAD12AC-30E0-A7A5-3999-D7444E1D857A}"/>
+            </a:ext>
+          </a:extLst>
+        </p:cNvPr>
+        <p:cNvGrpSpPr/>
+        <p:nvPr/>
+      </p:nvGrpSpPr>
+      <p:grpSpPr>
+        <a:xfrm>
+          <a:off x="0" y="0"/>
+          <a:ext cx="0" cy="0"/>
+          <a:chOff x="0" y="0"/>
+          <a:chExt cx="0" cy="0"/>
+        </a:xfrm>
+      </p:grpSpPr>
+      <p:sp>
+        <p:nvSpPr>
+          <p:cNvPr id="2" name="제목 1">
+            <a:extLst>
+              <a:ext uri="{FF2B5EF4-FFF2-40B4-BE49-F238E27FC236}">
+                <a16:creationId xmlns:a16="http://schemas.microsoft.com/office/drawing/2014/main" id="{5144CB0E-40BA-2808-0AF1-C9A3D7C82BE0}"/>
+              </a:ext>
+            </a:extLst>
+          </p:cNvPr>
+          <p:cNvSpPr>
+            <a:spLocks noGrp="1"/>
+          </p:cNvSpPr>
+          <p:nvPr>
+            <p:ph type="title"/>
+          </p:nvPr>
+        </p:nvSpPr>
+        <p:spPr/>
+        <p:txBody>
+          <a:bodyPr>
+            <a:normAutofit/>
+          </a:bodyPr>
+          <a:lstStyle/>
+          <a:p>
+            <a:r>
+              <a:rPr lang="ko-KR" altLang="en-US" b="1" dirty="0"/>
+              <a:t>이리듐 </a:t>
+            </a:r>
+            <a:r>
+              <a:rPr lang="ko-KR" altLang="en-US" b="1" dirty="0" err="1"/>
+              <a:t>현상황</a:t>
+            </a:r>
+            <a:endParaRPr lang="ko-KR" altLang="en-US" sz="2400" b="1" dirty="0">
+              <a:latin typeface="+mn-ea"/>
+              <a:ea typeface="+mn-ea"/>
+            </a:endParaRPr>
+          </a:p>
+        </p:txBody>
+      </p:sp>
+      <p:sp>
+        <p:nvSpPr>
+          <p:cNvPr id="3" name="내용 개체 틀 2">
+            <a:extLst>
+              <a:ext uri="{FF2B5EF4-FFF2-40B4-BE49-F238E27FC236}">
+                <a16:creationId xmlns:a16="http://schemas.microsoft.com/office/drawing/2014/main" id="{CABA603E-C3F1-DC44-B4CE-295F73FF85BF}"/>
+              </a:ext>
+            </a:extLst>
+          </p:cNvPr>
+          <p:cNvSpPr>
+            <a:spLocks noGrp="1"/>
+          </p:cNvSpPr>
+          <p:nvPr>
+            <p:ph idx="1"/>
+          </p:nvPr>
+        </p:nvSpPr>
+        <p:spPr>
+          <a:xfrm>
+            <a:off x="838200" y="1724025"/>
+            <a:ext cx="10515600" cy="4667250"/>
+          </a:xfrm>
+        </p:spPr>
+        <p:txBody>
+          <a:bodyPr>
+            <a:noAutofit/>
+          </a:bodyPr>
+          <a:lstStyle/>
+          <a:p>
+            <a:pPr marL="0" marR="0" lvl="0" indent="0" algn="ctr" fontAlgn="base" latinLnBrk="1">
+              <a:lnSpc>
+                <a:spcPct val="120000"/>
+              </a:lnSpc>
+              <a:buNone/>
+            </a:pPr>
+            <a:endParaRPr lang="ko-KR" altLang="en-US" sz="800" kern="0" spc="0" dirty="0">
+              <a:solidFill>
+                <a:srgbClr val="000000"/>
+              </a:solidFill>
+              <a:effectLst/>
+              <a:latin typeface="+mn-ea"/>
+            </a:endParaRPr>
+          </a:p>
+          <a:p>
+            <a:pPr marL="0" marR="0" lvl="0" indent="0" algn="ctr" fontAlgn="base" latinLnBrk="1">
+              <a:lnSpc>
+                <a:spcPct val="120000"/>
+              </a:lnSpc>
+              <a:buNone/>
+            </a:pPr>
+            <a:r>
+              <a:rPr lang="ko-KR" altLang="en-US" sz="2400" kern="0" spc="0" dirty="0">
+                <a:solidFill>
+                  <a:srgbClr val="000000"/>
+                </a:solidFill>
+                <a:effectLst/>
+                <a:latin typeface="+mn-ea"/>
+              </a:rPr>
+              <a:t>사업 초</a:t>
+            </a:r>
+            <a:r>
+              <a:rPr lang="en-US" altLang="ko-KR" sz="2400" kern="0" spc="0" dirty="0">
+                <a:solidFill>
+                  <a:srgbClr val="000000"/>
+                </a:solidFill>
+                <a:effectLst/>
+                <a:latin typeface="+mn-ea"/>
+              </a:rPr>
+              <a:t>(1999</a:t>
+            </a:r>
+            <a:r>
+              <a:rPr lang="ko-KR" altLang="en-US" sz="2400" kern="0" spc="0" dirty="0">
+                <a:solidFill>
+                  <a:srgbClr val="000000"/>
+                </a:solidFill>
+                <a:effectLst/>
+                <a:latin typeface="+mn-ea"/>
+              </a:rPr>
+              <a:t>년</a:t>
+            </a:r>
+            <a:r>
+              <a:rPr lang="en-US" altLang="ko-KR" sz="2400" kern="0" spc="0" dirty="0">
+                <a:solidFill>
+                  <a:srgbClr val="000000"/>
+                </a:solidFill>
+                <a:effectLst/>
+                <a:latin typeface="+mn-ea"/>
+              </a:rPr>
+              <a:t>) –</a:t>
+            </a:r>
+            <a:r>
+              <a:rPr lang="ko-KR" altLang="en-US" sz="2400" kern="0" spc="0" dirty="0">
+                <a:solidFill>
+                  <a:srgbClr val="000000"/>
+                </a:solidFill>
+                <a:effectLst/>
+                <a:latin typeface="+mn-ea"/>
+              </a:rPr>
+              <a:t> 예상보다 적은 사용자 수</a:t>
+            </a:r>
+            <a:r>
+              <a:rPr lang="en-US" altLang="ko-KR" sz="2400" kern="0" spc="0" dirty="0">
+                <a:solidFill>
+                  <a:srgbClr val="000000"/>
+                </a:solidFill>
+                <a:effectLst/>
+                <a:latin typeface="+mn-ea"/>
+              </a:rPr>
+              <a:t>, </a:t>
+            </a:r>
+            <a:r>
+              <a:rPr lang="ko-KR" altLang="en-US" sz="2400" kern="0" spc="0" dirty="0">
+                <a:solidFill>
+                  <a:srgbClr val="000000"/>
+                </a:solidFill>
+                <a:effectLst/>
+                <a:latin typeface="+mn-ea"/>
+              </a:rPr>
+              <a:t>높은 운영비용</a:t>
+            </a:r>
+            <a:endParaRPr lang="en-US" altLang="ko-KR" sz="2400" kern="0" spc="0" dirty="0">
+              <a:solidFill>
+                <a:srgbClr val="000000"/>
+              </a:solidFill>
+              <a:effectLst/>
+              <a:latin typeface="+mn-ea"/>
+            </a:endParaRPr>
+          </a:p>
+          <a:p>
+            <a:pPr marL="0" marR="0" lvl="0" indent="0" algn="ctr" fontAlgn="base" latinLnBrk="1">
+              <a:lnSpc>
+                <a:spcPct val="120000"/>
+              </a:lnSpc>
+              <a:buNone/>
+            </a:pPr>
+            <a:r>
+              <a:rPr lang="en-US" altLang="ko-KR" sz="2400" b="1" kern="0" dirty="0">
+                <a:solidFill>
+                  <a:srgbClr val="000000"/>
+                </a:solidFill>
+                <a:latin typeface="+mn-ea"/>
+                <a:sym typeface="Wingdings" panose="05000000000000000000" pitchFamily="2" charset="2"/>
+              </a:rPr>
+              <a:t> </a:t>
+            </a:r>
+            <a:r>
+              <a:rPr lang="ko-KR" altLang="en-US" sz="2400" b="1" kern="0" spc="0" dirty="0">
+                <a:solidFill>
+                  <a:srgbClr val="000000"/>
+                </a:solidFill>
+                <a:effectLst/>
+                <a:latin typeface="+mn-ea"/>
+              </a:rPr>
+              <a:t>파산</a:t>
+            </a:r>
+            <a:endParaRPr lang="en-US" altLang="ko-KR" sz="2400" kern="0" spc="0" dirty="0">
+              <a:solidFill>
+                <a:srgbClr val="000000"/>
+              </a:solidFill>
+              <a:effectLst/>
+              <a:latin typeface="+mn-ea"/>
+            </a:endParaRPr>
+          </a:p>
+          <a:p>
+            <a:pPr marR="0" lvl="0" algn="ctr" fontAlgn="base" latinLnBrk="1">
+              <a:lnSpc>
+                <a:spcPct val="120000"/>
+              </a:lnSpc>
+              <a:buFont typeface="Wingdings" panose="05000000000000000000" pitchFamily="2" charset="2"/>
+              <a:buChar char="à"/>
+            </a:pPr>
+            <a:r>
+              <a:rPr lang="ko-KR" altLang="en-US" sz="2400" kern="0" spc="0" dirty="0">
+                <a:solidFill>
+                  <a:srgbClr val="000000"/>
+                </a:solidFill>
+                <a:effectLst/>
+                <a:latin typeface="+mn-ea"/>
+              </a:rPr>
+              <a:t>새 회사</a:t>
+            </a:r>
+            <a:r>
+              <a:rPr lang="en-US" altLang="ko-KR" sz="2400" kern="0" spc="0" dirty="0">
+                <a:solidFill>
+                  <a:srgbClr val="000000"/>
+                </a:solidFill>
+                <a:effectLst/>
+                <a:latin typeface="+mn-ea"/>
+              </a:rPr>
+              <a:t>(</a:t>
+            </a:r>
+            <a:r>
+              <a:rPr lang="en-US" altLang="ko-KR" sz="2400" b="1" kern="0" spc="0" dirty="0">
+                <a:solidFill>
+                  <a:srgbClr val="000000"/>
+                </a:solidFill>
+                <a:effectLst/>
+                <a:latin typeface="+mn-ea"/>
+              </a:rPr>
+              <a:t>Iridium Communications Inc.</a:t>
+            </a:r>
+            <a:r>
+              <a:rPr lang="en-US" altLang="ko-KR" sz="2400" kern="0" spc="0" dirty="0">
+                <a:solidFill>
+                  <a:srgbClr val="000000"/>
+                </a:solidFill>
+                <a:effectLst/>
+                <a:latin typeface="+mn-ea"/>
+              </a:rPr>
+              <a:t>)</a:t>
+            </a:r>
+            <a:r>
+              <a:rPr lang="ko-KR" altLang="en-US" sz="2400" kern="0" spc="0" dirty="0">
+                <a:solidFill>
+                  <a:srgbClr val="000000"/>
+                </a:solidFill>
+                <a:effectLst/>
+                <a:latin typeface="+mn-ea"/>
+              </a:rPr>
+              <a:t>가 인수 후 계속 운영</a:t>
+            </a:r>
+            <a:endParaRPr lang="en-US" altLang="ko-KR" sz="2400" kern="0" spc="0" dirty="0">
+              <a:solidFill>
+                <a:srgbClr val="000000"/>
+              </a:solidFill>
+              <a:effectLst/>
+              <a:latin typeface="+mn-ea"/>
+            </a:endParaRPr>
+          </a:p>
+          <a:p>
+            <a:pPr marR="0" lvl="0" algn="ctr" fontAlgn="base" latinLnBrk="1">
+              <a:lnSpc>
+                <a:spcPct val="120000"/>
+              </a:lnSpc>
+              <a:buFont typeface="Wingdings" panose="05000000000000000000" pitchFamily="2" charset="2"/>
+              <a:buChar char="à"/>
+            </a:pPr>
+            <a:endParaRPr lang="ko-KR" altLang="en-US" sz="800" kern="0" spc="0" dirty="0">
+              <a:solidFill>
+                <a:srgbClr val="000000"/>
+              </a:solidFill>
+              <a:effectLst/>
+              <a:latin typeface="+mn-ea"/>
+            </a:endParaRPr>
+          </a:p>
+          <a:p>
+            <a:pPr marL="0" marR="0" lvl="0" indent="0" algn="ctr" fontAlgn="base" latinLnBrk="1">
+              <a:lnSpc>
+                <a:spcPct val="120000"/>
+              </a:lnSpc>
+              <a:buNone/>
+            </a:pPr>
+            <a:r>
+              <a:rPr lang="ko-KR" altLang="en-US" sz="2400" b="1" kern="0" spc="0" dirty="0">
+                <a:solidFill>
+                  <a:srgbClr val="000000"/>
+                </a:solidFill>
+                <a:effectLst/>
+                <a:latin typeface="+mn-ea"/>
+              </a:rPr>
+              <a:t>군사</a:t>
+            </a:r>
+            <a:r>
+              <a:rPr lang="en-US" altLang="ko-KR" sz="2400" b="1" kern="0" spc="0" dirty="0">
+                <a:solidFill>
+                  <a:srgbClr val="000000"/>
+                </a:solidFill>
+                <a:effectLst/>
+                <a:latin typeface="+mn-ea"/>
+              </a:rPr>
+              <a:t>, </a:t>
+            </a:r>
+            <a:r>
+              <a:rPr lang="ko-KR" altLang="en-US" sz="2400" b="1" kern="0" spc="0" dirty="0">
+                <a:solidFill>
+                  <a:srgbClr val="000000"/>
+                </a:solidFill>
+                <a:effectLst/>
+                <a:latin typeface="+mn-ea"/>
+              </a:rPr>
+              <a:t>해양</a:t>
+            </a:r>
+            <a:r>
+              <a:rPr lang="en-US" altLang="ko-KR" sz="2400" b="1" kern="0" spc="0" dirty="0">
+                <a:solidFill>
+                  <a:srgbClr val="000000"/>
+                </a:solidFill>
+                <a:effectLst/>
+                <a:latin typeface="+mn-ea"/>
+              </a:rPr>
+              <a:t>, </a:t>
+            </a:r>
+            <a:r>
+              <a:rPr lang="ko-KR" altLang="en-US" sz="2400" b="1" kern="0" spc="0" dirty="0">
+                <a:solidFill>
+                  <a:srgbClr val="000000"/>
+                </a:solidFill>
+                <a:effectLst/>
+                <a:latin typeface="+mn-ea"/>
+              </a:rPr>
+              <a:t>항공</a:t>
+            </a:r>
+            <a:r>
+              <a:rPr lang="en-US" altLang="ko-KR" sz="2400" b="1" kern="0" spc="0" dirty="0">
+                <a:solidFill>
+                  <a:srgbClr val="000000"/>
+                </a:solidFill>
+                <a:effectLst/>
+                <a:latin typeface="+mn-ea"/>
+              </a:rPr>
+              <a:t>, </a:t>
+            </a:r>
+            <a:r>
+              <a:rPr lang="ko-KR" altLang="en-US" sz="2400" b="1" kern="0" spc="0" dirty="0">
+                <a:solidFill>
+                  <a:srgbClr val="000000"/>
+                </a:solidFill>
+                <a:effectLst/>
+                <a:latin typeface="+mn-ea"/>
+              </a:rPr>
+              <a:t>극지방</a:t>
+            </a:r>
+            <a:r>
+              <a:rPr lang="ko-KR" altLang="en-US" sz="2400" kern="0" spc="0" dirty="0">
+                <a:solidFill>
+                  <a:srgbClr val="000000"/>
+                </a:solidFill>
+                <a:effectLst/>
+                <a:latin typeface="+mn-ea"/>
+              </a:rPr>
+              <a:t>통신 같은 특수 목적 분야 </a:t>
+            </a:r>
+            <a:endParaRPr lang="en-US" altLang="ko-KR" sz="2400" kern="0" spc="0" dirty="0">
+              <a:solidFill>
+                <a:srgbClr val="000000"/>
+              </a:solidFill>
+              <a:effectLst/>
+              <a:latin typeface="+mn-ea"/>
+            </a:endParaRPr>
+          </a:p>
+          <a:p>
+            <a:pPr marR="0" lvl="0" algn="ctr" fontAlgn="base" latinLnBrk="1">
+              <a:lnSpc>
+                <a:spcPct val="120000"/>
+              </a:lnSpc>
+              <a:buFont typeface="Wingdings" panose="05000000000000000000" pitchFamily="2" charset="2"/>
+              <a:buChar char="à"/>
+            </a:pPr>
+            <a:r>
+              <a:rPr lang="ko-KR" altLang="en-US" sz="2400" kern="0" spc="0" dirty="0">
+                <a:solidFill>
+                  <a:srgbClr val="000000"/>
+                </a:solidFill>
+                <a:effectLst/>
+                <a:latin typeface="+mn-ea"/>
+              </a:rPr>
+              <a:t>여전히 중요하게 사용 중</a:t>
+            </a:r>
+            <a:endParaRPr lang="en-US" altLang="ko-KR" sz="2400" kern="0" spc="0" dirty="0">
+              <a:solidFill>
+                <a:srgbClr val="000000"/>
+              </a:solidFill>
+              <a:effectLst/>
+              <a:latin typeface="+mn-ea"/>
+            </a:endParaRPr>
+          </a:p>
+          <a:p>
+            <a:pPr marR="0" lvl="0" algn="ctr" fontAlgn="base" latinLnBrk="1">
+              <a:lnSpc>
+                <a:spcPct val="120000"/>
+              </a:lnSpc>
+              <a:buFont typeface="Wingdings" panose="05000000000000000000" pitchFamily="2" charset="2"/>
+              <a:buChar char="à"/>
+            </a:pPr>
+            <a:endParaRPr lang="en-US" altLang="ko-KR" sz="800" kern="0" spc="0" dirty="0">
+              <a:solidFill>
+                <a:srgbClr val="000000"/>
+              </a:solidFill>
+              <a:effectLst/>
+              <a:latin typeface="+mn-ea"/>
+            </a:endParaRPr>
+          </a:p>
+          <a:p>
+            <a:pPr marL="0" marR="0" lvl="0" indent="0" algn="ctr" fontAlgn="base" latinLnBrk="1">
+              <a:lnSpc>
+                <a:spcPct val="120000"/>
+              </a:lnSpc>
+              <a:buNone/>
+            </a:pPr>
+            <a:r>
+              <a:rPr lang="en-US" altLang="ko-KR" sz="2400" kern="0" spc="0" dirty="0">
+                <a:solidFill>
+                  <a:srgbClr val="000000"/>
+                </a:solidFill>
+                <a:effectLst/>
+                <a:latin typeface="+mn-ea"/>
+              </a:rPr>
+              <a:t>2019</a:t>
+            </a:r>
+            <a:r>
+              <a:rPr lang="ko-KR" altLang="en-US" sz="2400" kern="0" spc="0" dirty="0">
+                <a:solidFill>
+                  <a:srgbClr val="000000"/>
+                </a:solidFill>
+                <a:effectLst/>
+                <a:latin typeface="+mn-ea"/>
+              </a:rPr>
+              <a:t>년에는 </a:t>
+            </a:r>
+            <a:r>
+              <a:rPr lang="ko-KR" altLang="en-US" sz="2400" b="1" kern="0" spc="0" dirty="0">
+                <a:solidFill>
+                  <a:srgbClr val="000000"/>
+                </a:solidFill>
+                <a:effectLst/>
+                <a:latin typeface="+mn-ea"/>
+              </a:rPr>
+              <a:t>이리듐 </a:t>
+            </a:r>
+            <a:r>
+              <a:rPr lang="en-US" altLang="ko-KR" sz="2400" b="1" kern="0" spc="0" dirty="0">
+                <a:solidFill>
+                  <a:srgbClr val="000000"/>
+                </a:solidFill>
+                <a:effectLst/>
+                <a:latin typeface="+mn-ea"/>
+              </a:rPr>
+              <a:t>NEXT</a:t>
+            </a:r>
+            <a:r>
+              <a:rPr lang="ko-KR" altLang="en-US" sz="2400" kern="0" spc="0" dirty="0">
+                <a:solidFill>
+                  <a:srgbClr val="000000"/>
+                </a:solidFill>
+                <a:effectLst/>
+                <a:latin typeface="+mn-ea"/>
+              </a:rPr>
+              <a:t>라는 차세대 위성 네트워크로 업그레이드</a:t>
+            </a:r>
+            <a:endParaRPr lang="en-US" altLang="ko-KR" sz="2400" kern="0" spc="0" dirty="0">
+              <a:solidFill>
+                <a:srgbClr val="000000"/>
+              </a:solidFill>
+              <a:effectLst/>
+              <a:latin typeface="+mn-ea"/>
+            </a:endParaRPr>
+          </a:p>
+          <a:p>
+            <a:pPr marR="0" lvl="0" algn="ctr" fontAlgn="base" latinLnBrk="1">
+              <a:lnSpc>
+                <a:spcPct val="120000"/>
+              </a:lnSpc>
+              <a:buFont typeface="Wingdings" panose="05000000000000000000" pitchFamily="2" charset="2"/>
+              <a:buChar char="à"/>
+            </a:pPr>
+            <a:r>
+              <a:rPr lang="en-US" altLang="ko-KR" sz="2400" kern="0" spc="0" dirty="0">
+                <a:solidFill>
+                  <a:srgbClr val="000000"/>
+                </a:solidFill>
+                <a:effectLst/>
+                <a:latin typeface="+mn-ea"/>
+              </a:rPr>
+              <a:t> </a:t>
+            </a:r>
+            <a:r>
+              <a:rPr lang="ko-KR" altLang="en-US" sz="2400" kern="0" spc="0" dirty="0">
+                <a:solidFill>
+                  <a:srgbClr val="000000"/>
+                </a:solidFill>
+                <a:effectLst/>
+                <a:latin typeface="+mn-ea"/>
+              </a:rPr>
+              <a:t>기존보다 성능이 개선되었습니다</a:t>
+            </a:r>
+            <a:r>
+              <a:rPr lang="en-US" altLang="ko-KR" sz="2400" kern="0" spc="0" dirty="0">
+                <a:solidFill>
+                  <a:srgbClr val="000000"/>
+                </a:solidFill>
+                <a:effectLst/>
+                <a:latin typeface="+mn-ea"/>
+              </a:rPr>
+              <a:t>.</a:t>
+            </a:r>
+            <a:endParaRPr lang="ko-KR" altLang="en-US" sz="2400" kern="0" spc="0" dirty="0">
+              <a:solidFill>
+                <a:srgbClr val="000000"/>
+              </a:solidFill>
+              <a:effectLst/>
+              <a:latin typeface="+mn-ea"/>
+            </a:endParaRPr>
+          </a:p>
+          <a:p>
+            <a:pPr marL="0" marR="0" indent="0" algn="ctr" fontAlgn="base" latinLnBrk="1">
+              <a:lnSpc>
+                <a:spcPct val="160000"/>
+              </a:lnSpc>
+              <a:buNone/>
+            </a:pPr>
+            <a:endParaRPr lang="en-US" altLang="ko-KR" sz="2400" kern="0" spc="0" dirty="0">
+              <a:solidFill>
+                <a:srgbClr val="000000"/>
+              </a:solidFill>
+              <a:effectLst/>
+              <a:latin typeface="+mn-ea"/>
+            </a:endParaRPr>
+          </a:p>
+        </p:txBody>
+      </p:sp>
+      <p:sp>
+        <p:nvSpPr>
+          <p:cNvPr id="4" name="슬라이드 번호 개체 틀 3">
+            <a:extLst>
+              <a:ext uri="{FF2B5EF4-FFF2-40B4-BE49-F238E27FC236}">
+                <a16:creationId xmlns:a16="http://schemas.microsoft.com/office/drawing/2014/main" id="{82364774-E2D1-9EA4-9070-795E550005C9}"/>
+              </a:ext>
+            </a:extLst>
+          </p:cNvPr>
+          <p:cNvSpPr>
+            <a:spLocks noGrp="1"/>
+          </p:cNvSpPr>
+          <p:nvPr>
+            <p:ph type="sldNum" sz="quarter" idx="12"/>
+          </p:nvPr>
+        </p:nvSpPr>
+        <p:spPr/>
+        <p:txBody>
+          <a:bodyPr/>
+          <a:lstStyle/>
+          <a:p>
+            <a:fld id="{1C8277D2-7E72-4AE2-8B1A-54440BCE74AB}" type="slidenum">
+              <a:rPr lang="ko-KR" altLang="en-US" smtClean="0"/>
+              <a:t>47</a:t>
+            </a:fld>
+            <a:endParaRPr lang="ko-KR" altLang="en-US"/>
+          </a:p>
+        </p:txBody>
+      </p:sp>
+    </p:spTree>
+    <p:extLst>
+      <p:ext uri="{BB962C8B-B14F-4D97-AF65-F5344CB8AC3E}">
+        <p14:creationId xmlns:p14="http://schemas.microsoft.com/office/powerpoint/2010/main" val="374821622"/>
+      </p:ext>
+    </p:extLst>
+  </p:cSld>
+  <p:clrMapOvr>
+    <a:masterClrMapping/>
+  </p:clrMapOvr>
+</p:sld>
+</file>
+
+<file path=ppt/slides/slide48.xml><?xml version="1.0" encoding="utf-8"?>
+<p:sld xmlns:a="http://schemas.openxmlformats.org/drawingml/2006/main" xmlns:r="http://schemas.openxmlformats.org/officeDocument/2006/relationships" xmlns:p="http://schemas.openxmlformats.org/presentationml/2006/main">
+  <p:cSld>
+    <p:spTree>
+      <p:nvGrpSpPr>
+        <p:cNvPr id="1" name="">
+          <a:extLst>
+            <a:ext uri="{FF2B5EF4-FFF2-40B4-BE49-F238E27FC236}">
+              <a16:creationId xmlns:a16="http://schemas.microsoft.com/office/drawing/2014/main" id="{D9301646-25F1-7F9B-8821-03592DC95E40}"/>
+            </a:ext>
+          </a:extLst>
+        </p:cNvPr>
+        <p:cNvGrpSpPr/>
+        <p:nvPr/>
+      </p:nvGrpSpPr>
+      <p:grpSpPr>
+        <a:xfrm>
+          <a:off x="0" y="0"/>
+          <a:ext cx="0" cy="0"/>
+          <a:chOff x="0" y="0"/>
+          <a:chExt cx="0" cy="0"/>
+        </a:xfrm>
+      </p:grpSpPr>
+      <p:sp>
+        <p:nvSpPr>
+          <p:cNvPr id="2" name="제목 1">
+            <a:extLst>
+              <a:ext uri="{FF2B5EF4-FFF2-40B4-BE49-F238E27FC236}">
+                <a16:creationId xmlns:a16="http://schemas.microsoft.com/office/drawing/2014/main" id="{D256A374-0883-B527-6CA4-666C9821947D}"/>
+              </a:ext>
+            </a:extLst>
+          </p:cNvPr>
+          <p:cNvSpPr>
+            <a:spLocks noGrp="1"/>
+          </p:cNvSpPr>
+          <p:nvPr>
+            <p:ph type="title"/>
+          </p:nvPr>
+        </p:nvSpPr>
+        <p:spPr/>
+        <p:txBody>
+          <a:bodyPr>
+            <a:normAutofit/>
+          </a:bodyPr>
+          <a:lstStyle/>
+          <a:p>
+            <a:r>
+              <a:rPr lang="ko-KR" altLang="en-US" b="1" dirty="0"/>
+              <a:t>이리듐 </a:t>
+            </a:r>
+            <a:r>
+              <a:rPr lang="en-US" altLang="ko-KR" b="1" dirty="0"/>
+              <a:t>vs 6G</a:t>
+            </a:r>
+            <a:endParaRPr lang="ko-KR" altLang="en-US" sz="2400" b="1" dirty="0">
+              <a:latin typeface="+mn-ea"/>
+              <a:ea typeface="+mn-ea"/>
+            </a:endParaRPr>
+          </a:p>
+        </p:txBody>
+      </p:sp>
+      <p:graphicFrame>
+        <p:nvGraphicFramePr>
+          <p:cNvPr id="4" name="표 3">
+            <a:extLst>
+              <a:ext uri="{FF2B5EF4-FFF2-40B4-BE49-F238E27FC236}">
+                <a16:creationId xmlns:a16="http://schemas.microsoft.com/office/drawing/2014/main" id="{80FA1960-F9BB-CA26-80E9-C944F6B4C599}"/>
+              </a:ext>
+            </a:extLst>
+          </p:cNvPr>
+          <p:cNvGraphicFramePr>
+            <a:graphicFrameLocks noGrp="1"/>
+          </p:cNvGraphicFramePr>
+          <p:nvPr>
+            <p:extLst>
+              <p:ext uri="{D42A27DB-BD31-4B8C-83A1-F6EECF244321}">
+                <p14:modId xmlns:p14="http://schemas.microsoft.com/office/powerpoint/2010/main" val="3760268694"/>
+              </p:ext>
+            </p:extLst>
+          </p:nvPr>
+        </p:nvGraphicFramePr>
+        <p:xfrm>
+          <a:off x="1289812" y="1690688"/>
+          <a:ext cx="9612375" cy="4057647"/>
+        </p:xfrm>
+        <a:graphic>
+          <a:graphicData uri="http://schemas.openxmlformats.org/drawingml/2006/table">
+            <a:tbl>
+              <a:tblPr>
+                <a:tableStyleId>{5940675A-B579-460E-94D1-54222C63F5DA}</a:tableStyleId>
+              </a:tblPr>
+              <a:tblGrid>
+                <a:gridCol w="3204125">
+                  <a:extLst>
+                    <a:ext uri="{9D8B030D-6E8A-4147-A177-3AD203B41FA5}">
+                      <a16:colId xmlns:a16="http://schemas.microsoft.com/office/drawing/2014/main" val="1013162283"/>
+                    </a:ext>
+                  </a:extLst>
+                </a:gridCol>
+                <a:gridCol w="3204125">
+                  <a:extLst>
+                    <a:ext uri="{9D8B030D-6E8A-4147-A177-3AD203B41FA5}">
+                      <a16:colId xmlns:a16="http://schemas.microsoft.com/office/drawing/2014/main" val="2875840757"/>
+                    </a:ext>
+                  </a:extLst>
+                </a:gridCol>
+                <a:gridCol w="3204125">
+                  <a:extLst>
+                    <a:ext uri="{9D8B030D-6E8A-4147-A177-3AD203B41FA5}">
+                      <a16:colId xmlns:a16="http://schemas.microsoft.com/office/drawing/2014/main" val="3280903929"/>
+                    </a:ext>
+                  </a:extLst>
+                </a:gridCol>
+              </a:tblGrid>
+              <a:tr h="573037">
+                <a:tc>
+                  <a:txBody>
+                    <a:bodyPr/>
+                    <a:lstStyle/>
+                    <a:p>
+                      <a:pPr marL="0" marR="0" indent="0" algn="ctr" fontAlgn="base" latinLnBrk="0">
+                        <a:lnSpc>
+                          <a:spcPct val="160000"/>
+                        </a:lnSpc>
+                        <a:buNone/>
+                      </a:pPr>
+                      <a:r>
+                        <a:rPr lang="ko-KR" altLang="en-US" sz="1800" kern="0" spc="0" dirty="0">
+                          <a:solidFill>
+                            <a:srgbClr val="000000"/>
+                          </a:solidFill>
+                          <a:effectLst/>
+                        </a:rPr>
+                        <a:t>항목</a:t>
+                      </a:r>
+                      <a:endParaRPr lang="ko-KR" altLang="en-US" sz="1800" kern="0" spc="0" dirty="0">
+                        <a:solidFill>
+                          <a:srgbClr val="000000"/>
+                        </a:solidFill>
+                        <a:effectLst/>
+                        <a:latin typeface="함초롬바탕" panose="02030604000101010101" pitchFamily="18" charset="-127"/>
+                      </a:endParaRPr>
+                    </a:p>
+                  </a:txBody>
+                  <a:tcPr marL="64770" marR="64770" marT="17907" marB="17907" anchor="ctr">
+                    <a:lnL w="28575" cap="flat" cmpd="sng" algn="ctr">
+                      <a:solidFill>
+                        <a:schemeClr val="tx1"/>
+                      </a:solidFill>
+                      <a:prstDash val="solid"/>
+                      <a:round/>
+                      <a:headEnd type="none" w="med" len="med"/>
+                      <a:tailEnd type="none" w="med" len="med"/>
+                    </a:lnL>
+                    <a:lnT w="28575" cap="flat" cmpd="sng" algn="ctr">
+                      <a:solidFill>
+                        <a:schemeClr val="tx1"/>
+                      </a:solidFill>
+                      <a:prstDash val="solid"/>
+                      <a:round/>
+                      <a:headEnd type="none" w="med" len="med"/>
+                      <a:tailEnd type="none" w="med" len="med"/>
+                    </a:lnT>
+                  </a:tcPr>
+                </a:tc>
+                <a:tc>
+                  <a:txBody>
+                    <a:bodyPr/>
+                    <a:lstStyle/>
+                    <a:p>
+                      <a:pPr marL="0" marR="0" indent="0" algn="ctr" fontAlgn="base" latinLnBrk="0">
+                        <a:lnSpc>
+                          <a:spcPct val="160000"/>
+                        </a:lnSpc>
+                        <a:buNone/>
+                      </a:pPr>
+                      <a:r>
+                        <a:rPr lang="ko-KR" altLang="en-US" sz="1800" kern="0" spc="0" dirty="0">
+                          <a:solidFill>
+                            <a:srgbClr val="000000"/>
+                          </a:solidFill>
+                          <a:effectLst/>
+                        </a:rPr>
+                        <a:t>이리듐</a:t>
+                      </a:r>
+                      <a:endParaRPr lang="ko-KR" altLang="en-US" sz="1800" kern="0" spc="0" dirty="0">
+                        <a:solidFill>
+                          <a:srgbClr val="000000"/>
+                        </a:solidFill>
+                        <a:effectLst/>
+                        <a:latin typeface="함초롬바탕" panose="02030604000101010101" pitchFamily="18" charset="-127"/>
+                      </a:endParaRPr>
+                    </a:p>
+                  </a:txBody>
+                  <a:tcPr marL="64770" marR="64770" marT="17907" marB="17907" anchor="ctr">
+                    <a:lnT w="28575" cap="flat" cmpd="sng" algn="ctr">
+                      <a:solidFill>
+                        <a:schemeClr val="tx1"/>
+                      </a:solidFill>
+                      <a:prstDash val="solid"/>
+                      <a:round/>
+                      <a:headEnd type="none" w="med" len="med"/>
+                      <a:tailEnd type="none" w="med" len="med"/>
+                    </a:lnT>
+                  </a:tcPr>
+                </a:tc>
+                <a:tc>
+                  <a:txBody>
+                    <a:bodyPr/>
+                    <a:lstStyle/>
+                    <a:p>
+                      <a:pPr marL="0" marR="0" indent="0" algn="ctr" fontAlgn="base" latinLnBrk="0">
+                        <a:lnSpc>
+                          <a:spcPct val="160000"/>
+                        </a:lnSpc>
+                        <a:buNone/>
+                      </a:pPr>
+                      <a:r>
+                        <a:rPr lang="en-US" sz="1800" kern="0" spc="0">
+                          <a:solidFill>
+                            <a:srgbClr val="000000"/>
+                          </a:solidFill>
+                          <a:effectLst/>
+                        </a:rPr>
+                        <a:t>6G</a:t>
+                      </a:r>
+                      <a:endParaRPr lang="en-US" sz="1800" kern="0" spc="0">
+                        <a:solidFill>
+                          <a:srgbClr val="000000"/>
+                        </a:solidFill>
+                        <a:effectLst/>
+                        <a:latin typeface="함초롬바탕" panose="02030604000101010101" pitchFamily="18" charset="-127"/>
+                      </a:endParaRPr>
+                    </a:p>
+                  </a:txBody>
+                  <a:tcPr marL="64770" marR="64770" marT="17907" marB="17907" anchor="ctr">
+                    <a:lnR w="28575" cap="flat" cmpd="sng" algn="ctr">
+                      <a:solidFill>
+                        <a:schemeClr val="tx1"/>
+                      </a:solidFill>
+                      <a:prstDash val="solid"/>
+                      <a:round/>
+                      <a:headEnd type="none" w="med" len="med"/>
+                      <a:tailEnd type="none" w="med" len="med"/>
+                    </a:lnR>
+                    <a:lnT w="28575" cap="flat" cmpd="sng" algn="ctr">
+                      <a:solidFill>
+                        <a:schemeClr val="tx1"/>
+                      </a:solidFill>
+                      <a:prstDash val="solid"/>
+                      <a:round/>
+                      <a:headEnd type="none" w="med" len="med"/>
+                      <a:tailEnd type="none" w="med" len="med"/>
+                    </a:lnT>
+                  </a:tcPr>
+                </a:tc>
+                <a:extLst>
+                  <a:ext uri="{0D108BD9-81ED-4DB2-BD59-A6C34878D82A}">
+                    <a16:rowId xmlns:a16="http://schemas.microsoft.com/office/drawing/2014/main" val="2286722546"/>
+                  </a:ext>
+                </a:extLst>
+              </a:tr>
+              <a:tr h="573037">
+                <a:tc>
+                  <a:txBody>
+                    <a:bodyPr/>
+                    <a:lstStyle/>
+                    <a:p>
+                      <a:pPr marL="0" marR="0" indent="0" algn="ctr" fontAlgn="base" latinLnBrk="0">
+                        <a:lnSpc>
+                          <a:spcPct val="160000"/>
+                        </a:lnSpc>
+                        <a:buNone/>
+                      </a:pPr>
+                      <a:r>
+                        <a:rPr lang="ko-KR" altLang="en-US" sz="1800" kern="0" spc="0" dirty="0">
+                          <a:solidFill>
+                            <a:srgbClr val="000000"/>
+                          </a:solidFill>
+                          <a:effectLst/>
+                        </a:rPr>
+                        <a:t>위성 종류</a:t>
+                      </a:r>
+                      <a:endParaRPr lang="ko-KR" altLang="en-US" sz="1800" kern="0" spc="0" dirty="0">
+                        <a:solidFill>
+                          <a:srgbClr val="000000"/>
+                        </a:solidFill>
+                        <a:effectLst/>
+                        <a:latin typeface="함초롬바탕" panose="02030604000101010101" pitchFamily="18" charset="-127"/>
+                      </a:endParaRPr>
+                    </a:p>
+                  </a:txBody>
+                  <a:tcPr marL="64770" marR="64770" marT="17907" marB="17907" anchor="ctr">
+                    <a:lnL w="28575" cap="flat" cmpd="sng" algn="ctr">
+                      <a:solidFill>
+                        <a:schemeClr val="tx1"/>
+                      </a:solidFill>
+                      <a:prstDash val="solid"/>
+                      <a:round/>
+                      <a:headEnd type="none" w="med" len="med"/>
+                      <a:tailEnd type="none" w="med" len="med"/>
+                    </a:lnL>
+                  </a:tcPr>
+                </a:tc>
+                <a:tc>
+                  <a:txBody>
+                    <a:bodyPr/>
+                    <a:lstStyle/>
+                    <a:p>
+                      <a:pPr marL="0" marR="0" indent="0" algn="ctr" fontAlgn="base" latinLnBrk="0">
+                        <a:lnSpc>
+                          <a:spcPct val="160000"/>
+                        </a:lnSpc>
+                        <a:buNone/>
+                      </a:pPr>
+                      <a:r>
+                        <a:rPr lang="en-US" sz="1800" kern="0" spc="0" dirty="0">
+                          <a:solidFill>
+                            <a:srgbClr val="000000"/>
+                          </a:solidFill>
+                          <a:effectLst/>
+                        </a:rPr>
+                        <a:t>LEO (780km)</a:t>
+                      </a:r>
+                      <a:endParaRPr lang="en-US" sz="1800" kern="0" spc="0" dirty="0">
+                        <a:solidFill>
+                          <a:srgbClr val="000000"/>
+                        </a:solidFill>
+                        <a:effectLst/>
+                        <a:latin typeface="함초롬바탕" panose="02030604000101010101" pitchFamily="18" charset="-127"/>
+                      </a:endParaRPr>
+                    </a:p>
+                  </a:txBody>
+                  <a:tcPr marL="64770" marR="64770" marT="17907" marB="17907" anchor="ctr"/>
+                </a:tc>
+                <a:tc>
+                  <a:txBody>
+                    <a:bodyPr/>
+                    <a:lstStyle/>
+                    <a:p>
+                      <a:pPr marL="0" marR="0" indent="0" algn="ctr" fontAlgn="base" latinLnBrk="0">
+                        <a:lnSpc>
+                          <a:spcPct val="160000"/>
+                        </a:lnSpc>
+                        <a:buNone/>
+                      </a:pPr>
+                      <a:r>
+                        <a:rPr lang="en-US" sz="1800" kern="0" spc="0" dirty="0">
+                          <a:solidFill>
+                            <a:srgbClr val="000000"/>
+                          </a:solidFill>
+                          <a:effectLst/>
+                        </a:rPr>
+                        <a:t>LEO (300~1,500km) </a:t>
+                      </a:r>
+                      <a:r>
+                        <a:rPr lang="ko-KR" altLang="en-US" sz="1800" kern="0" spc="0" dirty="0">
+                          <a:solidFill>
+                            <a:srgbClr val="000000"/>
+                          </a:solidFill>
+                          <a:effectLst/>
+                        </a:rPr>
+                        <a:t>예상</a:t>
+                      </a:r>
+                      <a:endParaRPr lang="ko-KR" altLang="en-US" sz="1800" kern="0" spc="0" dirty="0">
+                        <a:solidFill>
+                          <a:srgbClr val="000000"/>
+                        </a:solidFill>
+                        <a:effectLst/>
+                        <a:latin typeface="함초롬바탕" panose="02030604000101010101" pitchFamily="18" charset="-127"/>
+                      </a:endParaRPr>
+                    </a:p>
+                  </a:txBody>
+                  <a:tcPr marL="64770" marR="64770" marT="17907" marB="17907" anchor="ctr">
+                    <a:lnR w="28575" cap="flat" cmpd="sng" algn="ctr">
+                      <a:solidFill>
+                        <a:schemeClr val="tx1"/>
+                      </a:solidFill>
+                      <a:prstDash val="solid"/>
+                      <a:round/>
+                      <a:headEnd type="none" w="med" len="med"/>
+                      <a:tailEnd type="none" w="med" len="med"/>
+                    </a:lnR>
+                  </a:tcPr>
+                </a:tc>
+                <a:extLst>
+                  <a:ext uri="{0D108BD9-81ED-4DB2-BD59-A6C34878D82A}">
+                    <a16:rowId xmlns:a16="http://schemas.microsoft.com/office/drawing/2014/main" val="2562525885"/>
+                  </a:ext>
+                </a:extLst>
+              </a:tr>
+              <a:tr h="1169268">
+                <a:tc>
+                  <a:txBody>
+                    <a:bodyPr/>
+                    <a:lstStyle/>
+                    <a:p>
+                      <a:pPr marL="0" marR="0" indent="0" algn="ctr" fontAlgn="base" latinLnBrk="0">
+                        <a:lnSpc>
+                          <a:spcPct val="160000"/>
+                        </a:lnSpc>
+                        <a:buNone/>
+                      </a:pPr>
+                      <a:r>
+                        <a:rPr lang="ko-KR" altLang="en-US" sz="1800" kern="0" spc="0" dirty="0">
+                          <a:solidFill>
+                            <a:srgbClr val="000000"/>
+                          </a:solidFill>
+                          <a:effectLst/>
+                        </a:rPr>
+                        <a:t>통신 목적</a:t>
+                      </a:r>
+                      <a:endParaRPr lang="ko-KR" altLang="en-US" sz="1800" kern="0" spc="0" dirty="0">
+                        <a:solidFill>
+                          <a:srgbClr val="000000"/>
+                        </a:solidFill>
+                        <a:effectLst/>
+                        <a:latin typeface="함초롬바탕" panose="02030604000101010101" pitchFamily="18" charset="-127"/>
+                      </a:endParaRPr>
+                    </a:p>
+                  </a:txBody>
+                  <a:tcPr marL="64770" marR="64770" marT="17907" marB="17907" anchor="ctr">
+                    <a:lnL w="28575" cap="flat" cmpd="sng" algn="ctr">
+                      <a:solidFill>
+                        <a:schemeClr val="tx1"/>
+                      </a:solidFill>
+                      <a:prstDash val="solid"/>
+                      <a:round/>
+                      <a:headEnd type="none" w="med" len="med"/>
+                      <a:tailEnd type="none" w="med" len="med"/>
+                    </a:lnL>
+                  </a:tcPr>
+                </a:tc>
+                <a:tc>
+                  <a:txBody>
+                    <a:bodyPr/>
+                    <a:lstStyle/>
+                    <a:p>
+                      <a:pPr marL="0" marR="0" indent="0" algn="ctr" fontAlgn="base" latinLnBrk="0">
+                        <a:lnSpc>
+                          <a:spcPct val="160000"/>
+                        </a:lnSpc>
+                        <a:buNone/>
+                      </a:pPr>
+                      <a:r>
+                        <a:rPr lang="ko-KR" altLang="en-US" sz="1800" kern="0" spc="0" dirty="0">
+                          <a:solidFill>
+                            <a:srgbClr val="000000"/>
+                          </a:solidFill>
+                          <a:effectLst/>
+                        </a:rPr>
+                        <a:t>전화</a:t>
+                      </a:r>
+                      <a:r>
+                        <a:rPr lang="en-US" altLang="ko-KR" sz="1800" kern="0" spc="0" dirty="0">
+                          <a:solidFill>
+                            <a:srgbClr val="000000"/>
+                          </a:solidFill>
+                          <a:effectLst/>
+                        </a:rPr>
+                        <a:t>, </a:t>
+                      </a:r>
+                      <a:r>
+                        <a:rPr lang="ko-KR" altLang="en-US" sz="1800" kern="0" spc="0" dirty="0">
+                          <a:solidFill>
+                            <a:srgbClr val="000000"/>
+                          </a:solidFill>
+                          <a:effectLst/>
+                        </a:rPr>
+                        <a:t>음성 통화</a:t>
+                      </a:r>
+                      <a:endParaRPr lang="ko-KR" altLang="en-US" sz="1800" kern="0" spc="0" dirty="0">
+                        <a:solidFill>
+                          <a:srgbClr val="000000"/>
+                        </a:solidFill>
+                        <a:effectLst/>
+                        <a:latin typeface="함초롬바탕" panose="02030604000101010101" pitchFamily="18" charset="-127"/>
+                      </a:endParaRPr>
+                    </a:p>
+                  </a:txBody>
+                  <a:tcPr marL="64770" marR="64770" marT="17907" marB="17907" anchor="ctr"/>
+                </a:tc>
+                <a:tc>
+                  <a:txBody>
+                    <a:bodyPr/>
+                    <a:lstStyle/>
+                    <a:p>
+                      <a:pPr marL="0" marR="0" indent="0" algn="ctr" fontAlgn="base" latinLnBrk="0">
+                        <a:lnSpc>
+                          <a:spcPct val="160000"/>
+                        </a:lnSpc>
+                        <a:buNone/>
+                      </a:pPr>
+                      <a:r>
+                        <a:rPr lang="ko-KR" altLang="en-US" sz="1800" kern="0" spc="0" dirty="0">
+                          <a:solidFill>
+                            <a:srgbClr val="000000"/>
+                          </a:solidFill>
+                          <a:effectLst/>
+                        </a:rPr>
+                        <a:t>초고속 데이터 통신 </a:t>
+                      </a:r>
+                      <a:r>
+                        <a:rPr lang="en-US" altLang="ko-KR" sz="1800" kern="0" spc="0" dirty="0">
+                          <a:solidFill>
+                            <a:srgbClr val="000000"/>
+                          </a:solidFill>
+                          <a:effectLst/>
+                        </a:rPr>
+                        <a:t>(Gbps</a:t>
+                      </a:r>
+                      <a:r>
+                        <a:rPr lang="ko-KR" altLang="en-US" sz="1800" kern="0" spc="0" dirty="0">
+                          <a:solidFill>
+                            <a:srgbClr val="000000"/>
+                          </a:solidFill>
+                          <a:effectLst/>
+                        </a:rPr>
+                        <a:t>급</a:t>
+                      </a:r>
+                      <a:r>
+                        <a:rPr lang="en-US" altLang="ko-KR" sz="1800" kern="0" spc="0" dirty="0">
+                          <a:solidFill>
+                            <a:srgbClr val="000000"/>
+                          </a:solidFill>
+                          <a:effectLst/>
+                        </a:rPr>
+                        <a:t>), IoT, </a:t>
+                      </a:r>
+                      <a:r>
+                        <a:rPr lang="ko-KR" altLang="en-US" sz="1800" kern="0" spc="0" dirty="0">
+                          <a:solidFill>
+                            <a:srgbClr val="000000"/>
+                          </a:solidFill>
+                          <a:effectLst/>
+                        </a:rPr>
+                        <a:t>통신 </a:t>
+                      </a:r>
+                      <a:r>
+                        <a:rPr lang="ko-KR" altLang="en-US" sz="1800" kern="0" spc="0" dirty="0" err="1">
+                          <a:solidFill>
+                            <a:srgbClr val="000000"/>
+                          </a:solidFill>
+                          <a:effectLst/>
+                        </a:rPr>
+                        <a:t>백업망</a:t>
+                      </a:r>
+                      <a:endParaRPr lang="ko-KR" altLang="en-US" sz="1800" kern="0" spc="0" dirty="0">
+                        <a:solidFill>
+                          <a:srgbClr val="000000"/>
+                        </a:solidFill>
+                        <a:effectLst/>
+                        <a:latin typeface="함초롬바탕" panose="02030604000101010101" pitchFamily="18" charset="-127"/>
+                      </a:endParaRPr>
+                    </a:p>
+                  </a:txBody>
+                  <a:tcPr marL="64770" marR="64770" marT="17907" marB="17907" anchor="ctr">
+                    <a:lnR w="28575" cap="flat" cmpd="sng" algn="ctr">
+                      <a:solidFill>
+                        <a:schemeClr val="tx1"/>
+                      </a:solidFill>
+                      <a:prstDash val="solid"/>
+                      <a:round/>
+                      <a:headEnd type="none" w="med" len="med"/>
+                      <a:tailEnd type="none" w="med" len="med"/>
+                    </a:lnR>
+                  </a:tcPr>
+                </a:tc>
+                <a:extLst>
+                  <a:ext uri="{0D108BD9-81ED-4DB2-BD59-A6C34878D82A}">
+                    <a16:rowId xmlns:a16="http://schemas.microsoft.com/office/drawing/2014/main" val="318821614"/>
+                  </a:ext>
+                </a:extLst>
+              </a:tr>
+              <a:tr h="573037">
+                <a:tc>
+                  <a:txBody>
+                    <a:bodyPr/>
+                    <a:lstStyle/>
+                    <a:p>
+                      <a:pPr marL="0" marR="0" indent="0" algn="ctr" fontAlgn="base" latinLnBrk="0">
+                        <a:lnSpc>
+                          <a:spcPct val="160000"/>
+                        </a:lnSpc>
+                        <a:buNone/>
+                      </a:pPr>
+                      <a:r>
+                        <a:rPr lang="ko-KR" altLang="en-US" sz="1800" kern="0" spc="0">
+                          <a:solidFill>
+                            <a:srgbClr val="000000"/>
+                          </a:solidFill>
+                          <a:effectLst/>
+                        </a:rPr>
+                        <a:t>사용자 대상</a:t>
+                      </a:r>
+                      <a:endParaRPr lang="ko-KR" altLang="en-US" sz="1800" kern="0" spc="0">
+                        <a:solidFill>
+                          <a:srgbClr val="000000"/>
+                        </a:solidFill>
+                        <a:effectLst/>
+                        <a:latin typeface="함초롬바탕" panose="02030604000101010101" pitchFamily="18" charset="-127"/>
+                      </a:endParaRPr>
+                    </a:p>
+                  </a:txBody>
+                  <a:tcPr marL="64770" marR="64770" marT="17907" marB="17907" anchor="ctr">
+                    <a:lnL w="28575" cap="flat" cmpd="sng" algn="ctr">
+                      <a:solidFill>
+                        <a:schemeClr val="tx1"/>
+                      </a:solidFill>
+                      <a:prstDash val="solid"/>
+                      <a:round/>
+                      <a:headEnd type="none" w="med" len="med"/>
+                      <a:tailEnd type="none" w="med" len="med"/>
+                    </a:lnL>
+                  </a:tcPr>
+                </a:tc>
+                <a:tc>
+                  <a:txBody>
+                    <a:bodyPr/>
+                    <a:lstStyle/>
+                    <a:p>
+                      <a:pPr marL="0" marR="0" indent="0" algn="ctr" fontAlgn="base" latinLnBrk="0">
+                        <a:lnSpc>
+                          <a:spcPct val="160000"/>
+                        </a:lnSpc>
+                        <a:buNone/>
+                      </a:pPr>
+                      <a:r>
+                        <a:rPr lang="ko-KR" altLang="en-US" sz="1800" kern="0" spc="0" dirty="0" err="1">
+                          <a:solidFill>
+                            <a:srgbClr val="000000"/>
+                          </a:solidFill>
+                          <a:effectLst/>
+                        </a:rPr>
+                        <a:t>위성폰</a:t>
+                      </a:r>
+                      <a:r>
+                        <a:rPr lang="ko-KR" altLang="en-US" sz="1800" kern="0" spc="0" dirty="0">
+                          <a:solidFill>
+                            <a:srgbClr val="000000"/>
+                          </a:solidFill>
+                          <a:effectLst/>
+                        </a:rPr>
+                        <a:t> 사용자 </a:t>
+                      </a:r>
+                      <a:r>
+                        <a:rPr lang="en-US" altLang="ko-KR" sz="1800" kern="0" spc="0" dirty="0">
+                          <a:solidFill>
+                            <a:srgbClr val="000000"/>
+                          </a:solidFill>
+                          <a:effectLst/>
+                        </a:rPr>
+                        <a:t>(</a:t>
+                      </a:r>
+                      <a:r>
+                        <a:rPr lang="ko-KR" altLang="en-US" sz="1800" kern="0" spc="0" dirty="0">
+                          <a:solidFill>
+                            <a:srgbClr val="000000"/>
+                          </a:solidFill>
+                          <a:effectLst/>
+                        </a:rPr>
+                        <a:t>특수목적</a:t>
+                      </a:r>
+                      <a:r>
+                        <a:rPr lang="en-US" altLang="ko-KR" sz="1800" kern="0" spc="0" dirty="0">
+                          <a:solidFill>
+                            <a:srgbClr val="000000"/>
+                          </a:solidFill>
+                          <a:effectLst/>
+                        </a:rPr>
+                        <a:t>)</a:t>
+                      </a:r>
+                      <a:endParaRPr lang="ko-KR" altLang="en-US" sz="1800" kern="0" spc="0" dirty="0">
+                        <a:solidFill>
+                          <a:srgbClr val="000000"/>
+                        </a:solidFill>
+                        <a:effectLst/>
+                        <a:latin typeface="함초롬바탕" panose="02030604000101010101" pitchFamily="18" charset="-127"/>
+                      </a:endParaRPr>
+                    </a:p>
+                  </a:txBody>
+                  <a:tcPr marL="64770" marR="64770" marT="17907" marB="17907" anchor="ctr"/>
+                </a:tc>
+                <a:tc>
+                  <a:txBody>
+                    <a:bodyPr/>
+                    <a:lstStyle/>
+                    <a:p>
+                      <a:pPr marL="0" marR="0" indent="0" algn="ctr" fontAlgn="base" latinLnBrk="0">
+                        <a:lnSpc>
+                          <a:spcPct val="160000"/>
+                        </a:lnSpc>
+                        <a:buNone/>
+                      </a:pPr>
+                      <a:r>
+                        <a:rPr lang="ko-KR" altLang="en-US" sz="1800" kern="0" spc="0" dirty="0">
+                          <a:solidFill>
+                            <a:srgbClr val="000000"/>
+                          </a:solidFill>
+                          <a:effectLst/>
+                        </a:rPr>
+                        <a:t>일반 사용자까지 포함</a:t>
+                      </a:r>
+                      <a:endParaRPr lang="ko-KR" altLang="en-US" sz="1800" kern="0" spc="0" dirty="0">
+                        <a:solidFill>
+                          <a:srgbClr val="000000"/>
+                        </a:solidFill>
+                        <a:effectLst/>
+                        <a:latin typeface="함초롬바탕" panose="02030604000101010101" pitchFamily="18" charset="-127"/>
+                      </a:endParaRPr>
+                    </a:p>
+                  </a:txBody>
+                  <a:tcPr marL="64770" marR="64770" marT="17907" marB="17907" anchor="ctr">
+                    <a:lnR w="28575" cap="flat" cmpd="sng" algn="ctr">
+                      <a:solidFill>
+                        <a:schemeClr val="tx1"/>
+                      </a:solidFill>
+                      <a:prstDash val="solid"/>
+                      <a:round/>
+                      <a:headEnd type="none" w="med" len="med"/>
+                      <a:tailEnd type="none" w="med" len="med"/>
+                    </a:lnR>
+                  </a:tcPr>
+                </a:tc>
+                <a:extLst>
+                  <a:ext uri="{0D108BD9-81ED-4DB2-BD59-A6C34878D82A}">
+                    <a16:rowId xmlns:a16="http://schemas.microsoft.com/office/drawing/2014/main" val="3138241178"/>
+                  </a:ext>
+                </a:extLst>
+              </a:tr>
+              <a:tr h="1169268">
+                <a:tc>
+                  <a:txBody>
+                    <a:bodyPr/>
+                    <a:lstStyle/>
+                    <a:p>
+                      <a:pPr marL="0" marR="0" indent="0" algn="ctr" fontAlgn="base" latinLnBrk="0">
+                        <a:lnSpc>
+                          <a:spcPct val="160000"/>
+                        </a:lnSpc>
+                        <a:buNone/>
+                      </a:pPr>
+                      <a:r>
+                        <a:rPr lang="ko-KR" altLang="en-US" sz="1800" kern="0" spc="0">
+                          <a:solidFill>
+                            <a:srgbClr val="000000"/>
+                          </a:solidFill>
+                          <a:effectLst/>
+                        </a:rPr>
+                        <a:t>단말기</a:t>
+                      </a:r>
+                      <a:endParaRPr lang="ko-KR" altLang="en-US" sz="1800" kern="0" spc="0">
+                        <a:solidFill>
+                          <a:srgbClr val="000000"/>
+                        </a:solidFill>
+                        <a:effectLst/>
+                        <a:latin typeface="함초롬바탕" panose="02030604000101010101" pitchFamily="18" charset="-127"/>
+                      </a:endParaRPr>
+                    </a:p>
+                  </a:txBody>
+                  <a:tcPr marL="64770" marR="64770" marT="17907" marB="17907" anchor="ctr">
+                    <a:lnL w="28575" cap="flat" cmpd="sng" algn="ctr">
+                      <a:solidFill>
+                        <a:schemeClr val="tx1"/>
+                      </a:solidFill>
+                      <a:prstDash val="solid"/>
+                      <a:round/>
+                      <a:headEnd type="none" w="med" len="med"/>
+                      <a:tailEnd type="none" w="med" len="med"/>
+                    </a:lnL>
+                    <a:lnB w="28575" cap="flat" cmpd="sng" algn="ctr">
+                      <a:solidFill>
+                        <a:schemeClr val="tx1"/>
+                      </a:solidFill>
+                      <a:prstDash val="solid"/>
+                      <a:round/>
+                      <a:headEnd type="none" w="med" len="med"/>
+                      <a:tailEnd type="none" w="med" len="med"/>
+                    </a:lnB>
+                  </a:tcPr>
+                </a:tc>
+                <a:tc>
+                  <a:txBody>
+                    <a:bodyPr/>
+                    <a:lstStyle/>
+                    <a:p>
+                      <a:pPr marL="0" marR="0" indent="0" algn="ctr" fontAlgn="base" latinLnBrk="0">
+                        <a:lnSpc>
+                          <a:spcPct val="160000"/>
+                        </a:lnSpc>
+                        <a:buNone/>
+                      </a:pPr>
+                      <a:r>
+                        <a:rPr lang="ko-KR" altLang="en-US" sz="1800" kern="0" spc="0" dirty="0">
+                          <a:solidFill>
+                            <a:srgbClr val="000000"/>
+                          </a:solidFill>
+                          <a:effectLst/>
+                        </a:rPr>
+                        <a:t>별도 </a:t>
+                      </a:r>
+                      <a:r>
+                        <a:rPr lang="ko-KR" altLang="en-US" sz="1800" kern="0" spc="0" dirty="0" err="1">
+                          <a:solidFill>
+                            <a:srgbClr val="000000"/>
+                          </a:solidFill>
+                          <a:effectLst/>
+                        </a:rPr>
+                        <a:t>위성폰</a:t>
+                      </a:r>
+                      <a:r>
+                        <a:rPr lang="ko-KR" altLang="en-US" sz="1800" kern="0" spc="0" dirty="0">
+                          <a:solidFill>
+                            <a:srgbClr val="000000"/>
+                          </a:solidFill>
+                          <a:effectLst/>
+                        </a:rPr>
+                        <a:t> 필요</a:t>
+                      </a:r>
+                      <a:endParaRPr lang="ko-KR" altLang="en-US" sz="1800" kern="0" spc="0" dirty="0">
+                        <a:solidFill>
+                          <a:srgbClr val="000000"/>
+                        </a:solidFill>
+                        <a:effectLst/>
+                        <a:latin typeface="함초롬바탕" panose="02030604000101010101" pitchFamily="18" charset="-127"/>
+                      </a:endParaRPr>
+                    </a:p>
+                  </a:txBody>
+                  <a:tcPr marL="64770" marR="64770" marT="17907" marB="17907" anchor="ctr">
+                    <a:lnB w="28575" cap="flat" cmpd="sng" algn="ctr">
+                      <a:solidFill>
+                        <a:schemeClr val="tx1"/>
+                      </a:solidFill>
+                      <a:prstDash val="solid"/>
+                      <a:round/>
+                      <a:headEnd type="none" w="med" len="med"/>
+                      <a:tailEnd type="none" w="med" len="med"/>
+                    </a:lnB>
+                  </a:tcPr>
+                </a:tc>
+                <a:tc>
+                  <a:txBody>
+                    <a:bodyPr/>
+                    <a:lstStyle/>
+                    <a:p>
+                      <a:pPr marL="0" marR="0" indent="0" algn="ctr" fontAlgn="base" latinLnBrk="0">
+                        <a:lnSpc>
+                          <a:spcPct val="160000"/>
+                        </a:lnSpc>
+                        <a:buNone/>
+                      </a:pPr>
+                      <a:r>
+                        <a:rPr lang="ko-KR" altLang="en-US" sz="1800" kern="0" spc="0" dirty="0">
+                          <a:solidFill>
+                            <a:srgbClr val="000000"/>
+                          </a:solidFill>
+                          <a:effectLst/>
+                        </a:rPr>
+                        <a:t>스마트폰 내장 가능성 연구 중</a:t>
+                      </a:r>
+                      <a:endParaRPr lang="ko-KR" altLang="en-US" sz="1800" kern="0" spc="0" dirty="0">
+                        <a:solidFill>
+                          <a:srgbClr val="000000"/>
+                        </a:solidFill>
+                        <a:effectLst/>
+                        <a:latin typeface="함초롬바탕" panose="02030604000101010101" pitchFamily="18" charset="-127"/>
+                      </a:endParaRPr>
+                    </a:p>
+                  </a:txBody>
+                  <a:tcPr marL="64770" marR="64770" marT="17907" marB="17907" anchor="ctr">
+                    <a:lnR w="28575" cap="flat" cmpd="sng" algn="ctr">
+                      <a:solidFill>
+                        <a:schemeClr val="tx1"/>
+                      </a:solidFill>
+                      <a:prstDash val="solid"/>
+                      <a:round/>
+                      <a:headEnd type="none" w="med" len="med"/>
+                      <a:tailEnd type="none" w="med" len="med"/>
+                    </a:lnR>
+                    <a:lnB w="28575" cap="flat" cmpd="sng" algn="ctr">
+                      <a:solidFill>
+                        <a:schemeClr val="tx1"/>
+                      </a:solidFill>
+                      <a:prstDash val="solid"/>
+                      <a:round/>
+                      <a:headEnd type="none" w="med" len="med"/>
+                      <a:tailEnd type="none" w="med" len="med"/>
+                    </a:lnB>
+                  </a:tcPr>
+                </a:tc>
+                <a:extLst>
+                  <a:ext uri="{0D108BD9-81ED-4DB2-BD59-A6C34878D82A}">
+                    <a16:rowId xmlns:a16="http://schemas.microsoft.com/office/drawing/2014/main" val="845450578"/>
+                  </a:ext>
+                </a:extLst>
+              </a:tr>
+            </a:tbl>
+          </a:graphicData>
+        </a:graphic>
+      </p:graphicFrame>
+      <p:sp>
+        <p:nvSpPr>
+          <p:cNvPr id="5" name="Rectangle 1">
+            <a:extLst>
+              <a:ext uri="{FF2B5EF4-FFF2-40B4-BE49-F238E27FC236}">
+                <a16:creationId xmlns:a16="http://schemas.microsoft.com/office/drawing/2014/main" id="{244AD322-C122-802A-BFE5-20C47F7440BA}"/>
+              </a:ext>
+            </a:extLst>
+          </p:cNvPr>
+          <p:cNvSpPr>
+            <a:spLocks noChangeArrowheads="1"/>
+          </p:cNvSpPr>
+          <p:nvPr/>
+        </p:nvSpPr>
+        <p:spPr bwMode="auto">
+          <a:xfrm>
+            <a:off x="3432175" y="3144838"/>
+            <a:ext cx="12192000" cy="457200"/>
+          </a:xfrm>
+          <a:prstGeom prst="rect">
+            <a:avLst/>
+          </a:prstGeom>
+          <a:noFill/>
+          <a:ln>
+            <a:noFill/>
+          </a:ln>
+          <a:effectLst/>
+          <a:extLst>
+            <a:ext uri="{909E8E84-426E-40DD-AFC4-6F175D3DCCD1}">
+              <a14:hiddenFill xmlns:a14="http://schemas.microsoft.com/office/drawing/2010/main">
+                <a:solidFill>
+                  <a:schemeClr val="accent1"/>
+                </a:solidFill>
+              </a14:hiddenFill>
+            </a:ext>
+            <a:ext uri="{91240B29-F687-4F45-9708-019B960494DF}">
+              <a14:hiddenLine xmlns:a14="http://schemas.microsoft.com/office/drawing/2010/main" w="9525">
+                <a:solidFill>
+                  <a:schemeClr val="tx1"/>
+                </a:solidFill>
+                <a:miter lim="800000"/>
+                <a:headEnd/>
+                <a:tailEnd/>
+              </a14:hiddenLine>
+            </a:ext>
+            <a:ext uri="{AF507438-7753-43E0-B8FC-AC1667EBCBE1}">
+              <a14:hiddenEffects xmlns:a14="http://schemas.microsoft.com/office/drawing/2010/main">
+                <a:effectLst>
+                  <a:outerShdw dist="35921" dir="2700000" algn="ctr" rotWithShape="0">
+                    <a:schemeClr val="bg2"/>
+                  </a:outerShdw>
+                </a:effectLst>
+              </a14:hiddenEffects>
+            </a:ext>
+          </a:extLst>
+        </p:spPr>
+        <p:txBody>
+          <a:bodyPr vert="horz" wrap="none" lIns="91440" tIns="45720" rIns="91440" bIns="45720" numCol="1" anchor="ctr" anchorCtr="0" compatLnSpc="1">
+            <a:prstTxWarp prst="textNoShape">
+              <a:avLst/>
+            </a:prstTxWarp>
+            <a:spAutoFit/>
+          </a:bodyPr>
+          <a:lstStyle/>
+          <a:p>
+            <a:endParaRPr lang="ko-KR" altLang="en-US"/>
+          </a:p>
+        </p:txBody>
+      </p:sp>
+      <p:sp>
+        <p:nvSpPr>
+          <p:cNvPr id="3" name="슬라이드 번호 개체 틀 2">
+            <a:extLst>
+              <a:ext uri="{FF2B5EF4-FFF2-40B4-BE49-F238E27FC236}">
+                <a16:creationId xmlns:a16="http://schemas.microsoft.com/office/drawing/2014/main" id="{CF80BE4D-ECFB-83FE-D37D-2ECC496E1E80}"/>
+              </a:ext>
+            </a:extLst>
+          </p:cNvPr>
+          <p:cNvSpPr>
+            <a:spLocks noGrp="1"/>
+          </p:cNvSpPr>
+          <p:nvPr>
+            <p:ph type="sldNum" sz="quarter" idx="12"/>
+          </p:nvPr>
+        </p:nvSpPr>
+        <p:spPr/>
+        <p:txBody>
+          <a:bodyPr/>
+          <a:lstStyle/>
+          <a:p>
+            <a:fld id="{1C8277D2-7E72-4AE2-8B1A-54440BCE74AB}" type="slidenum">
+              <a:rPr lang="ko-KR" altLang="en-US" smtClean="0"/>
+              <a:t>48</a:t>
+            </a:fld>
+            <a:endParaRPr lang="ko-KR" altLang="en-US"/>
+          </a:p>
+        </p:txBody>
+      </p:sp>
+    </p:spTree>
+    <p:extLst>
+      <p:ext uri="{BB962C8B-B14F-4D97-AF65-F5344CB8AC3E}">
+        <p14:creationId xmlns:p14="http://schemas.microsoft.com/office/powerpoint/2010/main" val="2756764191"/>
+      </p:ext>
+    </p:extLst>
+  </p:cSld>
+  <p:clrMapOvr>
+    <a:masterClrMapping/>
+  </p:clrMapOvr>
+</p:sld>
+</file>
+
+<file path=ppt/slides/slide49.xml><?xml version="1.0" encoding="utf-8"?>
+<p:sld xmlns:a="http://schemas.openxmlformats.org/drawingml/2006/main" xmlns:r="http://schemas.openxmlformats.org/officeDocument/2006/relationships" xmlns:p="http://schemas.openxmlformats.org/presentationml/2006/main">
+  <p:cSld>
+    <p:spTree>
+      <p:nvGrpSpPr>
+        <p:cNvPr id="1" name="">
+          <a:extLst>
+            <a:ext uri="{FF2B5EF4-FFF2-40B4-BE49-F238E27FC236}">
+              <a16:creationId xmlns:a16="http://schemas.microsoft.com/office/drawing/2014/main" id="{8F0D1E50-D026-64E0-FE97-04C313AA8D7D}"/>
+            </a:ext>
+          </a:extLst>
+        </p:cNvPr>
+        <p:cNvGrpSpPr/>
+        <p:nvPr/>
+      </p:nvGrpSpPr>
+      <p:grpSpPr>
+        <a:xfrm>
+          <a:off x="0" y="0"/>
+          <a:ext cx="0" cy="0"/>
+          <a:chOff x="0" y="0"/>
+          <a:chExt cx="0" cy="0"/>
+        </a:xfrm>
+      </p:grpSpPr>
+      <p:sp>
+        <p:nvSpPr>
+          <p:cNvPr id="2" name="제목 1">
+            <a:extLst>
+              <a:ext uri="{FF2B5EF4-FFF2-40B4-BE49-F238E27FC236}">
+                <a16:creationId xmlns:a16="http://schemas.microsoft.com/office/drawing/2014/main" id="{142421EC-5076-0388-036A-65A3B7F4A59E}"/>
+              </a:ext>
+            </a:extLst>
+          </p:cNvPr>
+          <p:cNvSpPr>
+            <a:spLocks noGrp="1"/>
+          </p:cNvSpPr>
+          <p:nvPr>
+            <p:ph type="title"/>
+          </p:nvPr>
+        </p:nvSpPr>
+        <p:spPr/>
+        <p:txBody>
+          <a:bodyPr>
+            <a:normAutofit/>
+          </a:bodyPr>
+          <a:lstStyle/>
+          <a:p>
+            <a:r>
+              <a:rPr lang="ko-KR" altLang="en-US" b="1" dirty="0"/>
+              <a:t>이리듐 </a:t>
+            </a:r>
+            <a:r>
+              <a:rPr lang="en-US" altLang="ko-KR" b="1" dirty="0"/>
+              <a:t>vs 6G </a:t>
+            </a:r>
+            <a:r>
+              <a:rPr lang="ko-KR" altLang="en-US" sz="2400" b="1" dirty="0"/>
+              <a:t>다른 목적</a:t>
+            </a:r>
+            <a:endParaRPr lang="ko-KR" altLang="en-US" sz="2400" b="1" dirty="0">
+              <a:latin typeface="+mn-ea"/>
+              <a:ea typeface="+mn-ea"/>
+            </a:endParaRPr>
+          </a:p>
+        </p:txBody>
+      </p:sp>
+      <p:sp>
+        <p:nvSpPr>
+          <p:cNvPr id="5" name="Rectangle 1">
+            <a:extLst>
+              <a:ext uri="{FF2B5EF4-FFF2-40B4-BE49-F238E27FC236}">
+                <a16:creationId xmlns:a16="http://schemas.microsoft.com/office/drawing/2014/main" id="{7C9FF981-3B91-0899-4E0C-109ED9545576}"/>
+              </a:ext>
+            </a:extLst>
+          </p:cNvPr>
+          <p:cNvSpPr>
+            <a:spLocks noChangeArrowheads="1"/>
+          </p:cNvSpPr>
+          <p:nvPr/>
+        </p:nvSpPr>
+        <p:spPr bwMode="auto">
+          <a:xfrm>
+            <a:off x="3432175" y="3144838"/>
+            <a:ext cx="12192000" cy="457200"/>
+          </a:xfrm>
+          <a:prstGeom prst="rect">
+            <a:avLst/>
+          </a:prstGeom>
+          <a:noFill/>
+          <a:ln>
+            <a:noFill/>
+          </a:ln>
+          <a:effectLst/>
+          <a:extLst>
+            <a:ext uri="{909E8E84-426E-40DD-AFC4-6F175D3DCCD1}">
+              <a14:hiddenFill xmlns:a14="http://schemas.microsoft.com/office/drawing/2010/main">
+                <a:solidFill>
+                  <a:schemeClr val="accent1"/>
+                </a:solidFill>
+              </a14:hiddenFill>
+            </a:ext>
+            <a:ext uri="{91240B29-F687-4F45-9708-019B960494DF}">
+              <a14:hiddenLine xmlns:a14="http://schemas.microsoft.com/office/drawing/2010/main" w="9525">
+                <a:solidFill>
+                  <a:schemeClr val="tx1"/>
+                </a:solidFill>
+                <a:miter lim="800000"/>
+                <a:headEnd/>
+                <a:tailEnd/>
+              </a14:hiddenLine>
+            </a:ext>
+            <a:ext uri="{AF507438-7753-43E0-B8FC-AC1667EBCBE1}">
+              <a14:hiddenEffects xmlns:a14="http://schemas.microsoft.com/office/drawing/2010/main">
+                <a:effectLst>
+                  <a:outerShdw dist="35921" dir="2700000" algn="ctr" rotWithShape="0">
+                    <a:schemeClr val="bg2"/>
+                  </a:outerShdw>
+                </a:effectLst>
+              </a14:hiddenEffects>
+            </a:ext>
+          </a:extLst>
+        </p:spPr>
+        <p:txBody>
+          <a:bodyPr vert="horz" wrap="none" lIns="91440" tIns="45720" rIns="91440" bIns="45720" numCol="1" anchor="ctr" anchorCtr="0" compatLnSpc="1">
+            <a:prstTxWarp prst="textNoShape">
+              <a:avLst/>
+            </a:prstTxWarp>
+            <a:spAutoFit/>
+          </a:bodyPr>
+          <a:lstStyle/>
+          <a:p>
+            <a:endParaRPr lang="ko-KR" altLang="en-US"/>
+          </a:p>
+        </p:txBody>
+      </p:sp>
+      <p:sp>
+        <p:nvSpPr>
+          <p:cNvPr id="3" name="내용 개체 틀 2">
+            <a:extLst>
+              <a:ext uri="{FF2B5EF4-FFF2-40B4-BE49-F238E27FC236}">
+                <a16:creationId xmlns:a16="http://schemas.microsoft.com/office/drawing/2014/main" id="{338D1282-F34B-8CE5-1AF5-802DE3893F4E}"/>
+              </a:ext>
+            </a:extLst>
+          </p:cNvPr>
+          <p:cNvSpPr>
+            <a:spLocks noGrp="1"/>
+          </p:cNvSpPr>
+          <p:nvPr>
+            <p:ph idx="1"/>
+          </p:nvPr>
+        </p:nvSpPr>
+        <p:spPr>
+          <a:xfrm>
+            <a:off x="838200" y="1825625"/>
+            <a:ext cx="10515600" cy="4351338"/>
+          </a:xfrm>
+        </p:spPr>
+        <p:txBody>
+          <a:bodyPr>
+            <a:noAutofit/>
+          </a:bodyPr>
+          <a:lstStyle/>
+          <a:p>
+            <a:pPr marL="0" marR="0" lvl="0" indent="0" algn="ctr" fontAlgn="base" latinLnBrk="1">
+              <a:lnSpc>
+                <a:spcPct val="120000"/>
+              </a:lnSpc>
+              <a:buNone/>
+            </a:pPr>
+            <a:r>
+              <a:rPr lang="ko-KR" altLang="en-US" sz="2400" kern="0" spc="0" dirty="0">
+                <a:solidFill>
+                  <a:srgbClr val="000000"/>
+                </a:solidFill>
+                <a:effectLst/>
+                <a:latin typeface="+mn-ea"/>
+              </a:rPr>
+              <a:t>이리듐 </a:t>
+            </a:r>
+            <a:r>
+              <a:rPr lang="en-US" altLang="ko-KR" sz="2400" kern="0" spc="0" dirty="0">
+                <a:solidFill>
+                  <a:srgbClr val="000000"/>
+                </a:solidFill>
+                <a:effectLst/>
+                <a:latin typeface="+mn-ea"/>
+              </a:rPr>
+              <a:t>-</a:t>
+            </a:r>
+            <a:r>
+              <a:rPr lang="ko-KR" altLang="en-US" sz="2400" kern="0" spc="0" dirty="0">
+                <a:solidFill>
+                  <a:srgbClr val="000000"/>
+                </a:solidFill>
+                <a:effectLst/>
+                <a:latin typeface="+mn-ea"/>
+              </a:rPr>
+              <a:t> </a:t>
+            </a:r>
+            <a:r>
+              <a:rPr lang="en-US" altLang="ko-KR" sz="2400" kern="0" spc="0" dirty="0">
+                <a:solidFill>
+                  <a:srgbClr val="000000"/>
+                </a:solidFill>
+                <a:effectLst/>
+                <a:latin typeface="+mn-ea"/>
+              </a:rPr>
+              <a:t>"</a:t>
+            </a:r>
+            <a:r>
+              <a:rPr lang="ko-KR" altLang="en-US" sz="2400" b="1" kern="0" spc="0" dirty="0">
+                <a:solidFill>
+                  <a:srgbClr val="000000"/>
+                </a:solidFill>
+                <a:effectLst/>
+                <a:latin typeface="+mn-ea"/>
+              </a:rPr>
+              <a:t>위성만을 통한 통신</a:t>
+            </a:r>
+            <a:r>
+              <a:rPr lang="en-US" altLang="ko-KR" sz="2400" kern="0" spc="0" dirty="0">
+                <a:solidFill>
+                  <a:srgbClr val="000000"/>
+                </a:solidFill>
+                <a:effectLst/>
+                <a:latin typeface="+mn-ea"/>
+              </a:rPr>
+              <a:t>“</a:t>
+            </a:r>
+          </a:p>
+          <a:p>
+            <a:pPr marL="0" marR="0" lvl="0" indent="0" algn="ctr" fontAlgn="base" latinLnBrk="1">
+              <a:lnSpc>
+                <a:spcPct val="120000"/>
+              </a:lnSpc>
+              <a:buNone/>
+            </a:pPr>
+            <a:endParaRPr lang="en-US" altLang="ko-KR" sz="800" kern="0" spc="0" dirty="0">
+              <a:solidFill>
+                <a:srgbClr val="000000"/>
+              </a:solidFill>
+              <a:effectLst/>
+              <a:latin typeface="+mn-ea"/>
+            </a:endParaRPr>
+          </a:p>
+          <a:p>
+            <a:pPr marL="0" marR="0" lvl="0" indent="0" algn="ctr" fontAlgn="base" latinLnBrk="1">
+              <a:lnSpc>
+                <a:spcPct val="120000"/>
+              </a:lnSpc>
+              <a:buNone/>
+            </a:pPr>
+            <a:r>
+              <a:rPr lang="en-US" altLang="ko-KR" sz="2400" kern="0" spc="0" dirty="0">
+                <a:solidFill>
+                  <a:srgbClr val="000000"/>
+                </a:solidFill>
+                <a:effectLst/>
+                <a:latin typeface="+mn-ea"/>
+              </a:rPr>
+              <a:t>6G -</a:t>
+            </a:r>
+            <a:r>
+              <a:rPr lang="ko-KR" altLang="en-US" sz="2400" kern="0" spc="0" dirty="0">
+                <a:solidFill>
+                  <a:srgbClr val="000000"/>
+                </a:solidFill>
+                <a:effectLst/>
+                <a:latin typeface="+mn-ea"/>
+              </a:rPr>
+              <a:t> </a:t>
+            </a:r>
+            <a:r>
+              <a:rPr lang="en-US" altLang="ko-KR" sz="2400" kern="0" spc="0" dirty="0">
+                <a:solidFill>
+                  <a:srgbClr val="000000"/>
+                </a:solidFill>
+                <a:effectLst/>
+                <a:latin typeface="+mn-ea"/>
+              </a:rPr>
+              <a:t>"</a:t>
+            </a:r>
+            <a:r>
+              <a:rPr lang="ko-KR" altLang="en-US" sz="2400" b="1" kern="0" spc="0" dirty="0">
+                <a:solidFill>
+                  <a:srgbClr val="000000"/>
+                </a:solidFill>
+                <a:effectLst/>
+                <a:latin typeface="+mn-ea"/>
+              </a:rPr>
+              <a:t>지상 기지국 </a:t>
+            </a:r>
+            <a:r>
+              <a:rPr lang="en-US" altLang="ko-KR" sz="2400" b="1" kern="0" spc="0" dirty="0">
+                <a:solidFill>
+                  <a:srgbClr val="000000"/>
+                </a:solidFill>
+                <a:effectLst/>
+                <a:latin typeface="+mn-ea"/>
+              </a:rPr>
+              <a:t>+ </a:t>
+            </a:r>
+            <a:r>
+              <a:rPr lang="ko-KR" altLang="en-US" sz="2400" b="1" kern="0" spc="0" dirty="0">
+                <a:solidFill>
+                  <a:srgbClr val="000000"/>
+                </a:solidFill>
+                <a:effectLst/>
+                <a:latin typeface="+mn-ea"/>
+              </a:rPr>
+              <a:t>위성 통신을 함께 사용하는 하이브리드</a:t>
+            </a:r>
+            <a:r>
+              <a:rPr lang="en-US" altLang="ko-KR" sz="2400" kern="0" spc="0" dirty="0">
+                <a:solidFill>
+                  <a:srgbClr val="000000"/>
+                </a:solidFill>
+                <a:effectLst/>
+                <a:latin typeface="+mn-ea"/>
+              </a:rPr>
+              <a:t>" </a:t>
+            </a:r>
+            <a:r>
+              <a:rPr lang="ko-KR" altLang="en-US" sz="2400" kern="0" spc="0" dirty="0">
+                <a:solidFill>
+                  <a:srgbClr val="000000"/>
+                </a:solidFill>
+                <a:effectLst/>
+                <a:latin typeface="+mn-ea"/>
+              </a:rPr>
+              <a:t>구조 목표</a:t>
+            </a:r>
+            <a:endParaRPr lang="en-US" altLang="ko-KR" sz="2400" kern="0" spc="0" dirty="0">
+              <a:solidFill>
+                <a:srgbClr val="000000"/>
+              </a:solidFill>
+              <a:effectLst/>
+              <a:latin typeface="+mn-ea"/>
+            </a:endParaRPr>
+          </a:p>
+          <a:p>
+            <a:pPr marL="0" marR="0" lvl="0" indent="0" algn="ctr" fontAlgn="base" latinLnBrk="1">
+              <a:lnSpc>
+                <a:spcPct val="120000"/>
+              </a:lnSpc>
+              <a:buNone/>
+            </a:pPr>
+            <a:r>
+              <a:rPr lang="en-US" altLang="ko-KR" sz="2400" kern="0" dirty="0">
+                <a:solidFill>
+                  <a:srgbClr val="000000"/>
+                </a:solidFill>
+                <a:latin typeface="+mn-ea"/>
+              </a:rPr>
+              <a:t>- </a:t>
+            </a:r>
+            <a:r>
+              <a:rPr lang="ko-KR" altLang="en-US" sz="2400" kern="0" spc="0" dirty="0">
+                <a:solidFill>
+                  <a:srgbClr val="000000"/>
+                </a:solidFill>
+                <a:effectLst/>
+                <a:latin typeface="+mn-ea"/>
+              </a:rPr>
+              <a:t>위성 통신이 통신망이 닿지 않는 곳을 커버</a:t>
+            </a:r>
+            <a:r>
+              <a:rPr lang="en-US" altLang="ko-KR" sz="2400" kern="0" spc="0" dirty="0">
+                <a:solidFill>
+                  <a:srgbClr val="000000"/>
+                </a:solidFill>
+                <a:effectLst/>
+                <a:latin typeface="+mn-ea"/>
+              </a:rPr>
+              <a:t>,</a:t>
+            </a:r>
+            <a:endParaRPr lang="ko-KR" altLang="en-US" sz="2400" kern="0" spc="0" dirty="0">
+              <a:solidFill>
+                <a:srgbClr val="000000"/>
+              </a:solidFill>
+              <a:effectLst/>
+              <a:latin typeface="+mn-ea"/>
+            </a:endParaRPr>
+          </a:p>
+          <a:p>
+            <a:pPr marR="0" lvl="0" algn="ctr" fontAlgn="base" latinLnBrk="1">
+              <a:lnSpc>
+                <a:spcPct val="120000"/>
+              </a:lnSpc>
+              <a:buFontTx/>
+              <a:buChar char="-"/>
+            </a:pPr>
+            <a:r>
+              <a:rPr lang="ko-KR" altLang="en-US" sz="2400" kern="0" spc="0" dirty="0">
+                <a:solidFill>
+                  <a:srgbClr val="000000"/>
+                </a:solidFill>
+                <a:effectLst/>
+                <a:latin typeface="+mn-ea"/>
+              </a:rPr>
+              <a:t>재난 시 </a:t>
+            </a:r>
+            <a:r>
+              <a:rPr lang="ko-KR" altLang="en-US" sz="2400" b="1" kern="0" spc="0" dirty="0">
+                <a:solidFill>
+                  <a:srgbClr val="000000"/>
+                </a:solidFill>
+                <a:effectLst/>
+                <a:latin typeface="+mn-ea"/>
+              </a:rPr>
+              <a:t>백업 통신망 </a:t>
+            </a:r>
+            <a:r>
+              <a:rPr lang="ko-KR" altLang="en-US" sz="2400" kern="0" spc="0" dirty="0">
+                <a:solidFill>
+                  <a:srgbClr val="000000"/>
+                </a:solidFill>
+                <a:effectLst/>
+                <a:latin typeface="+mn-ea"/>
+              </a:rPr>
+              <a:t>역할</a:t>
+            </a:r>
+            <a:endParaRPr lang="en-US" altLang="ko-KR" sz="2400" kern="0" spc="0" dirty="0">
+              <a:solidFill>
+                <a:srgbClr val="000000"/>
+              </a:solidFill>
+              <a:effectLst/>
+              <a:latin typeface="+mn-ea"/>
+            </a:endParaRPr>
+          </a:p>
+          <a:p>
+            <a:pPr marR="0" lvl="0" algn="ctr" fontAlgn="base" latinLnBrk="1">
+              <a:lnSpc>
+                <a:spcPct val="120000"/>
+              </a:lnSpc>
+              <a:buFontTx/>
+              <a:buChar char="-"/>
+            </a:pPr>
+            <a:endParaRPr lang="en-US" altLang="ko-KR" sz="1600" kern="0" spc="0" dirty="0">
+              <a:solidFill>
+                <a:srgbClr val="000000"/>
+              </a:solidFill>
+              <a:effectLst/>
+              <a:latin typeface="+mn-ea"/>
+            </a:endParaRPr>
+          </a:p>
+          <a:p>
+            <a:pPr marL="0" marR="0" lvl="0" indent="0" algn="ctr" fontAlgn="base" latinLnBrk="1">
+              <a:lnSpc>
+                <a:spcPct val="120000"/>
+              </a:lnSpc>
+              <a:buNone/>
+            </a:pPr>
+            <a:r>
+              <a:rPr lang="ko-KR" altLang="en-US" sz="2400" kern="0" spc="0" dirty="0">
+                <a:solidFill>
+                  <a:srgbClr val="000000"/>
+                </a:solidFill>
+                <a:effectLst/>
+                <a:latin typeface="+mn-ea"/>
+              </a:rPr>
+              <a:t>	</a:t>
+            </a:r>
+            <a:r>
+              <a:rPr lang="en-US" altLang="ko-KR" sz="2400" kern="0" spc="0" dirty="0">
+                <a:solidFill>
+                  <a:srgbClr val="000000"/>
+                </a:solidFill>
+                <a:effectLst/>
+                <a:latin typeface="+mn-ea"/>
+                <a:sym typeface="Wingdings" panose="05000000000000000000" pitchFamily="2" charset="2"/>
+              </a:rPr>
+              <a:t> </a:t>
+            </a:r>
+            <a:r>
+              <a:rPr lang="ko-KR" altLang="en-US" sz="2400" b="1" kern="0" spc="0" dirty="0">
+                <a:solidFill>
+                  <a:srgbClr val="000000"/>
+                </a:solidFill>
+                <a:effectLst/>
+                <a:latin typeface="+mn-ea"/>
+              </a:rPr>
+              <a:t>이리듐은 전체 통신을 위성에만 맡겼지만</a:t>
+            </a:r>
+            <a:r>
+              <a:rPr lang="en-US" altLang="ko-KR" sz="2400" b="1" kern="0" spc="0" dirty="0">
+                <a:solidFill>
+                  <a:srgbClr val="000000"/>
+                </a:solidFill>
+                <a:effectLst/>
+                <a:latin typeface="+mn-ea"/>
+              </a:rPr>
+              <a:t>, </a:t>
+            </a:r>
+          </a:p>
+          <a:p>
+            <a:pPr marL="0" marR="0" lvl="0" indent="0" algn="ctr" fontAlgn="base" latinLnBrk="1">
+              <a:lnSpc>
+                <a:spcPct val="120000"/>
+              </a:lnSpc>
+              <a:buNone/>
+            </a:pPr>
+            <a:r>
+              <a:rPr lang="en-US" altLang="ko-KR" sz="2400" b="1" kern="0" spc="0" dirty="0">
+                <a:solidFill>
+                  <a:srgbClr val="000000"/>
+                </a:solidFill>
+                <a:effectLst/>
+                <a:latin typeface="+mn-ea"/>
+              </a:rPr>
+              <a:t>6G</a:t>
+            </a:r>
+            <a:r>
+              <a:rPr lang="ko-KR" altLang="en-US" sz="2400" b="1" kern="0" spc="0" dirty="0">
+                <a:solidFill>
+                  <a:srgbClr val="000000"/>
+                </a:solidFill>
+                <a:effectLst/>
+                <a:latin typeface="+mn-ea"/>
+              </a:rPr>
+              <a:t>는 위성을 </a:t>
+            </a:r>
+            <a:r>
+              <a:rPr lang="en-US" altLang="ko-KR" sz="2400" b="1" kern="0" spc="0" dirty="0">
+                <a:solidFill>
+                  <a:srgbClr val="000000"/>
+                </a:solidFill>
+                <a:effectLst/>
+                <a:latin typeface="+mn-ea"/>
+              </a:rPr>
+              <a:t>"</a:t>
+            </a:r>
+            <a:r>
+              <a:rPr lang="ko-KR" altLang="en-US" sz="2400" b="1" kern="0" spc="0" dirty="0">
+                <a:solidFill>
+                  <a:srgbClr val="000000"/>
+                </a:solidFill>
+                <a:effectLst/>
+                <a:latin typeface="+mn-ea"/>
+              </a:rPr>
+              <a:t>보조</a:t>
+            </a:r>
+            <a:r>
+              <a:rPr lang="en-US" altLang="ko-KR" sz="2400" b="1" kern="0" spc="0" dirty="0">
+                <a:solidFill>
+                  <a:srgbClr val="000000"/>
+                </a:solidFill>
+                <a:effectLst/>
+                <a:latin typeface="+mn-ea"/>
+              </a:rPr>
+              <a:t>"</a:t>
+            </a:r>
+            <a:r>
+              <a:rPr lang="ko-KR" altLang="en-US" sz="2400" b="1" kern="0" spc="0" dirty="0">
+                <a:solidFill>
+                  <a:srgbClr val="000000"/>
+                </a:solidFill>
+                <a:effectLst/>
+                <a:latin typeface="+mn-ea"/>
+              </a:rPr>
+              <a:t>로 쓴다</a:t>
+            </a:r>
+            <a:endParaRPr lang="ko-KR" altLang="en-US" sz="2400" kern="0" spc="0" dirty="0">
+              <a:solidFill>
+                <a:srgbClr val="000000"/>
+              </a:solidFill>
+              <a:effectLst/>
+              <a:latin typeface="+mn-ea"/>
+            </a:endParaRPr>
+          </a:p>
+        </p:txBody>
+      </p:sp>
+      <p:sp>
+        <p:nvSpPr>
+          <p:cNvPr id="4" name="슬라이드 번호 개체 틀 3">
+            <a:extLst>
+              <a:ext uri="{FF2B5EF4-FFF2-40B4-BE49-F238E27FC236}">
+                <a16:creationId xmlns:a16="http://schemas.microsoft.com/office/drawing/2014/main" id="{42889F09-5B28-5858-DBD3-4EA650A069BF}"/>
+              </a:ext>
+            </a:extLst>
+          </p:cNvPr>
+          <p:cNvSpPr>
+            <a:spLocks noGrp="1"/>
+          </p:cNvSpPr>
+          <p:nvPr>
+            <p:ph type="sldNum" sz="quarter" idx="12"/>
+          </p:nvPr>
+        </p:nvSpPr>
+        <p:spPr/>
+        <p:txBody>
+          <a:bodyPr/>
+          <a:lstStyle/>
+          <a:p>
+            <a:fld id="{1C8277D2-7E72-4AE2-8B1A-54440BCE74AB}" type="slidenum">
+              <a:rPr lang="ko-KR" altLang="en-US" smtClean="0"/>
+              <a:t>49</a:t>
+            </a:fld>
+            <a:endParaRPr lang="ko-KR" altLang="en-US"/>
+          </a:p>
+        </p:txBody>
+      </p:sp>
+    </p:spTree>
+    <p:extLst>
+      <p:ext uri="{BB962C8B-B14F-4D97-AF65-F5344CB8AC3E}">
+        <p14:creationId xmlns:p14="http://schemas.microsoft.com/office/powerpoint/2010/main" val="4250179120"/>
       </p:ext>
     </p:extLst>
   </p:cSld>
@@ -19665,10 +24853,132 @@
           </a:p>
         </p:txBody>
       </p:sp>
+      <p:sp>
+        <p:nvSpPr>
+          <p:cNvPr id="4" name="슬라이드 번호 개체 틀 3">
+            <a:extLst>
+              <a:ext uri="{FF2B5EF4-FFF2-40B4-BE49-F238E27FC236}">
+                <a16:creationId xmlns:a16="http://schemas.microsoft.com/office/drawing/2014/main" id="{B7B7381C-FFE5-E3F3-978C-C25FB471CBEB}"/>
+              </a:ext>
+            </a:extLst>
+          </p:cNvPr>
+          <p:cNvSpPr>
+            <a:spLocks noGrp="1"/>
+          </p:cNvSpPr>
+          <p:nvPr>
+            <p:ph type="sldNum" sz="quarter" idx="12"/>
+          </p:nvPr>
+        </p:nvSpPr>
+        <p:spPr/>
+        <p:txBody>
+          <a:bodyPr/>
+          <a:lstStyle/>
+          <a:p>
+            <a:fld id="{1C8277D2-7E72-4AE2-8B1A-54440BCE74AB}" type="slidenum">
+              <a:rPr lang="ko-KR" altLang="en-US" smtClean="0"/>
+              <a:t>5</a:t>
+            </a:fld>
+            <a:endParaRPr lang="ko-KR" altLang="en-US"/>
+          </a:p>
+        </p:txBody>
+      </p:sp>
     </p:spTree>
     <p:extLst>
       <p:ext uri="{BB962C8B-B14F-4D97-AF65-F5344CB8AC3E}">
         <p14:creationId xmlns:p14="http://schemas.microsoft.com/office/powerpoint/2010/main" val="183005936"/>
+      </p:ext>
+    </p:extLst>
+  </p:cSld>
+  <p:clrMapOvr>
+    <a:masterClrMapping/>
+  </p:clrMapOvr>
+</p:sld>
+</file>
+
+<file path=ppt/slides/slide50.xml><?xml version="1.0" encoding="utf-8"?>
+<p:sld xmlns:a="http://schemas.openxmlformats.org/drawingml/2006/main" xmlns:r="http://schemas.openxmlformats.org/officeDocument/2006/relationships" xmlns:p="http://schemas.openxmlformats.org/presentationml/2006/main">
+  <p:cSld>
+    <p:spTree>
+      <p:nvGrpSpPr>
+        <p:cNvPr id="1" name=""/>
+        <p:cNvGrpSpPr/>
+        <p:nvPr/>
+      </p:nvGrpSpPr>
+      <p:grpSpPr>
+        <a:xfrm>
+          <a:off x="0" y="0"/>
+          <a:ext cx="0" cy="0"/>
+          <a:chOff x="0" y="0"/>
+          <a:chExt cx="0" cy="0"/>
+        </a:xfrm>
+      </p:grpSpPr>
+      <p:sp>
+        <p:nvSpPr>
+          <p:cNvPr id="2" name="제목 1">
+            <a:extLst>
+              <a:ext uri="{FF2B5EF4-FFF2-40B4-BE49-F238E27FC236}">
+                <a16:creationId xmlns:a16="http://schemas.microsoft.com/office/drawing/2014/main" id="{D509F0A3-730D-5BB6-417B-C7A80063BD43}"/>
+              </a:ext>
+            </a:extLst>
+          </p:cNvPr>
+          <p:cNvSpPr>
+            <a:spLocks noGrp="1"/>
+          </p:cNvSpPr>
+          <p:nvPr>
+            <p:ph type="title"/>
+          </p:nvPr>
+        </p:nvSpPr>
+        <p:spPr>
+          <a:xfrm>
+            <a:off x="838200" y="2766218"/>
+            <a:ext cx="10515600" cy="1325563"/>
+          </a:xfrm>
+        </p:spPr>
+        <p:txBody>
+          <a:bodyPr/>
+          <a:lstStyle/>
+          <a:p>
+            <a:pPr algn="ctr"/>
+            <a:r>
+              <a:rPr lang="ko-KR" altLang="en-US" b="1" dirty="0"/>
+              <a:t>감사합니다</a:t>
+            </a:r>
+          </a:p>
+        </p:txBody>
+      </p:sp>
+      <p:sp>
+        <p:nvSpPr>
+          <p:cNvPr id="3" name="슬라이드 번호 개체 틀 2">
+            <a:extLst>
+              <a:ext uri="{FF2B5EF4-FFF2-40B4-BE49-F238E27FC236}">
+                <a16:creationId xmlns:a16="http://schemas.microsoft.com/office/drawing/2014/main" id="{AEBE71FB-1872-AC07-7105-1DA41AC4F73E}"/>
+              </a:ext>
+            </a:extLst>
+          </p:cNvPr>
+          <p:cNvSpPr>
+            <a:spLocks noGrp="1"/>
+          </p:cNvSpPr>
+          <p:nvPr>
+            <p:ph type="sldNum" sz="quarter" idx="12"/>
+          </p:nvPr>
+        </p:nvSpPr>
+        <p:spPr/>
+        <p:txBody>
+          <a:bodyPr/>
+          <a:lstStyle/>
+          <a:p>
+            <a:fld id="{1C8277D2-7E72-4AE2-8B1A-54440BCE74AB}" type="slidenum">
+              <a:rPr lang="ko-KR" altLang="en-US" smtClean="0"/>
+              <a:t>50</a:t>
+            </a:fld>
+            <a:endParaRPr lang="ko-KR" altLang="en-US"/>
+          </a:p>
+        </p:txBody>
+      </p:sp>
+    </p:spTree>
+    <p:extLst>
+      <p:ext uri="{BB962C8B-B14F-4D97-AF65-F5344CB8AC3E}">
+        <p14:creationId xmlns:p14="http://schemas.microsoft.com/office/powerpoint/2010/main" val="1096484278"/>
       </p:ext>
     </p:extLst>
   </p:cSld>
@@ -19819,6 +25129,35 @@
           </a:prstGeom>
         </p:spPr>
       </p:pic>
+      <p:sp>
+        <p:nvSpPr>
+          <p:cNvPr id="3" name="슬라이드 번호 개체 틀 2">
+            <a:extLst>
+              <a:ext uri="{FF2B5EF4-FFF2-40B4-BE49-F238E27FC236}">
+                <a16:creationId xmlns:a16="http://schemas.microsoft.com/office/drawing/2014/main" id="{36C0E2D1-3D2D-C927-3DD2-5E72B06E682A}"/>
+              </a:ext>
+            </a:extLst>
+          </p:cNvPr>
+          <p:cNvSpPr>
+            <a:spLocks noGrp="1"/>
+          </p:cNvSpPr>
+          <p:nvPr>
+            <p:ph type="sldNum" sz="quarter" idx="12"/>
+          </p:nvPr>
+        </p:nvSpPr>
+        <p:spPr/>
+        <p:txBody>
+          <a:bodyPr/>
+          <a:lstStyle/>
+          <a:p>
+            <a:fld id="{1C8277D2-7E72-4AE2-8B1A-54440BCE74AB}" type="slidenum">
+              <a:rPr lang="ko-KR" altLang="en-US" smtClean="0"/>
+              <a:t>6</a:t>
+            </a:fld>
+            <a:endParaRPr lang="ko-KR" altLang="en-US"/>
+          </a:p>
+        </p:txBody>
+      </p:sp>
     </p:spTree>
     <p:extLst>
       <p:ext uri="{BB962C8B-B14F-4D97-AF65-F5344CB8AC3E}">
@@ -20102,6 +25441,35 @@
           <a:p>
             <a:pPr algn="ctr"/>
             <a:endParaRPr lang="ko-KR" altLang="en-US" sz="2000" dirty="0"/>
+          </a:p>
+        </p:txBody>
+      </p:sp>
+      <p:sp>
+        <p:nvSpPr>
+          <p:cNvPr id="4" name="슬라이드 번호 개체 틀 3">
+            <a:extLst>
+              <a:ext uri="{FF2B5EF4-FFF2-40B4-BE49-F238E27FC236}">
+                <a16:creationId xmlns:a16="http://schemas.microsoft.com/office/drawing/2014/main" id="{AF6B9ABD-C316-B43E-4B6C-FE16C6583945}"/>
+              </a:ext>
+            </a:extLst>
+          </p:cNvPr>
+          <p:cNvSpPr>
+            <a:spLocks noGrp="1"/>
+          </p:cNvSpPr>
+          <p:nvPr>
+            <p:ph type="sldNum" sz="quarter" idx="12"/>
+          </p:nvPr>
+        </p:nvSpPr>
+        <p:spPr/>
+        <p:txBody>
+          <a:bodyPr/>
+          <a:lstStyle/>
+          <a:p>
+            <a:fld id="{1C8277D2-7E72-4AE2-8B1A-54440BCE74AB}" type="slidenum">
+              <a:rPr lang="ko-KR" altLang="en-US" smtClean="0"/>
+              <a:t>7</a:t>
+            </a:fld>
+            <a:endParaRPr lang="ko-KR" altLang="en-US"/>
           </a:p>
         </p:txBody>
       </p:sp>
@@ -20851,6 +26219,35 @@
           </a:p>
         </p:txBody>
       </p:sp>
+      <p:sp>
+        <p:nvSpPr>
+          <p:cNvPr id="7" name="슬라이드 번호 개체 틀 6">
+            <a:extLst>
+              <a:ext uri="{FF2B5EF4-FFF2-40B4-BE49-F238E27FC236}">
+                <a16:creationId xmlns:a16="http://schemas.microsoft.com/office/drawing/2014/main" id="{EACED605-778B-ACC6-6698-56052E8E6471}"/>
+              </a:ext>
+            </a:extLst>
+          </p:cNvPr>
+          <p:cNvSpPr>
+            <a:spLocks noGrp="1"/>
+          </p:cNvSpPr>
+          <p:nvPr>
+            <p:ph type="sldNum" sz="quarter" idx="12"/>
+          </p:nvPr>
+        </p:nvSpPr>
+        <p:spPr/>
+        <p:txBody>
+          <a:bodyPr/>
+          <a:lstStyle/>
+          <a:p>
+            <a:fld id="{1C8277D2-7E72-4AE2-8B1A-54440BCE74AB}" type="slidenum">
+              <a:rPr lang="ko-KR" altLang="en-US" smtClean="0"/>
+              <a:t>8</a:t>
+            </a:fld>
+            <a:endParaRPr lang="ko-KR" altLang="en-US"/>
+          </a:p>
+        </p:txBody>
+      </p:sp>
     </p:spTree>
     <p:extLst>
       <p:ext uri="{BB962C8B-B14F-4D97-AF65-F5344CB8AC3E}">
@@ -22147,6 +27544,35 @@
             <a:endParaRPr lang="ko-KR" altLang="en-US" sz="2000" dirty="0">
               <a:latin typeface="+mn-ea"/>
             </a:endParaRPr>
+          </a:p>
+        </p:txBody>
+      </p:sp>
+      <p:sp>
+        <p:nvSpPr>
+          <p:cNvPr id="4" name="슬라이드 번호 개체 틀 3">
+            <a:extLst>
+              <a:ext uri="{FF2B5EF4-FFF2-40B4-BE49-F238E27FC236}">
+                <a16:creationId xmlns:a16="http://schemas.microsoft.com/office/drawing/2014/main" id="{3E491438-0B89-A439-3C8F-1C2B3FC7AC30}"/>
+              </a:ext>
+            </a:extLst>
+          </p:cNvPr>
+          <p:cNvSpPr>
+            <a:spLocks noGrp="1"/>
+          </p:cNvSpPr>
+          <p:nvPr>
+            <p:ph type="sldNum" sz="quarter" idx="12"/>
+          </p:nvPr>
+        </p:nvSpPr>
+        <p:spPr/>
+        <p:txBody>
+          <a:bodyPr/>
+          <a:lstStyle/>
+          <a:p>
+            <a:fld id="{1C8277D2-7E72-4AE2-8B1A-54440BCE74AB}" type="slidenum">
+              <a:rPr lang="ko-KR" altLang="en-US" smtClean="0"/>
+              <a:t>9</a:t>
+            </a:fld>
+            <a:endParaRPr lang="ko-KR" altLang="en-US"/>
           </a:p>
         </p:txBody>
       </p:sp>
